--- a/学习笔记/ngx数据结构关系图.pptx
+++ b/学习笔记/ngx数据结构关系图.pptx
@@ -7,6 +7,7 @@
   <p:sldIdLst>
     <p:sldId id="256" r:id="rId2"/>
     <p:sldId id="257" r:id="rId3"/>
+    <p:sldId id="258" r:id="rId4"/>
   </p:sldIdLst>
   <p:sldSz cx="12192000" cy="6858000"/>
   <p:notesSz cx="6858000" cy="9144000"/>
@@ -244,7 +245,7 @@
           <a:p>
             <a:fld id="{8812C557-E94C-4C6F-A3B3-D1AB649871E9}" type="datetimeFigureOut">
               <a:rPr lang="zh-CN" altLang="en-US" smtClean="0"/>
-              <a:t>2019/10/30</a:t>
+              <a:t>2019/10/31</a:t>
             </a:fld>
             <a:endParaRPr lang="zh-CN" altLang="en-US"/>
           </a:p>
@@ -414,7 +415,7 @@
           <a:p>
             <a:fld id="{8812C557-E94C-4C6F-A3B3-D1AB649871E9}" type="datetimeFigureOut">
               <a:rPr lang="zh-CN" altLang="en-US" smtClean="0"/>
-              <a:t>2019/10/30</a:t>
+              <a:t>2019/10/31</a:t>
             </a:fld>
             <a:endParaRPr lang="zh-CN" altLang="en-US"/>
           </a:p>
@@ -594,7 +595,7 @@
           <a:p>
             <a:fld id="{8812C557-E94C-4C6F-A3B3-D1AB649871E9}" type="datetimeFigureOut">
               <a:rPr lang="zh-CN" altLang="en-US" smtClean="0"/>
-              <a:t>2019/10/30</a:t>
+              <a:t>2019/10/31</a:t>
             </a:fld>
             <a:endParaRPr lang="zh-CN" altLang="en-US"/>
           </a:p>
@@ -764,7 +765,7 @@
           <a:p>
             <a:fld id="{8812C557-E94C-4C6F-A3B3-D1AB649871E9}" type="datetimeFigureOut">
               <a:rPr lang="zh-CN" altLang="en-US" smtClean="0"/>
-              <a:t>2019/10/30</a:t>
+              <a:t>2019/10/31</a:t>
             </a:fld>
             <a:endParaRPr lang="zh-CN" altLang="en-US"/>
           </a:p>
@@ -1010,7 +1011,7 @@
           <a:p>
             <a:fld id="{8812C557-E94C-4C6F-A3B3-D1AB649871E9}" type="datetimeFigureOut">
               <a:rPr lang="zh-CN" altLang="en-US" smtClean="0"/>
-              <a:t>2019/10/30</a:t>
+              <a:t>2019/10/31</a:t>
             </a:fld>
             <a:endParaRPr lang="zh-CN" altLang="en-US"/>
           </a:p>
@@ -1242,7 +1243,7 @@
           <a:p>
             <a:fld id="{8812C557-E94C-4C6F-A3B3-D1AB649871E9}" type="datetimeFigureOut">
               <a:rPr lang="zh-CN" altLang="en-US" smtClean="0"/>
-              <a:t>2019/10/30</a:t>
+              <a:t>2019/10/31</a:t>
             </a:fld>
             <a:endParaRPr lang="zh-CN" altLang="en-US"/>
           </a:p>
@@ -1609,7 +1610,7 @@
           <a:p>
             <a:fld id="{8812C557-E94C-4C6F-A3B3-D1AB649871E9}" type="datetimeFigureOut">
               <a:rPr lang="zh-CN" altLang="en-US" smtClean="0"/>
-              <a:t>2019/10/30</a:t>
+              <a:t>2019/10/31</a:t>
             </a:fld>
             <a:endParaRPr lang="zh-CN" altLang="en-US"/>
           </a:p>
@@ -1727,7 +1728,7 @@
           <a:p>
             <a:fld id="{8812C557-E94C-4C6F-A3B3-D1AB649871E9}" type="datetimeFigureOut">
               <a:rPr lang="zh-CN" altLang="en-US" smtClean="0"/>
-              <a:t>2019/10/30</a:t>
+              <a:t>2019/10/31</a:t>
             </a:fld>
             <a:endParaRPr lang="zh-CN" altLang="en-US"/>
           </a:p>
@@ -1822,7 +1823,7 @@
           <a:p>
             <a:fld id="{8812C557-E94C-4C6F-A3B3-D1AB649871E9}" type="datetimeFigureOut">
               <a:rPr lang="zh-CN" altLang="en-US" smtClean="0"/>
-              <a:t>2019/10/30</a:t>
+              <a:t>2019/10/31</a:t>
             </a:fld>
             <a:endParaRPr lang="zh-CN" altLang="en-US"/>
           </a:p>
@@ -2099,7 +2100,7 @@
           <a:p>
             <a:fld id="{8812C557-E94C-4C6F-A3B3-D1AB649871E9}" type="datetimeFigureOut">
               <a:rPr lang="zh-CN" altLang="en-US" smtClean="0"/>
-              <a:t>2019/10/30</a:t>
+              <a:t>2019/10/31</a:t>
             </a:fld>
             <a:endParaRPr lang="zh-CN" altLang="en-US"/>
           </a:p>
@@ -2352,7 +2353,7 @@
           <a:p>
             <a:fld id="{8812C557-E94C-4C6F-A3B3-D1AB649871E9}" type="datetimeFigureOut">
               <a:rPr lang="zh-CN" altLang="en-US" smtClean="0"/>
-              <a:t>2019/10/30</a:t>
+              <a:t>2019/10/31</a:t>
             </a:fld>
             <a:endParaRPr lang="zh-CN" altLang="en-US"/>
           </a:p>
@@ -2565,7 +2566,7 @@
           <a:p>
             <a:fld id="{8812C557-E94C-4C6F-A3B3-D1AB649871E9}" type="datetimeFigureOut">
               <a:rPr lang="zh-CN" altLang="en-US" smtClean="0"/>
-              <a:t>2019/10/30</a:t>
+              <a:t>2019/10/31</a:t>
             </a:fld>
             <a:endParaRPr lang="zh-CN" altLang="en-US"/>
           </a:p>
@@ -6436,6 +6437,1430 @@
 </p:sld>
 </file>
 
+<file path=ppt/slides/slide3.xml><?xml version="1.0" encoding="utf-8"?>
+<p:sld xmlns:a="http://schemas.openxmlformats.org/drawingml/2006/main" xmlns:r="http://schemas.openxmlformats.org/officeDocument/2006/relationships" xmlns:p="http://schemas.openxmlformats.org/presentationml/2006/main">
+  <p:cSld>
+    <p:spTree>
+      <p:nvGrpSpPr>
+        <p:cNvPr id="1" name=""/>
+        <p:cNvGrpSpPr/>
+        <p:nvPr/>
+      </p:nvGrpSpPr>
+      <p:grpSpPr>
+        <a:xfrm>
+          <a:off x="0" y="0"/>
+          <a:ext cx="0" cy="0"/>
+          <a:chOff x="0" y="0"/>
+          <a:chExt cx="0" cy="0"/>
+        </a:xfrm>
+      </p:grpSpPr>
+      <p:sp>
+        <p:nvSpPr>
+          <p:cNvPr id="4" name="矩形 3"/>
+          <p:cNvSpPr/>
+          <p:nvPr/>
+        </p:nvSpPr>
+        <p:spPr>
+          <a:xfrm>
+            <a:off x="1207362" y="1516018"/>
+            <a:ext cx="996419" cy="335501"/>
+          </a:xfrm>
+          <a:prstGeom prst="rect">
+            <a:avLst/>
+          </a:prstGeom>
+          <a:noFill/>
+        </p:spPr>
+        <p:style>
+          <a:lnRef idx="2">
+            <a:schemeClr val="accent1">
+              <a:shade val="50000"/>
+            </a:schemeClr>
+          </a:lnRef>
+          <a:fillRef idx="1">
+            <a:schemeClr val="accent1"/>
+          </a:fillRef>
+          <a:effectRef idx="0">
+            <a:schemeClr val="accent1"/>
+          </a:effectRef>
+          <a:fontRef idx="minor">
+            <a:schemeClr val="lt1"/>
+          </a:fontRef>
+        </p:style>
+        <p:txBody>
+          <a:bodyPr rtlCol="0" anchor="ctr"/>
+          <a:lstStyle/>
+          <a:p>
+            <a:pPr algn="ctr"/>
+            <a:r>
+              <a:rPr lang="en-US" altLang="zh-CN" sz="1000" dirty="0" err="1" smtClean="0">
+                <a:solidFill>
+                  <a:schemeClr val="tx1"/>
+                </a:solidFill>
+              </a:rPr>
+              <a:t>ngx_cycle</a:t>
+            </a:r>
+            <a:r>
+              <a:rPr lang="en-US" altLang="zh-CN" sz="1000" dirty="0" err="1" smtClean="0">
+                <a:solidFill>
+                  <a:schemeClr val="tx1"/>
+                </a:solidFill>
+              </a:rPr>
+              <a:t>_t</a:t>
+            </a:r>
+            <a:endParaRPr lang="zh-CN" altLang="en-US" sz="1000" dirty="0">
+              <a:solidFill>
+                <a:schemeClr val="tx1"/>
+              </a:solidFill>
+            </a:endParaRPr>
+          </a:p>
+        </p:txBody>
+      </p:sp>
+      <p:sp>
+        <p:nvSpPr>
+          <p:cNvPr id="5" name="矩形 4"/>
+          <p:cNvSpPr/>
+          <p:nvPr/>
+        </p:nvSpPr>
+        <p:spPr>
+          <a:xfrm>
+            <a:off x="1207361" y="1851519"/>
+            <a:ext cx="996419" cy="335501"/>
+          </a:xfrm>
+          <a:prstGeom prst="rect">
+            <a:avLst/>
+          </a:prstGeom>
+          <a:noFill/>
+        </p:spPr>
+        <p:style>
+          <a:lnRef idx="2">
+            <a:schemeClr val="accent1">
+              <a:shade val="50000"/>
+            </a:schemeClr>
+          </a:lnRef>
+          <a:fillRef idx="1">
+            <a:schemeClr val="accent1"/>
+          </a:fillRef>
+          <a:effectRef idx="0">
+            <a:schemeClr val="accent1"/>
+          </a:effectRef>
+          <a:fontRef idx="minor">
+            <a:schemeClr val="lt1"/>
+          </a:fontRef>
+        </p:style>
+        <p:txBody>
+          <a:bodyPr rtlCol="0" anchor="ctr"/>
+          <a:lstStyle/>
+          <a:p>
+            <a:pPr algn="ctr"/>
+            <a:r>
+              <a:rPr lang="en-US" altLang="zh-CN" sz="1000" dirty="0" smtClean="0">
+                <a:solidFill>
+                  <a:schemeClr val="tx1"/>
+                </a:solidFill>
+              </a:rPr>
+              <a:t>****</a:t>
+            </a:r>
+            <a:r>
+              <a:rPr lang="en-US" altLang="zh-CN" sz="1000" dirty="0" err="1" smtClean="0">
+                <a:solidFill>
+                  <a:schemeClr val="tx1"/>
+                </a:solidFill>
+              </a:rPr>
+              <a:t>conf_ctx</a:t>
+            </a:r>
+            <a:endParaRPr lang="zh-CN" altLang="en-US" sz="1000" dirty="0">
+              <a:solidFill>
+                <a:schemeClr val="tx1"/>
+              </a:solidFill>
+            </a:endParaRPr>
+          </a:p>
+        </p:txBody>
+      </p:sp>
+      <p:sp>
+        <p:nvSpPr>
+          <p:cNvPr id="6" name="矩形 5"/>
+          <p:cNvSpPr/>
+          <p:nvPr/>
+        </p:nvSpPr>
+        <p:spPr>
+          <a:xfrm>
+            <a:off x="3584803" y="815199"/>
+            <a:ext cx="552858" cy="335501"/>
+          </a:xfrm>
+          <a:prstGeom prst="rect">
+            <a:avLst/>
+          </a:prstGeom>
+          <a:noFill/>
+        </p:spPr>
+        <p:style>
+          <a:lnRef idx="2">
+            <a:schemeClr val="accent1">
+              <a:shade val="50000"/>
+            </a:schemeClr>
+          </a:lnRef>
+          <a:fillRef idx="1">
+            <a:schemeClr val="accent1"/>
+          </a:fillRef>
+          <a:effectRef idx="0">
+            <a:schemeClr val="accent1"/>
+          </a:effectRef>
+          <a:fontRef idx="minor">
+            <a:schemeClr val="lt1"/>
+          </a:fontRef>
+        </p:style>
+        <p:txBody>
+          <a:bodyPr rtlCol="0" anchor="ctr"/>
+          <a:lstStyle/>
+          <a:p>
+            <a:pPr algn="ctr"/>
+            <a:r>
+              <a:rPr lang="en-US" altLang="zh-CN" sz="1000" dirty="0" smtClean="0">
+                <a:solidFill>
+                  <a:schemeClr val="tx1"/>
+                </a:solidFill>
+              </a:rPr>
+              <a:t>void *</a:t>
+            </a:r>
+            <a:endParaRPr lang="zh-CN" altLang="en-US" sz="1000" dirty="0">
+              <a:solidFill>
+                <a:schemeClr val="tx1"/>
+              </a:solidFill>
+            </a:endParaRPr>
+          </a:p>
+        </p:txBody>
+      </p:sp>
+      <p:sp>
+        <p:nvSpPr>
+          <p:cNvPr id="9" name="矩形 8"/>
+          <p:cNvSpPr/>
+          <p:nvPr/>
+        </p:nvSpPr>
+        <p:spPr>
+          <a:xfrm>
+            <a:off x="4137661" y="815199"/>
+            <a:ext cx="552858" cy="335501"/>
+          </a:xfrm>
+          <a:prstGeom prst="rect">
+            <a:avLst/>
+          </a:prstGeom>
+          <a:noFill/>
+        </p:spPr>
+        <p:style>
+          <a:lnRef idx="2">
+            <a:schemeClr val="accent1">
+              <a:shade val="50000"/>
+            </a:schemeClr>
+          </a:lnRef>
+          <a:fillRef idx="1">
+            <a:schemeClr val="accent1"/>
+          </a:fillRef>
+          <a:effectRef idx="0">
+            <a:schemeClr val="accent1"/>
+          </a:effectRef>
+          <a:fontRef idx="minor">
+            <a:schemeClr val="lt1"/>
+          </a:fontRef>
+        </p:style>
+        <p:txBody>
+          <a:bodyPr rtlCol="0" anchor="ctr"/>
+          <a:lstStyle/>
+          <a:p>
+            <a:pPr algn="ctr"/>
+            <a:r>
+              <a:rPr lang="en-US" altLang="zh-CN" sz="1000" dirty="0" smtClean="0">
+                <a:solidFill>
+                  <a:schemeClr val="tx1"/>
+                </a:solidFill>
+              </a:rPr>
+              <a:t>void *</a:t>
+            </a:r>
+            <a:endParaRPr lang="zh-CN" altLang="en-US" sz="1000" dirty="0">
+              <a:solidFill>
+                <a:schemeClr val="tx1"/>
+              </a:solidFill>
+            </a:endParaRPr>
+          </a:p>
+        </p:txBody>
+      </p:sp>
+      <p:sp>
+        <p:nvSpPr>
+          <p:cNvPr id="10" name="矩形 9"/>
+          <p:cNvSpPr/>
+          <p:nvPr/>
+        </p:nvSpPr>
+        <p:spPr>
+          <a:xfrm>
+            <a:off x="4690519" y="815199"/>
+            <a:ext cx="552858" cy="335501"/>
+          </a:xfrm>
+          <a:prstGeom prst="rect">
+            <a:avLst/>
+          </a:prstGeom>
+          <a:noFill/>
+        </p:spPr>
+        <p:style>
+          <a:lnRef idx="2">
+            <a:schemeClr val="accent1">
+              <a:shade val="50000"/>
+            </a:schemeClr>
+          </a:lnRef>
+          <a:fillRef idx="1">
+            <a:schemeClr val="accent1"/>
+          </a:fillRef>
+          <a:effectRef idx="0">
+            <a:schemeClr val="accent1"/>
+          </a:effectRef>
+          <a:fontRef idx="minor">
+            <a:schemeClr val="lt1"/>
+          </a:fontRef>
+        </p:style>
+        <p:txBody>
+          <a:bodyPr rtlCol="0" anchor="ctr"/>
+          <a:lstStyle/>
+          <a:p>
+            <a:pPr algn="ctr"/>
+            <a:r>
+              <a:rPr lang="en-US" altLang="zh-CN" sz="1000" dirty="0" smtClean="0">
+                <a:solidFill>
+                  <a:schemeClr val="tx1"/>
+                </a:solidFill>
+              </a:rPr>
+              <a:t>…</a:t>
+            </a:r>
+            <a:endParaRPr lang="zh-CN" altLang="en-US" sz="1000" dirty="0">
+              <a:solidFill>
+                <a:schemeClr val="tx1"/>
+              </a:solidFill>
+            </a:endParaRPr>
+          </a:p>
+        </p:txBody>
+      </p:sp>
+      <p:sp>
+        <p:nvSpPr>
+          <p:cNvPr id="11" name="矩形 10"/>
+          <p:cNvSpPr/>
+          <p:nvPr/>
+        </p:nvSpPr>
+        <p:spPr>
+          <a:xfrm>
+            <a:off x="5243377" y="815199"/>
+            <a:ext cx="552858" cy="335501"/>
+          </a:xfrm>
+          <a:prstGeom prst="rect">
+            <a:avLst/>
+          </a:prstGeom>
+          <a:noFill/>
+        </p:spPr>
+        <p:style>
+          <a:lnRef idx="2">
+            <a:schemeClr val="accent1">
+              <a:shade val="50000"/>
+            </a:schemeClr>
+          </a:lnRef>
+          <a:fillRef idx="1">
+            <a:schemeClr val="accent1"/>
+          </a:fillRef>
+          <a:effectRef idx="0">
+            <a:schemeClr val="accent1"/>
+          </a:effectRef>
+          <a:fontRef idx="minor">
+            <a:schemeClr val="lt1"/>
+          </a:fontRef>
+        </p:style>
+        <p:txBody>
+          <a:bodyPr rtlCol="0" anchor="ctr"/>
+          <a:lstStyle/>
+          <a:p>
+            <a:pPr algn="ctr"/>
+            <a:r>
+              <a:rPr lang="en-US" altLang="zh-CN" sz="1000" dirty="0" smtClean="0">
+                <a:solidFill>
+                  <a:schemeClr val="tx1"/>
+                </a:solidFill>
+              </a:rPr>
+              <a:t>void *</a:t>
+            </a:r>
+            <a:endParaRPr lang="zh-CN" altLang="en-US" sz="1000" dirty="0">
+              <a:solidFill>
+                <a:schemeClr val="tx1"/>
+              </a:solidFill>
+            </a:endParaRPr>
+          </a:p>
+        </p:txBody>
+      </p:sp>
+      <p:sp>
+        <p:nvSpPr>
+          <p:cNvPr id="12" name="文本框 11"/>
+          <p:cNvSpPr txBox="1"/>
+          <p:nvPr/>
+        </p:nvSpPr>
+        <p:spPr>
+          <a:xfrm>
+            <a:off x="3790882" y="307368"/>
+            <a:ext cx="1728924" cy="507831"/>
+          </a:xfrm>
+          <a:prstGeom prst="rect">
+            <a:avLst/>
+          </a:prstGeom>
+          <a:noFill/>
+        </p:spPr>
+        <p:txBody>
+          <a:bodyPr wrap="square" rtlCol="0">
+            <a:spAutoFit/>
+          </a:bodyPr>
+          <a:lstStyle/>
+          <a:p>
+            <a:r>
+              <a:rPr lang="zh-CN" altLang="en-US" sz="900" dirty="0"/>
+              <a:t>一</a:t>
+            </a:r>
+            <a:r>
+              <a:rPr lang="zh-CN" altLang="en-US" sz="900" dirty="0" smtClean="0"/>
+              <a:t>个指针数组，成员个数是</a:t>
+            </a:r>
+            <a:r>
+              <a:rPr lang="en-US" altLang="zh-CN" sz="900" dirty="0" err="1" smtClean="0"/>
+              <a:t>ngx_max_module</a:t>
+            </a:r>
+            <a:r>
+              <a:rPr lang="zh-CN" altLang="en-US" sz="900" dirty="0" smtClean="0"/>
+              <a:t>，这个值是在</a:t>
+            </a:r>
+            <a:r>
+              <a:rPr lang="en-US" altLang="zh-CN" sz="900" dirty="0" err="1" smtClean="0"/>
+              <a:t>ngx_preinit_module</a:t>
+            </a:r>
+            <a:r>
+              <a:rPr lang="zh-CN" altLang="en-US" sz="900" dirty="0" smtClean="0"/>
+              <a:t>中确定的</a:t>
+            </a:r>
+            <a:endParaRPr lang="zh-CN" altLang="en-US" sz="900" dirty="0"/>
+          </a:p>
+        </p:txBody>
+      </p:sp>
+      <p:sp>
+        <p:nvSpPr>
+          <p:cNvPr id="13" name="矩形 12"/>
+          <p:cNvSpPr/>
+          <p:nvPr/>
+        </p:nvSpPr>
+        <p:spPr>
+          <a:xfrm>
+            <a:off x="2866720" y="1658530"/>
+            <a:ext cx="1273356" cy="335501"/>
+          </a:xfrm>
+          <a:prstGeom prst="rect">
+            <a:avLst/>
+          </a:prstGeom>
+          <a:noFill/>
+        </p:spPr>
+        <p:style>
+          <a:lnRef idx="2">
+            <a:schemeClr val="accent1">
+              <a:shade val="50000"/>
+            </a:schemeClr>
+          </a:lnRef>
+          <a:fillRef idx="1">
+            <a:schemeClr val="accent1"/>
+          </a:fillRef>
+          <a:effectRef idx="0">
+            <a:schemeClr val="accent1"/>
+          </a:effectRef>
+          <a:fontRef idx="minor">
+            <a:schemeClr val="lt1"/>
+          </a:fontRef>
+        </p:style>
+        <p:txBody>
+          <a:bodyPr rtlCol="0" anchor="ctr"/>
+          <a:lstStyle/>
+          <a:p>
+            <a:pPr algn="ctr"/>
+            <a:r>
+              <a:rPr lang="en-US" altLang="zh-CN" sz="1000" dirty="0" err="1" smtClean="0">
+                <a:solidFill>
+                  <a:schemeClr val="tx1"/>
+                </a:solidFill>
+              </a:rPr>
+              <a:t>ngx_http_conf</a:t>
+            </a:r>
+            <a:r>
+              <a:rPr lang="en-US" altLang="zh-CN" sz="1000" dirty="0" err="1" smtClean="0">
+                <a:solidFill>
+                  <a:schemeClr val="tx1"/>
+                </a:solidFill>
+              </a:rPr>
+              <a:t>_ctx_t</a:t>
+            </a:r>
+            <a:endParaRPr lang="zh-CN" altLang="en-US" sz="1000" dirty="0">
+              <a:solidFill>
+                <a:schemeClr val="tx1"/>
+              </a:solidFill>
+            </a:endParaRPr>
+          </a:p>
+        </p:txBody>
+      </p:sp>
+      <p:cxnSp>
+        <p:nvCxnSpPr>
+          <p:cNvPr id="15" name="肘形连接符 14"/>
+          <p:cNvCxnSpPr>
+            <a:stCxn id="6" idx="2"/>
+            <a:endCxn id="13" idx="0"/>
+          </p:cNvCxnSpPr>
+          <p:nvPr/>
+        </p:nvCxnSpPr>
+        <p:spPr>
+          <a:xfrm rot="5400000">
+            <a:off x="3428400" y="1225698"/>
+            <a:ext cx="507830" cy="357834"/>
+          </a:xfrm>
+          <a:prstGeom prst="bentConnector3">
+            <a:avLst/>
+          </a:prstGeom>
+          <a:ln>
+            <a:tailEnd type="triangle"/>
+          </a:ln>
+        </p:spPr>
+        <p:style>
+          <a:lnRef idx="1">
+            <a:schemeClr val="accent1"/>
+          </a:lnRef>
+          <a:fillRef idx="0">
+            <a:schemeClr val="accent1"/>
+          </a:fillRef>
+          <a:effectRef idx="0">
+            <a:schemeClr val="accent1"/>
+          </a:effectRef>
+          <a:fontRef idx="minor">
+            <a:schemeClr val="tx1"/>
+          </a:fontRef>
+        </p:style>
+      </p:cxnSp>
+      <p:sp>
+        <p:nvSpPr>
+          <p:cNvPr id="17" name="矩形 16"/>
+          <p:cNvSpPr/>
+          <p:nvPr/>
+        </p:nvSpPr>
+        <p:spPr>
+          <a:xfrm>
+            <a:off x="4414090" y="1658531"/>
+            <a:ext cx="552858" cy="335501"/>
+          </a:xfrm>
+          <a:prstGeom prst="rect">
+            <a:avLst/>
+          </a:prstGeom>
+          <a:noFill/>
+        </p:spPr>
+        <p:style>
+          <a:lnRef idx="2">
+            <a:schemeClr val="accent1">
+              <a:shade val="50000"/>
+            </a:schemeClr>
+          </a:lnRef>
+          <a:fillRef idx="1">
+            <a:schemeClr val="accent1"/>
+          </a:fillRef>
+          <a:effectRef idx="0">
+            <a:schemeClr val="accent1"/>
+          </a:effectRef>
+          <a:fontRef idx="minor">
+            <a:schemeClr val="lt1"/>
+          </a:fontRef>
+        </p:style>
+        <p:txBody>
+          <a:bodyPr rtlCol="0" anchor="ctr"/>
+          <a:lstStyle/>
+          <a:p>
+            <a:pPr algn="ctr"/>
+            <a:r>
+              <a:rPr lang="en-US" altLang="zh-CN" sz="1000" dirty="0" smtClean="0">
+                <a:solidFill>
+                  <a:schemeClr val="tx1"/>
+                </a:solidFill>
+              </a:rPr>
+              <a:t>void *</a:t>
+            </a:r>
+            <a:endParaRPr lang="zh-CN" altLang="en-US" sz="1000" dirty="0">
+              <a:solidFill>
+                <a:schemeClr val="tx1"/>
+              </a:solidFill>
+            </a:endParaRPr>
+          </a:p>
+        </p:txBody>
+      </p:sp>
+      <p:sp>
+        <p:nvSpPr>
+          <p:cNvPr id="18" name="矩形 17"/>
+          <p:cNvSpPr/>
+          <p:nvPr/>
+        </p:nvSpPr>
+        <p:spPr>
+          <a:xfrm>
+            <a:off x="4966948" y="1658531"/>
+            <a:ext cx="552858" cy="335501"/>
+          </a:xfrm>
+          <a:prstGeom prst="rect">
+            <a:avLst/>
+          </a:prstGeom>
+          <a:noFill/>
+        </p:spPr>
+        <p:style>
+          <a:lnRef idx="2">
+            <a:schemeClr val="accent1">
+              <a:shade val="50000"/>
+            </a:schemeClr>
+          </a:lnRef>
+          <a:fillRef idx="1">
+            <a:schemeClr val="accent1"/>
+          </a:fillRef>
+          <a:effectRef idx="0">
+            <a:schemeClr val="accent1"/>
+          </a:effectRef>
+          <a:fontRef idx="minor">
+            <a:schemeClr val="lt1"/>
+          </a:fontRef>
+        </p:style>
+        <p:txBody>
+          <a:bodyPr rtlCol="0" anchor="ctr"/>
+          <a:lstStyle/>
+          <a:p>
+            <a:pPr algn="ctr"/>
+            <a:r>
+              <a:rPr lang="en-US" altLang="zh-CN" sz="1000" dirty="0" smtClean="0">
+                <a:solidFill>
+                  <a:schemeClr val="tx1"/>
+                </a:solidFill>
+              </a:rPr>
+              <a:t>void *</a:t>
+            </a:r>
+            <a:endParaRPr lang="zh-CN" altLang="en-US" sz="1000" dirty="0">
+              <a:solidFill>
+                <a:schemeClr val="tx1"/>
+              </a:solidFill>
+            </a:endParaRPr>
+          </a:p>
+        </p:txBody>
+      </p:sp>
+      <p:sp>
+        <p:nvSpPr>
+          <p:cNvPr id="19" name="矩形 18"/>
+          <p:cNvSpPr/>
+          <p:nvPr/>
+        </p:nvSpPr>
+        <p:spPr>
+          <a:xfrm>
+            <a:off x="5519806" y="1658531"/>
+            <a:ext cx="552858" cy="335501"/>
+          </a:xfrm>
+          <a:prstGeom prst="rect">
+            <a:avLst/>
+          </a:prstGeom>
+          <a:noFill/>
+        </p:spPr>
+        <p:style>
+          <a:lnRef idx="2">
+            <a:schemeClr val="accent1">
+              <a:shade val="50000"/>
+            </a:schemeClr>
+          </a:lnRef>
+          <a:fillRef idx="1">
+            <a:schemeClr val="accent1"/>
+          </a:fillRef>
+          <a:effectRef idx="0">
+            <a:schemeClr val="accent1"/>
+          </a:effectRef>
+          <a:fontRef idx="minor">
+            <a:schemeClr val="lt1"/>
+          </a:fontRef>
+        </p:style>
+        <p:txBody>
+          <a:bodyPr rtlCol="0" anchor="ctr"/>
+          <a:lstStyle/>
+          <a:p>
+            <a:pPr algn="ctr"/>
+            <a:r>
+              <a:rPr lang="en-US" altLang="zh-CN" sz="1000" dirty="0" smtClean="0">
+                <a:solidFill>
+                  <a:schemeClr val="tx1"/>
+                </a:solidFill>
+              </a:rPr>
+              <a:t>…</a:t>
+            </a:r>
+            <a:endParaRPr lang="zh-CN" altLang="en-US" sz="1000" dirty="0">
+              <a:solidFill>
+                <a:schemeClr val="tx1"/>
+              </a:solidFill>
+            </a:endParaRPr>
+          </a:p>
+        </p:txBody>
+      </p:sp>
+      <p:sp>
+        <p:nvSpPr>
+          <p:cNvPr id="20" name="矩形 19"/>
+          <p:cNvSpPr/>
+          <p:nvPr/>
+        </p:nvSpPr>
+        <p:spPr>
+          <a:xfrm>
+            <a:off x="6072664" y="1658531"/>
+            <a:ext cx="552858" cy="335501"/>
+          </a:xfrm>
+          <a:prstGeom prst="rect">
+            <a:avLst/>
+          </a:prstGeom>
+          <a:noFill/>
+        </p:spPr>
+        <p:style>
+          <a:lnRef idx="2">
+            <a:schemeClr val="accent1">
+              <a:shade val="50000"/>
+            </a:schemeClr>
+          </a:lnRef>
+          <a:fillRef idx="1">
+            <a:schemeClr val="accent1"/>
+          </a:fillRef>
+          <a:effectRef idx="0">
+            <a:schemeClr val="accent1"/>
+          </a:effectRef>
+          <a:fontRef idx="minor">
+            <a:schemeClr val="lt1"/>
+          </a:fontRef>
+        </p:style>
+        <p:txBody>
+          <a:bodyPr rtlCol="0" anchor="ctr"/>
+          <a:lstStyle/>
+          <a:p>
+            <a:pPr algn="ctr"/>
+            <a:r>
+              <a:rPr lang="en-US" altLang="zh-CN" sz="1000" dirty="0" smtClean="0">
+                <a:solidFill>
+                  <a:schemeClr val="tx1"/>
+                </a:solidFill>
+              </a:rPr>
+              <a:t>void *</a:t>
+            </a:r>
+            <a:endParaRPr lang="zh-CN" altLang="en-US" sz="1000" dirty="0">
+              <a:solidFill>
+                <a:schemeClr val="tx1"/>
+              </a:solidFill>
+            </a:endParaRPr>
+          </a:p>
+        </p:txBody>
+      </p:sp>
+      <p:cxnSp>
+        <p:nvCxnSpPr>
+          <p:cNvPr id="22" name="直接箭头连接符 21"/>
+          <p:cNvCxnSpPr>
+            <a:stCxn id="9" idx="2"/>
+          </p:cNvCxnSpPr>
+          <p:nvPr/>
+        </p:nvCxnSpPr>
+        <p:spPr>
+          <a:xfrm>
+            <a:off x="4414090" y="1150700"/>
+            <a:ext cx="0" cy="507831"/>
+          </a:xfrm>
+          <a:prstGeom prst="straightConnector1">
+            <a:avLst/>
+          </a:prstGeom>
+          <a:ln>
+            <a:tailEnd type="triangle"/>
+          </a:ln>
+        </p:spPr>
+        <p:style>
+          <a:lnRef idx="1">
+            <a:schemeClr val="accent1"/>
+          </a:lnRef>
+          <a:fillRef idx="0">
+            <a:schemeClr val="accent1"/>
+          </a:fillRef>
+          <a:effectRef idx="0">
+            <a:schemeClr val="accent1"/>
+          </a:effectRef>
+          <a:fontRef idx="minor">
+            <a:schemeClr val="tx1"/>
+          </a:fontRef>
+        </p:style>
+      </p:cxnSp>
+      <p:sp>
+        <p:nvSpPr>
+          <p:cNvPr id="23" name="矩形 22"/>
+          <p:cNvSpPr/>
+          <p:nvPr/>
+        </p:nvSpPr>
+        <p:spPr>
+          <a:xfrm>
+            <a:off x="6826210" y="1150699"/>
+            <a:ext cx="1487210" cy="335501"/>
+          </a:xfrm>
+          <a:prstGeom prst="rect">
+            <a:avLst/>
+          </a:prstGeom>
+          <a:noFill/>
+        </p:spPr>
+        <p:style>
+          <a:lnRef idx="2">
+            <a:schemeClr val="accent1">
+              <a:shade val="50000"/>
+            </a:schemeClr>
+          </a:lnRef>
+          <a:fillRef idx="1">
+            <a:schemeClr val="accent1"/>
+          </a:fillRef>
+          <a:effectRef idx="0">
+            <a:schemeClr val="accent1"/>
+          </a:effectRef>
+          <a:fontRef idx="minor">
+            <a:schemeClr val="lt1"/>
+          </a:fontRef>
+        </p:style>
+        <p:txBody>
+          <a:bodyPr rtlCol="0" anchor="ctr"/>
+          <a:lstStyle/>
+          <a:p>
+            <a:pPr algn="ctr"/>
+            <a:r>
+              <a:rPr lang="en-US" altLang="zh-CN" sz="1000" dirty="0" err="1" smtClean="0">
+                <a:solidFill>
+                  <a:schemeClr val="tx1"/>
+                </a:solidFill>
+              </a:rPr>
+              <a:t>ngx_thread_pool_conf_t</a:t>
+            </a:r>
+            <a:endParaRPr lang="zh-CN" altLang="en-US" sz="1000" dirty="0">
+              <a:solidFill>
+                <a:schemeClr val="tx1"/>
+              </a:solidFill>
+            </a:endParaRPr>
+          </a:p>
+        </p:txBody>
+      </p:sp>
+      <p:cxnSp>
+        <p:nvCxnSpPr>
+          <p:cNvPr id="25" name="肘形连接符 24"/>
+          <p:cNvCxnSpPr>
+            <a:stCxn id="11" idx="2"/>
+            <a:endCxn id="23" idx="1"/>
+          </p:cNvCxnSpPr>
+          <p:nvPr/>
+        </p:nvCxnSpPr>
+        <p:spPr>
+          <a:xfrm rot="16200000" flipH="1">
+            <a:off x="6089133" y="581373"/>
+            <a:ext cx="167750" cy="1306404"/>
+          </a:xfrm>
+          <a:prstGeom prst="bentConnector2">
+            <a:avLst/>
+          </a:prstGeom>
+          <a:ln>
+            <a:tailEnd type="triangle"/>
+          </a:ln>
+        </p:spPr>
+        <p:style>
+          <a:lnRef idx="1">
+            <a:schemeClr val="accent1"/>
+          </a:lnRef>
+          <a:fillRef idx="0">
+            <a:schemeClr val="accent1"/>
+          </a:fillRef>
+          <a:effectRef idx="0">
+            <a:schemeClr val="accent1"/>
+          </a:effectRef>
+          <a:fontRef idx="minor">
+            <a:schemeClr val="tx1"/>
+          </a:fontRef>
+        </p:style>
+      </p:cxnSp>
+      <p:sp>
+        <p:nvSpPr>
+          <p:cNvPr id="27" name="文本框 26"/>
+          <p:cNvSpPr txBox="1"/>
+          <p:nvPr/>
+        </p:nvSpPr>
+        <p:spPr>
+          <a:xfrm>
+            <a:off x="5888703" y="95005"/>
+            <a:ext cx="1728924" cy="923330"/>
+          </a:xfrm>
+          <a:prstGeom prst="rect">
+            <a:avLst/>
+          </a:prstGeom>
+          <a:noFill/>
+        </p:spPr>
+        <p:txBody>
+          <a:bodyPr wrap="square" rtlCol="0">
+            <a:spAutoFit/>
+          </a:bodyPr>
+          <a:lstStyle/>
+          <a:p>
+            <a:r>
+              <a:rPr lang="zh-CN" altLang="en-US" sz="900" dirty="0" smtClean="0"/>
+              <a:t>数组里面每个成员指针指向的数据结构就各不相同了，比如</a:t>
+            </a:r>
+            <a:r>
+              <a:rPr lang="en-US" altLang="zh-CN" sz="900" dirty="0" smtClean="0"/>
+              <a:t>http</a:t>
+            </a:r>
+            <a:r>
+              <a:rPr lang="zh-CN" altLang="en-US" sz="900" dirty="0" smtClean="0"/>
+              <a:t>模块指向的就是</a:t>
+            </a:r>
+            <a:r>
+              <a:rPr lang="en-US" altLang="zh-CN" sz="900" dirty="0" err="1" smtClean="0"/>
+              <a:t>ngx_http_conf_ctx_t</a:t>
+            </a:r>
+            <a:r>
+              <a:rPr lang="zh-CN" altLang="en-US" sz="900" dirty="0" smtClean="0"/>
+              <a:t>的数据结构，而</a:t>
+            </a:r>
+            <a:r>
+              <a:rPr lang="en-US" altLang="zh-CN" sz="900" dirty="0" smtClean="0"/>
+              <a:t>event</a:t>
+            </a:r>
+            <a:r>
+              <a:rPr lang="zh-CN" altLang="en-US" sz="900" dirty="0" smtClean="0"/>
+              <a:t>模块指向的就是一个指针数组</a:t>
+            </a:r>
+            <a:endParaRPr lang="zh-CN" altLang="en-US" sz="900" dirty="0"/>
+          </a:p>
+        </p:txBody>
+      </p:sp>
+      <p:sp>
+        <p:nvSpPr>
+          <p:cNvPr id="28" name="文本框 27"/>
+          <p:cNvSpPr txBox="1"/>
+          <p:nvPr/>
+        </p:nvSpPr>
+        <p:spPr>
+          <a:xfrm>
+            <a:off x="3011903" y="1208073"/>
+            <a:ext cx="629963" cy="230832"/>
+          </a:xfrm>
+          <a:prstGeom prst="rect">
+            <a:avLst/>
+          </a:prstGeom>
+          <a:noFill/>
+        </p:spPr>
+        <p:txBody>
+          <a:bodyPr wrap="square" rtlCol="0">
+            <a:spAutoFit/>
+          </a:bodyPr>
+          <a:lstStyle/>
+          <a:p>
+            <a:r>
+              <a:rPr lang="en-US" altLang="zh-CN" sz="900" dirty="0" smtClean="0"/>
+              <a:t>http</a:t>
+            </a:r>
+            <a:r>
+              <a:rPr lang="zh-CN" altLang="en-US" sz="900" dirty="0" smtClean="0"/>
+              <a:t>模块</a:t>
+            </a:r>
+            <a:endParaRPr lang="zh-CN" altLang="en-US" sz="900" dirty="0"/>
+          </a:p>
+        </p:txBody>
+      </p:sp>
+      <p:sp>
+        <p:nvSpPr>
+          <p:cNvPr id="29" name="文本框 28"/>
+          <p:cNvSpPr txBox="1"/>
+          <p:nvPr/>
+        </p:nvSpPr>
+        <p:spPr>
+          <a:xfrm>
+            <a:off x="4414090" y="1289199"/>
+            <a:ext cx="753547" cy="230832"/>
+          </a:xfrm>
+          <a:prstGeom prst="rect">
+            <a:avLst/>
+          </a:prstGeom>
+          <a:noFill/>
+        </p:spPr>
+        <p:txBody>
+          <a:bodyPr wrap="square" rtlCol="0">
+            <a:spAutoFit/>
+          </a:bodyPr>
+          <a:lstStyle/>
+          <a:p>
+            <a:r>
+              <a:rPr lang="en-US" altLang="zh-CN" sz="900" dirty="0"/>
+              <a:t>event</a:t>
+            </a:r>
+            <a:r>
+              <a:rPr lang="zh-CN" altLang="en-US" sz="900" dirty="0" smtClean="0"/>
+              <a:t>模块</a:t>
+            </a:r>
+            <a:endParaRPr lang="zh-CN" altLang="en-US" sz="900" dirty="0"/>
+          </a:p>
+        </p:txBody>
+      </p:sp>
+      <p:sp>
+        <p:nvSpPr>
+          <p:cNvPr id="30" name="文本框 29"/>
+          <p:cNvSpPr txBox="1"/>
+          <p:nvPr/>
+        </p:nvSpPr>
+        <p:spPr>
+          <a:xfrm>
+            <a:off x="6678863" y="1649937"/>
+            <a:ext cx="1421197" cy="369332"/>
+          </a:xfrm>
+          <a:prstGeom prst="rect">
+            <a:avLst/>
+          </a:prstGeom>
+          <a:noFill/>
+        </p:spPr>
+        <p:txBody>
+          <a:bodyPr wrap="square" rtlCol="0">
+            <a:spAutoFit/>
+          </a:bodyPr>
+          <a:lstStyle/>
+          <a:p>
+            <a:r>
+              <a:rPr lang="zh-CN" altLang="en-US" sz="900" dirty="0" smtClean="0"/>
+              <a:t>成员个数为</a:t>
+            </a:r>
+            <a:r>
+              <a:rPr lang="en-US" altLang="zh-CN" sz="900" dirty="0" err="1"/>
+              <a:t>ngx_event_max_module</a:t>
+            </a:r>
+            <a:endParaRPr lang="zh-CN" altLang="en-US" sz="900" dirty="0"/>
+          </a:p>
+        </p:txBody>
+      </p:sp>
+      <p:sp>
+        <p:nvSpPr>
+          <p:cNvPr id="32" name="矩形 31"/>
+          <p:cNvSpPr/>
+          <p:nvPr/>
+        </p:nvSpPr>
+        <p:spPr>
+          <a:xfrm>
+            <a:off x="1207360" y="2187018"/>
+            <a:ext cx="996419" cy="335501"/>
+          </a:xfrm>
+          <a:prstGeom prst="rect">
+            <a:avLst/>
+          </a:prstGeom>
+          <a:noFill/>
+        </p:spPr>
+        <p:style>
+          <a:lnRef idx="2">
+            <a:schemeClr val="accent1">
+              <a:shade val="50000"/>
+            </a:schemeClr>
+          </a:lnRef>
+          <a:fillRef idx="1">
+            <a:schemeClr val="accent1"/>
+          </a:fillRef>
+          <a:effectRef idx="0">
+            <a:schemeClr val="accent1"/>
+          </a:effectRef>
+          <a:fontRef idx="minor">
+            <a:schemeClr val="lt1"/>
+          </a:fontRef>
+        </p:style>
+        <p:txBody>
+          <a:bodyPr rtlCol="0" anchor="ctr"/>
+          <a:lstStyle/>
+          <a:p>
+            <a:pPr algn="ctr"/>
+            <a:r>
+              <a:rPr lang="en-US" altLang="zh-CN" sz="1000" dirty="0" err="1" smtClean="0">
+                <a:solidFill>
+                  <a:schemeClr val="tx1"/>
+                </a:solidFill>
+              </a:rPr>
+              <a:t>ngx_module_t</a:t>
+            </a:r>
+            <a:r>
+              <a:rPr lang="en-US" altLang="zh-CN" sz="1000" dirty="0" smtClean="0">
+                <a:solidFill>
+                  <a:schemeClr val="tx1"/>
+                </a:solidFill>
+              </a:rPr>
+              <a:t> </a:t>
+            </a:r>
+            <a:r>
+              <a:rPr lang="zh-CN" altLang="en-US" sz="1000" dirty="0" smtClean="0">
+                <a:solidFill>
+                  <a:schemeClr val="tx1"/>
+                </a:solidFill>
+              </a:rPr>
+              <a:t>**</a:t>
+            </a:r>
+            <a:r>
+              <a:rPr lang="en-US" altLang="zh-CN" sz="1000" dirty="0" smtClean="0">
+                <a:solidFill>
+                  <a:schemeClr val="tx1"/>
+                </a:solidFill>
+              </a:rPr>
+              <a:t>modules</a:t>
+            </a:r>
+            <a:endParaRPr lang="zh-CN" altLang="en-US" sz="1000" dirty="0">
+              <a:solidFill>
+                <a:schemeClr val="tx1"/>
+              </a:solidFill>
+            </a:endParaRPr>
+          </a:p>
+        </p:txBody>
+      </p:sp>
+      <p:cxnSp>
+        <p:nvCxnSpPr>
+          <p:cNvPr id="34" name="肘形连接符 33"/>
+          <p:cNvCxnSpPr>
+            <a:stCxn id="5" idx="3"/>
+            <a:endCxn id="6" idx="1"/>
+          </p:cNvCxnSpPr>
+          <p:nvPr/>
+        </p:nvCxnSpPr>
+        <p:spPr>
+          <a:xfrm flipV="1">
+            <a:off x="2203780" y="982950"/>
+            <a:ext cx="1381023" cy="1036320"/>
+          </a:xfrm>
+          <a:prstGeom prst="bentConnector3">
+            <a:avLst>
+              <a:gd name="adj1" fmla="val 22964"/>
+            </a:avLst>
+          </a:prstGeom>
+          <a:ln>
+            <a:tailEnd type="triangle"/>
+          </a:ln>
+        </p:spPr>
+        <p:style>
+          <a:lnRef idx="1">
+            <a:schemeClr val="accent1"/>
+          </a:lnRef>
+          <a:fillRef idx="0">
+            <a:schemeClr val="accent1"/>
+          </a:fillRef>
+          <a:effectRef idx="0">
+            <a:schemeClr val="accent1"/>
+          </a:effectRef>
+          <a:fontRef idx="minor">
+            <a:schemeClr val="tx1"/>
+          </a:fontRef>
+        </p:style>
+      </p:cxnSp>
+      <p:sp>
+        <p:nvSpPr>
+          <p:cNvPr id="36" name="矩形 35"/>
+          <p:cNvSpPr/>
+          <p:nvPr/>
+        </p:nvSpPr>
+        <p:spPr>
+          <a:xfrm>
+            <a:off x="3266956" y="2475673"/>
+            <a:ext cx="1047852" cy="335501"/>
+          </a:xfrm>
+          <a:prstGeom prst="rect">
+            <a:avLst/>
+          </a:prstGeom>
+          <a:noFill/>
+        </p:spPr>
+        <p:style>
+          <a:lnRef idx="2">
+            <a:schemeClr val="accent1">
+              <a:shade val="50000"/>
+            </a:schemeClr>
+          </a:lnRef>
+          <a:fillRef idx="1">
+            <a:schemeClr val="accent1"/>
+          </a:fillRef>
+          <a:effectRef idx="0">
+            <a:schemeClr val="accent1"/>
+          </a:effectRef>
+          <a:fontRef idx="minor">
+            <a:schemeClr val="lt1"/>
+          </a:fontRef>
+        </p:style>
+        <p:txBody>
+          <a:bodyPr rtlCol="0" anchor="ctr"/>
+          <a:lstStyle/>
+          <a:p>
+            <a:pPr algn="ctr"/>
+            <a:r>
+              <a:rPr lang="en-US" altLang="zh-CN" sz="1000" dirty="0" err="1" smtClean="0">
+                <a:solidFill>
+                  <a:schemeClr val="tx1"/>
+                </a:solidFill>
+              </a:rPr>
+              <a:t>ngx_module_t</a:t>
+            </a:r>
+            <a:r>
+              <a:rPr lang="en-US" altLang="zh-CN" sz="1000" dirty="0" smtClean="0">
+                <a:solidFill>
+                  <a:schemeClr val="tx1"/>
+                </a:solidFill>
+              </a:rPr>
+              <a:t> *</a:t>
+            </a:r>
+            <a:endParaRPr lang="zh-CN" altLang="en-US" sz="1000" dirty="0">
+              <a:solidFill>
+                <a:schemeClr val="tx1"/>
+              </a:solidFill>
+            </a:endParaRPr>
+          </a:p>
+        </p:txBody>
+      </p:sp>
+      <p:sp>
+        <p:nvSpPr>
+          <p:cNvPr id="37" name="矩形 36"/>
+          <p:cNvSpPr/>
+          <p:nvPr/>
+        </p:nvSpPr>
+        <p:spPr>
+          <a:xfrm>
+            <a:off x="4314808" y="2475673"/>
+            <a:ext cx="1047852" cy="335501"/>
+          </a:xfrm>
+          <a:prstGeom prst="rect">
+            <a:avLst/>
+          </a:prstGeom>
+          <a:noFill/>
+        </p:spPr>
+        <p:style>
+          <a:lnRef idx="2">
+            <a:schemeClr val="accent1">
+              <a:shade val="50000"/>
+            </a:schemeClr>
+          </a:lnRef>
+          <a:fillRef idx="1">
+            <a:schemeClr val="accent1"/>
+          </a:fillRef>
+          <a:effectRef idx="0">
+            <a:schemeClr val="accent1"/>
+          </a:effectRef>
+          <a:fontRef idx="minor">
+            <a:schemeClr val="lt1"/>
+          </a:fontRef>
+        </p:style>
+        <p:txBody>
+          <a:bodyPr rtlCol="0" anchor="ctr"/>
+          <a:lstStyle/>
+          <a:p>
+            <a:pPr algn="ctr"/>
+            <a:r>
+              <a:rPr lang="en-US" altLang="zh-CN" sz="1000" dirty="0" err="1" smtClean="0">
+                <a:solidFill>
+                  <a:schemeClr val="tx1"/>
+                </a:solidFill>
+              </a:rPr>
+              <a:t>ngx_module_t</a:t>
+            </a:r>
+            <a:r>
+              <a:rPr lang="en-US" altLang="zh-CN" sz="1000" dirty="0" smtClean="0">
+                <a:solidFill>
+                  <a:schemeClr val="tx1"/>
+                </a:solidFill>
+              </a:rPr>
+              <a:t> *</a:t>
+            </a:r>
+            <a:endParaRPr lang="zh-CN" altLang="en-US" sz="1000" dirty="0">
+              <a:solidFill>
+                <a:schemeClr val="tx1"/>
+              </a:solidFill>
+            </a:endParaRPr>
+          </a:p>
+        </p:txBody>
+      </p:sp>
+      <p:sp>
+        <p:nvSpPr>
+          <p:cNvPr id="38" name="矩形 37"/>
+          <p:cNvSpPr/>
+          <p:nvPr/>
+        </p:nvSpPr>
+        <p:spPr>
+          <a:xfrm>
+            <a:off x="5364777" y="2475673"/>
+            <a:ext cx="523926" cy="335501"/>
+          </a:xfrm>
+          <a:prstGeom prst="rect">
+            <a:avLst/>
+          </a:prstGeom>
+          <a:noFill/>
+        </p:spPr>
+        <p:style>
+          <a:lnRef idx="2">
+            <a:schemeClr val="accent1">
+              <a:shade val="50000"/>
+            </a:schemeClr>
+          </a:lnRef>
+          <a:fillRef idx="1">
+            <a:schemeClr val="accent1"/>
+          </a:fillRef>
+          <a:effectRef idx="0">
+            <a:schemeClr val="accent1"/>
+          </a:effectRef>
+          <a:fontRef idx="minor">
+            <a:schemeClr val="lt1"/>
+          </a:fontRef>
+        </p:style>
+        <p:txBody>
+          <a:bodyPr rtlCol="0" anchor="ctr"/>
+          <a:lstStyle/>
+          <a:p>
+            <a:pPr algn="ctr"/>
+            <a:r>
+              <a:rPr lang="en-US" altLang="zh-CN" sz="1000" dirty="0" smtClean="0">
+                <a:solidFill>
+                  <a:schemeClr val="tx1"/>
+                </a:solidFill>
+              </a:rPr>
+              <a:t>…</a:t>
+            </a:r>
+            <a:endParaRPr lang="zh-CN" altLang="en-US" sz="1000" dirty="0">
+              <a:solidFill>
+                <a:schemeClr val="tx1"/>
+              </a:solidFill>
+            </a:endParaRPr>
+          </a:p>
+        </p:txBody>
+      </p:sp>
+      <p:sp>
+        <p:nvSpPr>
+          <p:cNvPr id="39" name="矩形 38"/>
+          <p:cNvSpPr/>
+          <p:nvPr/>
+        </p:nvSpPr>
+        <p:spPr>
+          <a:xfrm>
+            <a:off x="5886586" y="2475673"/>
+            <a:ext cx="1047852" cy="335501"/>
+          </a:xfrm>
+          <a:prstGeom prst="rect">
+            <a:avLst/>
+          </a:prstGeom>
+          <a:noFill/>
+        </p:spPr>
+        <p:style>
+          <a:lnRef idx="2">
+            <a:schemeClr val="accent1">
+              <a:shade val="50000"/>
+            </a:schemeClr>
+          </a:lnRef>
+          <a:fillRef idx="1">
+            <a:schemeClr val="accent1"/>
+          </a:fillRef>
+          <a:effectRef idx="0">
+            <a:schemeClr val="accent1"/>
+          </a:effectRef>
+          <a:fontRef idx="minor">
+            <a:schemeClr val="lt1"/>
+          </a:fontRef>
+        </p:style>
+        <p:txBody>
+          <a:bodyPr rtlCol="0" anchor="ctr"/>
+          <a:lstStyle/>
+          <a:p>
+            <a:pPr algn="ctr"/>
+            <a:r>
+              <a:rPr lang="en-US" altLang="zh-CN" sz="1000" dirty="0" err="1" smtClean="0">
+                <a:solidFill>
+                  <a:schemeClr val="tx1"/>
+                </a:solidFill>
+              </a:rPr>
+              <a:t>ngx_module_t</a:t>
+            </a:r>
+            <a:r>
+              <a:rPr lang="en-US" altLang="zh-CN" sz="1000" dirty="0" smtClean="0">
+                <a:solidFill>
+                  <a:schemeClr val="tx1"/>
+                </a:solidFill>
+              </a:rPr>
+              <a:t> *</a:t>
+            </a:r>
+            <a:endParaRPr lang="zh-CN" altLang="en-US" sz="1000" dirty="0">
+              <a:solidFill>
+                <a:schemeClr val="tx1"/>
+              </a:solidFill>
+            </a:endParaRPr>
+          </a:p>
+        </p:txBody>
+      </p:sp>
+      <p:cxnSp>
+        <p:nvCxnSpPr>
+          <p:cNvPr id="41" name="肘形连接符 40"/>
+          <p:cNvCxnSpPr>
+            <a:stCxn id="32" idx="3"/>
+            <a:endCxn id="36" idx="1"/>
+          </p:cNvCxnSpPr>
+          <p:nvPr/>
+        </p:nvCxnSpPr>
+        <p:spPr>
+          <a:xfrm>
+            <a:off x="2203779" y="2354769"/>
+            <a:ext cx="1063177" cy="288655"/>
+          </a:xfrm>
+          <a:prstGeom prst="bentConnector3">
+            <a:avLst/>
+          </a:prstGeom>
+          <a:ln>
+            <a:tailEnd type="triangle"/>
+          </a:ln>
+        </p:spPr>
+        <p:style>
+          <a:lnRef idx="1">
+            <a:schemeClr val="accent1"/>
+          </a:lnRef>
+          <a:fillRef idx="0">
+            <a:schemeClr val="accent1"/>
+          </a:fillRef>
+          <a:effectRef idx="0">
+            <a:schemeClr val="accent1"/>
+          </a:effectRef>
+          <a:fontRef idx="minor">
+            <a:schemeClr val="tx1"/>
+          </a:fontRef>
+        </p:style>
+      </p:cxnSp>
+      <p:sp>
+        <p:nvSpPr>
+          <p:cNvPr id="42" name="文本框 41"/>
+          <p:cNvSpPr txBox="1"/>
+          <p:nvPr/>
+        </p:nvSpPr>
+        <p:spPr>
+          <a:xfrm>
+            <a:off x="6934439" y="2439322"/>
+            <a:ext cx="1241822" cy="369332"/>
+          </a:xfrm>
+          <a:prstGeom prst="rect">
+            <a:avLst/>
+          </a:prstGeom>
+          <a:noFill/>
+        </p:spPr>
+        <p:txBody>
+          <a:bodyPr wrap="square" rtlCol="0">
+            <a:spAutoFit/>
+          </a:bodyPr>
+          <a:lstStyle/>
+          <a:p>
+            <a:r>
+              <a:rPr lang="zh-CN" altLang="en-US" sz="900" dirty="0" smtClean="0"/>
+              <a:t>成员个数为</a:t>
+            </a:r>
+            <a:r>
+              <a:rPr lang="en-US" altLang="zh-CN" sz="900" dirty="0" smtClean="0"/>
+              <a:t>ngx_max_module+1</a:t>
+            </a:r>
+            <a:endParaRPr lang="zh-CN" altLang="en-US" sz="900" dirty="0"/>
+          </a:p>
+        </p:txBody>
+      </p:sp>
+    </p:spTree>
+    <p:extLst>
+      <p:ext uri="{BB962C8B-B14F-4D97-AF65-F5344CB8AC3E}">
+        <p14:creationId xmlns:p14="http://schemas.microsoft.com/office/powerpoint/2010/main" val="1403196054"/>
+      </p:ext>
+    </p:extLst>
+  </p:cSld>
+  <p:clrMapOvr>
+    <a:masterClrMapping/>
+  </p:clrMapOvr>
+</p:sld>
+</file>
+
 <file path=ppt/theme/theme1.xml><?xml version="1.0" encoding="utf-8"?>
 <a:theme xmlns:a="http://schemas.openxmlformats.org/drawingml/2006/main" name="Office 主题​​">
   <a:themeElements>

--- a/学习笔记/ngx数据结构关系图.pptx
+++ b/学习笔记/ngx数据结构关系图.pptx
@@ -8,6 +8,7 @@
     <p:sldId id="256" r:id="rId2"/>
     <p:sldId id="257" r:id="rId3"/>
     <p:sldId id="258" r:id="rId4"/>
+    <p:sldId id="259" r:id="rId5"/>
   </p:sldIdLst>
   <p:sldSz cx="12192000" cy="6858000"/>
   <p:notesSz cx="6858000" cy="9144000"/>
@@ -245,7 +246,7 @@
           <a:p>
             <a:fld id="{8812C557-E94C-4C6F-A3B3-D1AB649871E9}" type="datetimeFigureOut">
               <a:rPr lang="zh-CN" altLang="en-US" smtClean="0"/>
-              <a:t>2019/10/31</a:t>
+              <a:t>2019/11/5</a:t>
             </a:fld>
             <a:endParaRPr lang="zh-CN" altLang="en-US"/>
           </a:p>
@@ -415,7 +416,7 @@
           <a:p>
             <a:fld id="{8812C557-E94C-4C6F-A3B3-D1AB649871E9}" type="datetimeFigureOut">
               <a:rPr lang="zh-CN" altLang="en-US" smtClean="0"/>
-              <a:t>2019/10/31</a:t>
+              <a:t>2019/11/5</a:t>
             </a:fld>
             <a:endParaRPr lang="zh-CN" altLang="en-US"/>
           </a:p>
@@ -595,7 +596,7 @@
           <a:p>
             <a:fld id="{8812C557-E94C-4C6F-A3B3-D1AB649871E9}" type="datetimeFigureOut">
               <a:rPr lang="zh-CN" altLang="en-US" smtClean="0"/>
-              <a:t>2019/10/31</a:t>
+              <a:t>2019/11/5</a:t>
             </a:fld>
             <a:endParaRPr lang="zh-CN" altLang="en-US"/>
           </a:p>
@@ -765,7 +766,7 @@
           <a:p>
             <a:fld id="{8812C557-E94C-4C6F-A3B3-D1AB649871E9}" type="datetimeFigureOut">
               <a:rPr lang="zh-CN" altLang="en-US" smtClean="0"/>
-              <a:t>2019/10/31</a:t>
+              <a:t>2019/11/5</a:t>
             </a:fld>
             <a:endParaRPr lang="zh-CN" altLang="en-US"/>
           </a:p>
@@ -1011,7 +1012,7 @@
           <a:p>
             <a:fld id="{8812C557-E94C-4C6F-A3B3-D1AB649871E9}" type="datetimeFigureOut">
               <a:rPr lang="zh-CN" altLang="en-US" smtClean="0"/>
-              <a:t>2019/10/31</a:t>
+              <a:t>2019/11/5</a:t>
             </a:fld>
             <a:endParaRPr lang="zh-CN" altLang="en-US"/>
           </a:p>
@@ -1243,7 +1244,7 @@
           <a:p>
             <a:fld id="{8812C557-E94C-4C6F-A3B3-D1AB649871E9}" type="datetimeFigureOut">
               <a:rPr lang="zh-CN" altLang="en-US" smtClean="0"/>
-              <a:t>2019/10/31</a:t>
+              <a:t>2019/11/5</a:t>
             </a:fld>
             <a:endParaRPr lang="zh-CN" altLang="en-US"/>
           </a:p>
@@ -1610,7 +1611,7 @@
           <a:p>
             <a:fld id="{8812C557-E94C-4C6F-A3B3-D1AB649871E9}" type="datetimeFigureOut">
               <a:rPr lang="zh-CN" altLang="en-US" smtClean="0"/>
-              <a:t>2019/10/31</a:t>
+              <a:t>2019/11/5</a:t>
             </a:fld>
             <a:endParaRPr lang="zh-CN" altLang="en-US"/>
           </a:p>
@@ -1728,7 +1729,7 @@
           <a:p>
             <a:fld id="{8812C557-E94C-4C6F-A3B3-D1AB649871E9}" type="datetimeFigureOut">
               <a:rPr lang="zh-CN" altLang="en-US" smtClean="0"/>
-              <a:t>2019/10/31</a:t>
+              <a:t>2019/11/5</a:t>
             </a:fld>
             <a:endParaRPr lang="zh-CN" altLang="en-US"/>
           </a:p>
@@ -1823,7 +1824,7 @@
           <a:p>
             <a:fld id="{8812C557-E94C-4C6F-A3B3-D1AB649871E9}" type="datetimeFigureOut">
               <a:rPr lang="zh-CN" altLang="en-US" smtClean="0"/>
-              <a:t>2019/10/31</a:t>
+              <a:t>2019/11/5</a:t>
             </a:fld>
             <a:endParaRPr lang="zh-CN" altLang="en-US"/>
           </a:p>
@@ -2100,7 +2101,7 @@
           <a:p>
             <a:fld id="{8812C557-E94C-4C6F-A3B3-D1AB649871E9}" type="datetimeFigureOut">
               <a:rPr lang="zh-CN" altLang="en-US" smtClean="0"/>
-              <a:t>2019/10/31</a:t>
+              <a:t>2019/11/5</a:t>
             </a:fld>
             <a:endParaRPr lang="zh-CN" altLang="en-US"/>
           </a:p>
@@ -2353,7 +2354,7 @@
           <a:p>
             <a:fld id="{8812C557-E94C-4C6F-A3B3-D1AB649871E9}" type="datetimeFigureOut">
               <a:rPr lang="zh-CN" altLang="en-US" smtClean="0"/>
-              <a:t>2019/10/31</a:t>
+              <a:t>2019/11/5</a:t>
             </a:fld>
             <a:endParaRPr lang="zh-CN" altLang="en-US"/>
           </a:p>
@@ -2566,7 +2567,7 @@
           <a:p>
             <a:fld id="{8812C557-E94C-4C6F-A3B3-D1AB649871E9}" type="datetimeFigureOut">
               <a:rPr lang="zh-CN" altLang="en-US" smtClean="0"/>
-              <a:t>2019/10/31</a:t>
+              <a:t>2019/11/5</a:t>
             </a:fld>
             <a:endParaRPr lang="zh-CN" altLang="en-US"/>
           </a:p>
@@ -6462,7 +6463,7 @@
         </p:nvSpPr>
         <p:spPr>
           <a:xfrm>
-            <a:off x="1207362" y="1516018"/>
+            <a:off x="4270159" y="1516018"/>
             <a:ext cx="996419" cy="335501"/>
           </a:xfrm>
           <a:prstGeom prst="rect">
@@ -6497,15 +6498,7 @@
                   <a:schemeClr val="tx1"/>
                 </a:solidFill>
               </a:rPr>
-              <a:t>ngx_cycle</a:t>
-            </a:r>
-            <a:r>
-              <a:rPr lang="en-US" altLang="zh-CN" sz="1000" dirty="0" err="1" smtClean="0">
-                <a:solidFill>
-                  <a:schemeClr val="tx1"/>
-                </a:solidFill>
-              </a:rPr>
-              <a:t>_t</a:t>
+              <a:t>ngx_cycle_t</a:t>
             </a:r>
             <a:endParaRPr lang="zh-CN" altLang="en-US" sz="1000" dirty="0">
               <a:solidFill>
@@ -6523,7 +6516,7 @@
         </p:nvSpPr>
         <p:spPr>
           <a:xfrm>
-            <a:off x="1207361" y="1851519"/>
+            <a:off x="4270158" y="1851519"/>
             <a:ext cx="996419" cy="335501"/>
           </a:xfrm>
           <a:prstGeom prst="rect">
@@ -6584,7 +6577,7 @@
         </p:nvSpPr>
         <p:spPr>
           <a:xfrm>
-            <a:off x="3584803" y="815199"/>
+            <a:off x="6647600" y="815199"/>
             <a:ext cx="552858" cy="335501"/>
           </a:xfrm>
           <a:prstGeom prst="rect">
@@ -6637,7 +6630,7 @@
         </p:nvSpPr>
         <p:spPr>
           <a:xfrm>
-            <a:off x="4137661" y="815199"/>
+            <a:off x="7200458" y="815199"/>
             <a:ext cx="552858" cy="335501"/>
           </a:xfrm>
           <a:prstGeom prst="rect">
@@ -6690,7 +6683,7 @@
         </p:nvSpPr>
         <p:spPr>
           <a:xfrm>
-            <a:off x="4690519" y="815199"/>
+            <a:off x="7753316" y="815199"/>
             <a:ext cx="552858" cy="335501"/>
           </a:xfrm>
           <a:prstGeom prst="rect">
@@ -6743,7 +6736,7 @@
         </p:nvSpPr>
         <p:spPr>
           <a:xfrm>
-            <a:off x="5243377" y="815199"/>
+            <a:off x="8306174" y="815199"/>
             <a:ext cx="552858" cy="335501"/>
           </a:xfrm>
           <a:prstGeom prst="rect">
@@ -6796,7 +6789,7 @@
         </p:nvSpPr>
         <p:spPr>
           <a:xfrm>
-            <a:off x="3790882" y="307368"/>
+            <a:off x="6853679" y="307368"/>
             <a:ext cx="1728924" cy="507831"/>
           </a:xfrm>
           <a:prstGeom prst="rect">
@@ -6846,7 +6839,7 @@
         </p:nvSpPr>
         <p:spPr>
           <a:xfrm>
-            <a:off x="2866720" y="1658530"/>
+            <a:off x="5929517" y="1658530"/>
             <a:ext cx="1273356" cy="335501"/>
           </a:xfrm>
           <a:prstGeom prst="rect">
@@ -6881,15 +6874,7 @@
                   <a:schemeClr val="tx1"/>
                 </a:solidFill>
               </a:rPr>
-              <a:t>ngx_http_conf</a:t>
-            </a:r>
-            <a:r>
-              <a:rPr lang="en-US" altLang="zh-CN" sz="1000" dirty="0" err="1" smtClean="0">
-                <a:solidFill>
-                  <a:schemeClr val="tx1"/>
-                </a:solidFill>
-              </a:rPr>
-              <a:t>_ctx_t</a:t>
+              <a:t>ngx_http_conf_ctx_t</a:t>
             </a:r>
             <a:endParaRPr lang="zh-CN" altLang="en-US" sz="1000" dirty="0">
               <a:solidFill>
@@ -6910,7 +6895,7 @@
         </p:nvCxnSpPr>
         <p:spPr>
           <a:xfrm rot="5400000">
-            <a:off x="3428400" y="1225698"/>
+            <a:off x="6491197" y="1225698"/>
             <a:ext cx="507830" cy="357834"/>
           </a:xfrm>
           <a:prstGeom prst="bentConnector3">
@@ -6943,7 +6928,7 @@
         </p:nvSpPr>
         <p:spPr>
           <a:xfrm>
-            <a:off x="4414090" y="1658531"/>
+            <a:off x="7476887" y="1658531"/>
             <a:ext cx="552858" cy="335501"/>
           </a:xfrm>
           <a:prstGeom prst="rect">
@@ -6996,7 +6981,7 @@
         </p:nvSpPr>
         <p:spPr>
           <a:xfrm>
-            <a:off x="4966948" y="1658531"/>
+            <a:off x="8029745" y="1658531"/>
             <a:ext cx="552858" cy="335501"/>
           </a:xfrm>
           <a:prstGeom prst="rect">
@@ -7049,7 +7034,7 @@
         </p:nvSpPr>
         <p:spPr>
           <a:xfrm>
-            <a:off x="5519806" y="1658531"/>
+            <a:off x="8582603" y="1658531"/>
             <a:ext cx="552858" cy="335501"/>
           </a:xfrm>
           <a:prstGeom prst="rect">
@@ -7102,7 +7087,7 @@
         </p:nvSpPr>
         <p:spPr>
           <a:xfrm>
-            <a:off x="6072664" y="1658531"/>
+            <a:off x="9135461" y="1658531"/>
             <a:ext cx="552858" cy="335501"/>
           </a:xfrm>
           <a:prstGeom prst="rect">
@@ -7157,7 +7142,7 @@
         </p:nvCxnSpPr>
         <p:spPr>
           <a:xfrm>
-            <a:off x="4414090" y="1150700"/>
+            <a:off x="7476887" y="1150700"/>
             <a:ext cx="0" cy="507831"/>
           </a:xfrm>
           <a:prstGeom prst="straightConnector1">
@@ -7190,7 +7175,7 @@
         </p:nvSpPr>
         <p:spPr>
           <a:xfrm>
-            <a:off x="6826210" y="1150699"/>
+            <a:off x="9889007" y="1150699"/>
             <a:ext cx="1487210" cy="335501"/>
           </a:xfrm>
           <a:prstGeom prst="rect">
@@ -7246,7 +7231,7 @@
         </p:nvCxnSpPr>
         <p:spPr>
           <a:xfrm rot="16200000" flipH="1">
-            <a:off x="6089133" y="581373"/>
+            <a:off x="9151930" y="581373"/>
             <a:ext cx="167750" cy="1306404"/>
           </a:xfrm>
           <a:prstGeom prst="bentConnector2">
@@ -7279,7 +7264,7 @@
         </p:nvSpPr>
         <p:spPr>
           <a:xfrm>
-            <a:off x="5888703" y="95005"/>
+            <a:off x="8951500" y="95005"/>
             <a:ext cx="1728924" cy="923330"/>
           </a:xfrm>
           <a:prstGeom prst="rect">
@@ -7333,7 +7318,7 @@
         </p:nvSpPr>
         <p:spPr>
           <a:xfrm>
-            <a:off x="3011903" y="1208073"/>
+            <a:off x="6074700" y="1208073"/>
             <a:ext cx="629963" cy="230832"/>
           </a:xfrm>
           <a:prstGeom prst="rect">
@@ -7367,7 +7352,7 @@
         </p:nvSpPr>
         <p:spPr>
           <a:xfrm>
-            <a:off x="4414090" y="1289199"/>
+            <a:off x="7476887" y="1289199"/>
             <a:ext cx="753547" cy="230832"/>
           </a:xfrm>
           <a:prstGeom prst="rect">
@@ -7401,7 +7386,7 @@
         </p:nvSpPr>
         <p:spPr>
           <a:xfrm>
-            <a:off x="6678863" y="1649937"/>
+            <a:off x="9741660" y="1649937"/>
             <a:ext cx="1421197" cy="369332"/>
           </a:xfrm>
           <a:prstGeom prst="rect">
@@ -7435,7 +7420,7 @@
         </p:nvSpPr>
         <p:spPr>
           <a:xfrm>
-            <a:off x="1207360" y="2187018"/>
+            <a:off x="4270157" y="2187018"/>
             <a:ext cx="996419" cy="335501"/>
           </a:xfrm>
           <a:prstGeom prst="rect">
@@ -7515,7 +7500,7 @@
         </p:nvCxnSpPr>
         <p:spPr>
           <a:xfrm flipV="1">
-            <a:off x="2203780" y="982950"/>
+            <a:off x="5266577" y="982950"/>
             <a:ext cx="1381023" cy="1036320"/>
           </a:xfrm>
           <a:prstGeom prst="bentConnector3">
@@ -7550,7 +7535,7 @@
         </p:nvSpPr>
         <p:spPr>
           <a:xfrm>
-            <a:off x="3266956" y="2475673"/>
+            <a:off x="6329753" y="2475673"/>
             <a:ext cx="1047852" cy="335501"/>
           </a:xfrm>
           <a:prstGeom prst="rect">
@@ -7611,7 +7596,7 @@
         </p:nvSpPr>
         <p:spPr>
           <a:xfrm>
-            <a:off x="4314808" y="2475673"/>
+            <a:off x="7377605" y="2475673"/>
             <a:ext cx="1047852" cy="335501"/>
           </a:xfrm>
           <a:prstGeom prst="rect">
@@ -7672,7 +7657,7 @@
         </p:nvSpPr>
         <p:spPr>
           <a:xfrm>
-            <a:off x="5364777" y="2475673"/>
+            <a:off x="8427574" y="2475673"/>
             <a:ext cx="523926" cy="335501"/>
           </a:xfrm>
           <a:prstGeom prst="rect">
@@ -7725,7 +7710,7 @@
         </p:nvSpPr>
         <p:spPr>
           <a:xfrm>
-            <a:off x="5886586" y="2475673"/>
+            <a:off x="8949383" y="2475673"/>
             <a:ext cx="1047852" cy="335501"/>
           </a:xfrm>
           <a:prstGeom prst="rect">
@@ -7789,7 +7774,7 @@
         </p:nvCxnSpPr>
         <p:spPr>
           <a:xfrm>
-            <a:off x="2203779" y="2354769"/>
+            <a:off x="5266576" y="2354769"/>
             <a:ext cx="1063177" cy="288655"/>
           </a:xfrm>
           <a:prstGeom prst="bentConnector3">
@@ -7822,7 +7807,7 @@
         </p:nvSpPr>
         <p:spPr>
           <a:xfrm>
-            <a:off x="6934439" y="2439322"/>
+            <a:off x="9997236" y="2439322"/>
             <a:ext cx="1241822" cy="369332"/>
           </a:xfrm>
           <a:prstGeom prst="rect">
@@ -7848,10 +7833,1268 @@
           </a:p>
         </p:txBody>
       </p:sp>
+      <p:sp>
+        <p:nvSpPr>
+          <p:cNvPr id="31" name="矩形 30"/>
+          <p:cNvSpPr/>
+          <p:nvPr/>
+        </p:nvSpPr>
+        <p:spPr>
+          <a:xfrm>
+            <a:off x="2100657" y="1180517"/>
+            <a:ext cx="996419" cy="335501"/>
+          </a:xfrm>
+          <a:prstGeom prst="rect">
+            <a:avLst/>
+          </a:prstGeom>
+          <a:noFill/>
+        </p:spPr>
+        <p:style>
+          <a:lnRef idx="2">
+            <a:schemeClr val="accent1">
+              <a:shade val="50000"/>
+            </a:schemeClr>
+          </a:lnRef>
+          <a:fillRef idx="1">
+            <a:schemeClr val="accent1"/>
+          </a:fillRef>
+          <a:effectRef idx="0">
+            <a:schemeClr val="accent1"/>
+          </a:effectRef>
+          <a:fontRef idx="minor">
+            <a:schemeClr val="lt1"/>
+          </a:fontRef>
+        </p:style>
+        <p:txBody>
+          <a:bodyPr rtlCol="0" anchor="ctr"/>
+          <a:lstStyle/>
+          <a:p>
+            <a:pPr algn="ctr"/>
+            <a:r>
+              <a:rPr lang="en-US" altLang="zh-CN" sz="1000" dirty="0" err="1" smtClean="0">
+                <a:solidFill>
+                  <a:schemeClr val="tx1"/>
+                </a:solidFill>
+              </a:rPr>
+              <a:t>ngx_conf_s</a:t>
+            </a:r>
+            <a:endParaRPr lang="zh-CN" altLang="en-US" sz="1000" dirty="0">
+              <a:solidFill>
+                <a:schemeClr val="tx1"/>
+              </a:solidFill>
+            </a:endParaRPr>
+          </a:p>
+        </p:txBody>
+      </p:sp>
+      <p:sp>
+        <p:nvSpPr>
+          <p:cNvPr id="33" name="矩形 32"/>
+          <p:cNvSpPr/>
+          <p:nvPr/>
+        </p:nvSpPr>
+        <p:spPr>
+          <a:xfrm>
+            <a:off x="2100656" y="1516018"/>
+            <a:ext cx="996419" cy="335499"/>
+          </a:xfrm>
+          <a:prstGeom prst="rect">
+            <a:avLst/>
+          </a:prstGeom>
+          <a:noFill/>
+        </p:spPr>
+        <p:style>
+          <a:lnRef idx="2">
+            <a:schemeClr val="accent1">
+              <a:shade val="50000"/>
+            </a:schemeClr>
+          </a:lnRef>
+          <a:fillRef idx="1">
+            <a:schemeClr val="accent1"/>
+          </a:fillRef>
+          <a:effectRef idx="0">
+            <a:schemeClr val="accent1"/>
+          </a:effectRef>
+          <a:fontRef idx="minor">
+            <a:schemeClr val="lt1"/>
+          </a:fontRef>
+        </p:style>
+        <p:txBody>
+          <a:bodyPr rtlCol="0" anchor="ctr"/>
+          <a:lstStyle/>
+          <a:p>
+            <a:pPr algn="ctr"/>
+            <a:r>
+              <a:rPr lang="en-US" altLang="zh-CN" sz="1000" dirty="0" smtClean="0">
+                <a:solidFill>
+                  <a:schemeClr val="tx1"/>
+                </a:solidFill>
+              </a:rPr>
+              <a:t>*cycle</a:t>
+            </a:r>
+            <a:endParaRPr lang="zh-CN" altLang="en-US" sz="1000" dirty="0">
+              <a:solidFill>
+                <a:schemeClr val="tx1"/>
+              </a:solidFill>
+            </a:endParaRPr>
+          </a:p>
+        </p:txBody>
+      </p:sp>
+      <p:sp>
+        <p:nvSpPr>
+          <p:cNvPr id="35" name="矩形 34"/>
+          <p:cNvSpPr/>
+          <p:nvPr/>
+        </p:nvSpPr>
+        <p:spPr>
+          <a:xfrm>
+            <a:off x="2100655" y="1851517"/>
+            <a:ext cx="996419" cy="335501"/>
+          </a:xfrm>
+          <a:prstGeom prst="rect">
+            <a:avLst/>
+          </a:prstGeom>
+          <a:noFill/>
+        </p:spPr>
+        <p:style>
+          <a:lnRef idx="2">
+            <a:schemeClr val="accent1">
+              <a:shade val="50000"/>
+            </a:schemeClr>
+          </a:lnRef>
+          <a:fillRef idx="1">
+            <a:schemeClr val="accent1"/>
+          </a:fillRef>
+          <a:effectRef idx="0">
+            <a:schemeClr val="accent1"/>
+          </a:effectRef>
+          <a:fontRef idx="minor">
+            <a:schemeClr val="lt1"/>
+          </a:fontRef>
+        </p:style>
+        <p:txBody>
+          <a:bodyPr rtlCol="0" anchor="ctr"/>
+          <a:lstStyle/>
+          <a:p>
+            <a:pPr algn="ctr"/>
+            <a:r>
+              <a:rPr lang="en-US" altLang="zh-CN" sz="1000" dirty="0" smtClean="0">
+                <a:solidFill>
+                  <a:schemeClr val="tx1"/>
+                </a:solidFill>
+              </a:rPr>
+              <a:t>*</a:t>
+            </a:r>
+            <a:r>
+              <a:rPr lang="en-US" altLang="zh-CN" sz="1000" dirty="0" err="1" smtClean="0">
+                <a:solidFill>
+                  <a:schemeClr val="tx1"/>
+                </a:solidFill>
+              </a:rPr>
+              <a:t>ctx</a:t>
+            </a:r>
+            <a:endParaRPr lang="zh-CN" altLang="en-US" sz="1000" dirty="0">
+              <a:solidFill>
+                <a:schemeClr val="tx1"/>
+              </a:solidFill>
+            </a:endParaRPr>
+          </a:p>
+        </p:txBody>
+      </p:sp>
+      <p:cxnSp>
+        <p:nvCxnSpPr>
+          <p:cNvPr id="40" name="肘形连接符 39"/>
+          <p:cNvCxnSpPr>
+            <a:stCxn id="33" idx="3"/>
+            <a:endCxn id="4" idx="1"/>
+          </p:cNvCxnSpPr>
+          <p:nvPr/>
+        </p:nvCxnSpPr>
+        <p:spPr>
+          <a:xfrm>
+            <a:off x="3097075" y="1683768"/>
+            <a:ext cx="1173084" cy="1"/>
+          </a:xfrm>
+          <a:prstGeom prst="bentConnector3">
+            <a:avLst/>
+          </a:prstGeom>
+          <a:ln>
+            <a:tailEnd type="triangle"/>
+          </a:ln>
+        </p:spPr>
+        <p:style>
+          <a:lnRef idx="1">
+            <a:schemeClr val="accent1"/>
+          </a:lnRef>
+          <a:fillRef idx="0">
+            <a:schemeClr val="accent1"/>
+          </a:fillRef>
+          <a:effectRef idx="0">
+            <a:schemeClr val="accent1"/>
+          </a:effectRef>
+          <a:fontRef idx="minor">
+            <a:schemeClr val="tx1"/>
+          </a:fontRef>
+        </p:style>
+      </p:cxnSp>
+      <p:cxnSp>
+        <p:nvCxnSpPr>
+          <p:cNvPr id="44" name="肘形连接符 43"/>
+          <p:cNvCxnSpPr>
+            <a:stCxn id="35" idx="3"/>
+            <a:endCxn id="5" idx="1"/>
+          </p:cNvCxnSpPr>
+          <p:nvPr/>
+        </p:nvCxnSpPr>
+        <p:spPr>
+          <a:xfrm>
+            <a:off x="3097074" y="2019268"/>
+            <a:ext cx="1173084" cy="2"/>
+          </a:xfrm>
+          <a:prstGeom prst="bentConnector3">
+            <a:avLst/>
+          </a:prstGeom>
+          <a:ln>
+            <a:tailEnd type="triangle"/>
+          </a:ln>
+        </p:spPr>
+        <p:style>
+          <a:lnRef idx="1">
+            <a:schemeClr val="accent1"/>
+          </a:lnRef>
+          <a:fillRef idx="0">
+            <a:schemeClr val="accent1"/>
+          </a:fillRef>
+          <a:effectRef idx="0">
+            <a:schemeClr val="accent1"/>
+          </a:effectRef>
+          <a:fontRef idx="minor">
+            <a:schemeClr val="tx1"/>
+          </a:fontRef>
+        </p:style>
+      </p:cxnSp>
+      <p:sp>
+        <p:nvSpPr>
+          <p:cNvPr id="50" name="矩形 49"/>
+          <p:cNvSpPr/>
+          <p:nvPr/>
+        </p:nvSpPr>
+        <p:spPr>
+          <a:xfrm>
+            <a:off x="2100654" y="2187016"/>
+            <a:ext cx="996419" cy="335501"/>
+          </a:xfrm>
+          <a:prstGeom prst="rect">
+            <a:avLst/>
+          </a:prstGeom>
+          <a:noFill/>
+        </p:spPr>
+        <p:style>
+          <a:lnRef idx="2">
+            <a:schemeClr val="accent1">
+              <a:shade val="50000"/>
+            </a:schemeClr>
+          </a:lnRef>
+          <a:fillRef idx="1">
+            <a:schemeClr val="accent1"/>
+          </a:fillRef>
+          <a:effectRef idx="0">
+            <a:schemeClr val="accent1"/>
+          </a:effectRef>
+          <a:fontRef idx="minor">
+            <a:schemeClr val="lt1"/>
+          </a:fontRef>
+        </p:style>
+        <p:txBody>
+          <a:bodyPr rtlCol="0" anchor="ctr"/>
+          <a:lstStyle/>
+          <a:p>
+            <a:pPr algn="ctr"/>
+            <a:r>
+              <a:rPr lang="en-US" altLang="zh-CN" sz="1000" dirty="0" err="1" smtClean="0">
+                <a:solidFill>
+                  <a:schemeClr val="tx1"/>
+                </a:solidFill>
+              </a:rPr>
+              <a:t>ngx_array_t</a:t>
+            </a:r>
+            <a:r>
+              <a:rPr lang="en-US" altLang="zh-CN" sz="1000" dirty="0" smtClean="0">
+                <a:solidFill>
+                  <a:schemeClr val="tx1"/>
+                </a:solidFill>
+              </a:rPr>
+              <a:t> </a:t>
+            </a:r>
+            <a:r>
+              <a:rPr lang="zh-CN" altLang="en-US" sz="1000" dirty="0" smtClean="0">
+                <a:solidFill>
+                  <a:schemeClr val="tx1"/>
+                </a:solidFill>
+              </a:rPr>
+              <a:t>*</a:t>
+            </a:r>
+            <a:r>
+              <a:rPr lang="en-US" altLang="zh-CN" sz="1000" dirty="0" err="1" smtClean="0">
+                <a:solidFill>
+                  <a:schemeClr val="tx1"/>
+                </a:solidFill>
+              </a:rPr>
+              <a:t>args</a:t>
+            </a:r>
+            <a:endParaRPr lang="zh-CN" altLang="en-US" sz="1000" dirty="0">
+              <a:solidFill>
+                <a:schemeClr val="tx1"/>
+              </a:solidFill>
+            </a:endParaRPr>
+          </a:p>
+        </p:txBody>
+      </p:sp>
+      <p:sp>
+        <p:nvSpPr>
+          <p:cNvPr id="60" name="矩形 59"/>
+          <p:cNvSpPr/>
+          <p:nvPr/>
+        </p:nvSpPr>
+        <p:spPr>
+          <a:xfrm>
+            <a:off x="4726" y="2187015"/>
+            <a:ext cx="523926" cy="331766"/>
+          </a:xfrm>
+          <a:prstGeom prst="rect">
+            <a:avLst/>
+          </a:prstGeom>
+          <a:noFill/>
+        </p:spPr>
+        <p:style>
+          <a:lnRef idx="2">
+            <a:schemeClr val="accent1">
+              <a:shade val="50000"/>
+            </a:schemeClr>
+          </a:lnRef>
+          <a:fillRef idx="1">
+            <a:schemeClr val="accent1"/>
+          </a:fillRef>
+          <a:effectRef idx="0">
+            <a:schemeClr val="accent1"/>
+          </a:effectRef>
+          <a:fontRef idx="minor">
+            <a:schemeClr val="lt1"/>
+          </a:fontRef>
+        </p:style>
+        <p:txBody>
+          <a:bodyPr rtlCol="0" anchor="ctr"/>
+          <a:lstStyle/>
+          <a:p>
+            <a:pPr algn="ctr"/>
+            <a:r>
+              <a:rPr lang="en-US" altLang="zh-CN" sz="1000" dirty="0" smtClean="0">
+                <a:solidFill>
+                  <a:schemeClr val="tx1"/>
+                </a:solidFill>
+              </a:rPr>
+              <a:t>…</a:t>
+            </a:r>
+            <a:endParaRPr lang="zh-CN" altLang="en-US" sz="1000" dirty="0">
+              <a:solidFill>
+                <a:schemeClr val="tx1"/>
+              </a:solidFill>
+            </a:endParaRPr>
+          </a:p>
+        </p:txBody>
+      </p:sp>
+      <p:sp>
+        <p:nvSpPr>
+          <p:cNvPr id="61" name="矩形 60"/>
+          <p:cNvSpPr/>
+          <p:nvPr/>
+        </p:nvSpPr>
+        <p:spPr>
+          <a:xfrm>
+            <a:off x="524419" y="2187015"/>
+            <a:ext cx="855657" cy="335501"/>
+          </a:xfrm>
+          <a:prstGeom prst="rect">
+            <a:avLst/>
+          </a:prstGeom>
+          <a:noFill/>
+        </p:spPr>
+        <p:style>
+          <a:lnRef idx="2">
+            <a:schemeClr val="accent1">
+              <a:shade val="50000"/>
+            </a:schemeClr>
+          </a:lnRef>
+          <a:fillRef idx="1">
+            <a:schemeClr val="accent1"/>
+          </a:fillRef>
+          <a:effectRef idx="0">
+            <a:schemeClr val="accent1"/>
+          </a:effectRef>
+          <a:fontRef idx="minor">
+            <a:schemeClr val="lt1"/>
+          </a:fontRef>
+        </p:style>
+        <p:txBody>
+          <a:bodyPr rtlCol="0" anchor="ctr"/>
+          <a:lstStyle/>
+          <a:p>
+            <a:pPr algn="ctr"/>
+            <a:r>
+              <a:rPr lang="en-US" altLang="zh-CN" sz="1000" dirty="0" err="1" smtClean="0">
+                <a:solidFill>
+                  <a:schemeClr val="tx1"/>
+                </a:solidFill>
+              </a:rPr>
+              <a:t>ngx_str_t</a:t>
+            </a:r>
+            <a:r>
+              <a:rPr lang="en-US" altLang="zh-CN" sz="1000" dirty="0" smtClean="0">
+                <a:solidFill>
+                  <a:schemeClr val="tx1"/>
+                </a:solidFill>
+              </a:rPr>
+              <a:t> *</a:t>
+            </a:r>
+            <a:endParaRPr lang="zh-CN" altLang="en-US" sz="1000" dirty="0">
+              <a:solidFill>
+                <a:schemeClr val="tx1"/>
+              </a:solidFill>
+            </a:endParaRPr>
+          </a:p>
+        </p:txBody>
+      </p:sp>
+      <p:sp>
+        <p:nvSpPr>
+          <p:cNvPr id="62" name="矩形 61"/>
+          <p:cNvSpPr/>
+          <p:nvPr/>
+        </p:nvSpPr>
+        <p:spPr>
+          <a:xfrm>
+            <a:off x="-840878" y="2183280"/>
+            <a:ext cx="849982" cy="335501"/>
+          </a:xfrm>
+          <a:prstGeom prst="rect">
+            <a:avLst/>
+          </a:prstGeom>
+          <a:noFill/>
+        </p:spPr>
+        <p:style>
+          <a:lnRef idx="2">
+            <a:schemeClr val="accent1">
+              <a:shade val="50000"/>
+            </a:schemeClr>
+          </a:lnRef>
+          <a:fillRef idx="1">
+            <a:schemeClr val="accent1"/>
+          </a:fillRef>
+          <a:effectRef idx="0">
+            <a:schemeClr val="accent1"/>
+          </a:effectRef>
+          <a:fontRef idx="minor">
+            <a:schemeClr val="lt1"/>
+          </a:fontRef>
+        </p:style>
+        <p:txBody>
+          <a:bodyPr rtlCol="0" anchor="ctr"/>
+          <a:lstStyle/>
+          <a:p>
+            <a:pPr algn="ctr"/>
+            <a:r>
+              <a:rPr lang="en-US" altLang="zh-CN" sz="1000" dirty="0" err="1" smtClean="0">
+                <a:solidFill>
+                  <a:schemeClr val="tx1"/>
+                </a:solidFill>
+              </a:rPr>
+              <a:t>ngx_str_t</a:t>
+            </a:r>
+            <a:r>
+              <a:rPr lang="en-US" altLang="zh-CN" sz="1000" dirty="0" smtClean="0">
+                <a:solidFill>
+                  <a:schemeClr val="tx1"/>
+                </a:solidFill>
+              </a:rPr>
+              <a:t> *</a:t>
+            </a:r>
+            <a:endParaRPr lang="zh-CN" altLang="en-US" sz="1000" dirty="0">
+              <a:solidFill>
+                <a:schemeClr val="tx1"/>
+              </a:solidFill>
+            </a:endParaRPr>
+          </a:p>
+        </p:txBody>
+      </p:sp>
+      <p:sp>
+        <p:nvSpPr>
+          <p:cNvPr id="63" name="矩形 62"/>
+          <p:cNvSpPr/>
+          <p:nvPr/>
+        </p:nvSpPr>
+        <p:spPr>
+          <a:xfrm>
+            <a:off x="-1695477" y="2183280"/>
+            <a:ext cx="855657" cy="335501"/>
+          </a:xfrm>
+          <a:prstGeom prst="rect">
+            <a:avLst/>
+          </a:prstGeom>
+          <a:noFill/>
+        </p:spPr>
+        <p:style>
+          <a:lnRef idx="2">
+            <a:schemeClr val="accent1">
+              <a:shade val="50000"/>
+            </a:schemeClr>
+          </a:lnRef>
+          <a:fillRef idx="1">
+            <a:schemeClr val="accent1"/>
+          </a:fillRef>
+          <a:effectRef idx="0">
+            <a:schemeClr val="accent1"/>
+          </a:effectRef>
+          <a:fontRef idx="minor">
+            <a:schemeClr val="lt1"/>
+          </a:fontRef>
+        </p:style>
+        <p:txBody>
+          <a:bodyPr rtlCol="0" anchor="ctr"/>
+          <a:lstStyle/>
+          <a:p>
+            <a:pPr algn="ctr"/>
+            <a:r>
+              <a:rPr lang="en-US" altLang="zh-CN" sz="1000" dirty="0" err="1" smtClean="0">
+                <a:solidFill>
+                  <a:schemeClr val="tx1"/>
+                </a:solidFill>
+              </a:rPr>
+              <a:t>ngx_str_t</a:t>
+            </a:r>
+            <a:r>
+              <a:rPr lang="en-US" altLang="zh-CN" sz="1000" dirty="0" smtClean="0">
+                <a:solidFill>
+                  <a:schemeClr val="tx1"/>
+                </a:solidFill>
+              </a:rPr>
+              <a:t> *</a:t>
+            </a:r>
+            <a:endParaRPr lang="zh-CN" altLang="en-US" sz="1000" dirty="0">
+              <a:solidFill>
+                <a:schemeClr val="tx1"/>
+              </a:solidFill>
+            </a:endParaRPr>
+          </a:p>
+        </p:txBody>
+      </p:sp>
+      <p:sp>
+        <p:nvSpPr>
+          <p:cNvPr id="64" name="文本框 63"/>
+          <p:cNvSpPr txBox="1"/>
+          <p:nvPr/>
+        </p:nvSpPr>
+        <p:spPr>
+          <a:xfrm>
+            <a:off x="-1661541" y="2580455"/>
+            <a:ext cx="2938625" cy="230832"/>
+          </a:xfrm>
+          <a:prstGeom prst="rect">
+            <a:avLst/>
+          </a:prstGeom>
+          <a:noFill/>
+        </p:spPr>
+        <p:txBody>
+          <a:bodyPr wrap="square" rtlCol="0">
+            <a:spAutoFit/>
+          </a:bodyPr>
+          <a:lstStyle/>
+          <a:p>
+            <a:r>
+              <a:rPr lang="zh-CN" altLang="en-US" sz="900" dirty="0" smtClean="0"/>
+              <a:t>保存了某个配置项的数据，如配置项名称，配置参数等</a:t>
+            </a:r>
+            <a:endParaRPr lang="zh-CN" altLang="en-US" sz="900" dirty="0"/>
+          </a:p>
+        </p:txBody>
+      </p:sp>
+      <p:cxnSp>
+        <p:nvCxnSpPr>
+          <p:cNvPr id="66" name="肘形连接符 65"/>
+          <p:cNvCxnSpPr>
+            <a:stCxn id="50" idx="1"/>
+            <a:endCxn id="61" idx="3"/>
+          </p:cNvCxnSpPr>
+          <p:nvPr/>
+        </p:nvCxnSpPr>
+        <p:spPr>
+          <a:xfrm rot="10800000">
+            <a:off x="1380076" y="2354767"/>
+            <a:ext cx="720578" cy="1"/>
+          </a:xfrm>
+          <a:prstGeom prst="bentConnector3">
+            <a:avLst/>
+          </a:prstGeom>
+          <a:ln>
+            <a:tailEnd type="triangle"/>
+          </a:ln>
+        </p:spPr>
+        <p:style>
+          <a:lnRef idx="1">
+            <a:schemeClr val="accent1"/>
+          </a:lnRef>
+          <a:fillRef idx="0">
+            <a:schemeClr val="accent1"/>
+          </a:fillRef>
+          <a:effectRef idx="0">
+            <a:schemeClr val="accent1"/>
+          </a:effectRef>
+          <a:fontRef idx="minor">
+            <a:schemeClr val="tx1"/>
+          </a:fontRef>
+        </p:style>
+      </p:cxnSp>
+      <p:sp>
+        <p:nvSpPr>
+          <p:cNvPr id="71" name="文本框 70"/>
+          <p:cNvSpPr txBox="1"/>
+          <p:nvPr/>
+        </p:nvSpPr>
+        <p:spPr>
+          <a:xfrm>
+            <a:off x="492086" y="201850"/>
+            <a:ext cx="1825601" cy="369332"/>
+          </a:xfrm>
+          <a:prstGeom prst="rect">
+            <a:avLst/>
+          </a:prstGeom>
+          <a:noFill/>
+        </p:spPr>
+        <p:txBody>
+          <a:bodyPr wrap="square" rtlCol="0">
+            <a:spAutoFit/>
+          </a:bodyPr>
+          <a:lstStyle/>
+          <a:p>
+            <a:r>
+              <a:rPr lang="zh-CN" altLang="en-US" dirty="0" smtClean="0"/>
+              <a:t>启动和配置相关</a:t>
+            </a:r>
+            <a:endParaRPr lang="zh-CN" altLang="en-US" dirty="0"/>
+          </a:p>
+        </p:txBody>
+      </p:sp>
     </p:spTree>
     <p:extLst>
       <p:ext uri="{BB962C8B-B14F-4D97-AF65-F5344CB8AC3E}">
         <p14:creationId xmlns:p14="http://schemas.microsoft.com/office/powerpoint/2010/main" val="1403196054"/>
+      </p:ext>
+    </p:extLst>
+  </p:cSld>
+  <p:clrMapOvr>
+    <a:masterClrMapping/>
+  </p:clrMapOvr>
+</p:sld>
+</file>
+
+<file path=ppt/slides/slide4.xml><?xml version="1.0" encoding="utf-8"?>
+<p:sld xmlns:a="http://schemas.openxmlformats.org/drawingml/2006/main" xmlns:r="http://schemas.openxmlformats.org/officeDocument/2006/relationships" xmlns:p="http://schemas.openxmlformats.org/presentationml/2006/main">
+  <p:cSld>
+    <p:spTree>
+      <p:nvGrpSpPr>
+        <p:cNvPr id="1" name=""/>
+        <p:cNvGrpSpPr/>
+        <p:nvPr/>
+      </p:nvGrpSpPr>
+      <p:grpSpPr>
+        <a:xfrm>
+          <a:off x="0" y="0"/>
+          <a:ext cx="0" cy="0"/>
+          <a:chOff x="0" y="0"/>
+          <a:chExt cx="0" cy="0"/>
+        </a:xfrm>
+      </p:grpSpPr>
+      <p:sp>
+        <p:nvSpPr>
+          <p:cNvPr id="4" name="文本框 3"/>
+          <p:cNvSpPr txBox="1"/>
+          <p:nvPr/>
+        </p:nvSpPr>
+        <p:spPr>
+          <a:xfrm>
+            <a:off x="492086" y="201850"/>
+            <a:ext cx="1825601" cy="369332"/>
+          </a:xfrm>
+          <a:prstGeom prst="rect">
+            <a:avLst/>
+          </a:prstGeom>
+          <a:noFill/>
+        </p:spPr>
+        <p:txBody>
+          <a:bodyPr wrap="square" rtlCol="0">
+            <a:spAutoFit/>
+          </a:bodyPr>
+          <a:lstStyle/>
+          <a:p>
+            <a:r>
+              <a:rPr lang="en-US" altLang="zh-CN" dirty="0" smtClean="0"/>
+              <a:t>http</a:t>
+            </a:r>
+            <a:r>
+              <a:rPr lang="zh-CN" altLang="en-US" dirty="0" smtClean="0"/>
+              <a:t>模块</a:t>
+            </a:r>
+            <a:r>
+              <a:rPr lang="zh-CN" altLang="en-US" dirty="0" smtClean="0"/>
+              <a:t>配置</a:t>
+            </a:r>
+            <a:endParaRPr lang="zh-CN" altLang="en-US" dirty="0"/>
+          </a:p>
+        </p:txBody>
+      </p:sp>
+      <p:sp>
+        <p:nvSpPr>
+          <p:cNvPr id="5" name="矩形 4"/>
+          <p:cNvSpPr/>
+          <p:nvPr/>
+        </p:nvSpPr>
+        <p:spPr>
+          <a:xfrm>
+            <a:off x="1395872" y="912391"/>
+            <a:ext cx="1252078" cy="335501"/>
+          </a:xfrm>
+          <a:prstGeom prst="rect">
+            <a:avLst/>
+          </a:prstGeom>
+          <a:noFill/>
+        </p:spPr>
+        <p:style>
+          <a:lnRef idx="2">
+            <a:schemeClr val="accent1">
+              <a:shade val="50000"/>
+            </a:schemeClr>
+          </a:lnRef>
+          <a:fillRef idx="1">
+            <a:schemeClr val="accent1"/>
+          </a:fillRef>
+          <a:effectRef idx="0">
+            <a:schemeClr val="accent1"/>
+          </a:effectRef>
+          <a:fontRef idx="minor">
+            <a:schemeClr val="lt1"/>
+          </a:fontRef>
+        </p:style>
+        <p:txBody>
+          <a:bodyPr rtlCol="0" anchor="ctr"/>
+          <a:lstStyle/>
+          <a:p>
+            <a:pPr algn="ctr"/>
+            <a:r>
+              <a:rPr lang="en-US" altLang="zh-CN" sz="1000" dirty="0" err="1" smtClean="0">
+                <a:solidFill>
+                  <a:schemeClr val="tx1"/>
+                </a:solidFill>
+              </a:rPr>
+              <a:t>ngx_http_conf_ctx_t</a:t>
+            </a:r>
+            <a:endParaRPr lang="zh-CN" altLang="en-US" sz="1000" dirty="0">
+              <a:solidFill>
+                <a:schemeClr val="tx1"/>
+              </a:solidFill>
+            </a:endParaRPr>
+          </a:p>
+        </p:txBody>
+      </p:sp>
+      <p:sp>
+        <p:nvSpPr>
+          <p:cNvPr id="6" name="矩形 5"/>
+          <p:cNvSpPr/>
+          <p:nvPr/>
+        </p:nvSpPr>
+        <p:spPr>
+          <a:xfrm>
+            <a:off x="1395872" y="1247892"/>
+            <a:ext cx="1252078" cy="335501"/>
+          </a:xfrm>
+          <a:prstGeom prst="rect">
+            <a:avLst/>
+          </a:prstGeom>
+          <a:noFill/>
+        </p:spPr>
+        <p:style>
+          <a:lnRef idx="2">
+            <a:schemeClr val="accent1">
+              <a:shade val="50000"/>
+            </a:schemeClr>
+          </a:lnRef>
+          <a:fillRef idx="1">
+            <a:schemeClr val="accent1"/>
+          </a:fillRef>
+          <a:effectRef idx="0">
+            <a:schemeClr val="accent1"/>
+          </a:effectRef>
+          <a:fontRef idx="minor">
+            <a:schemeClr val="lt1"/>
+          </a:fontRef>
+        </p:style>
+        <p:txBody>
+          <a:bodyPr rtlCol="0" anchor="ctr"/>
+          <a:lstStyle/>
+          <a:p>
+            <a:pPr algn="ctr"/>
+            <a:r>
+              <a:rPr lang="en-US" altLang="zh-CN" sz="1000" dirty="0" smtClean="0">
+                <a:solidFill>
+                  <a:schemeClr val="tx1"/>
+                </a:solidFill>
+              </a:rPr>
+              <a:t>**</a:t>
+            </a:r>
+            <a:r>
+              <a:rPr lang="en-US" altLang="zh-CN" sz="1000" dirty="0" err="1" smtClean="0">
+                <a:solidFill>
+                  <a:schemeClr val="tx1"/>
+                </a:solidFill>
+              </a:rPr>
+              <a:t>main_conf</a:t>
+            </a:r>
+            <a:endParaRPr lang="zh-CN" altLang="en-US" sz="1000" dirty="0">
+              <a:solidFill>
+                <a:schemeClr val="tx1"/>
+              </a:solidFill>
+            </a:endParaRPr>
+          </a:p>
+        </p:txBody>
+      </p:sp>
+      <p:sp>
+        <p:nvSpPr>
+          <p:cNvPr id="7" name="矩形 6"/>
+          <p:cNvSpPr/>
+          <p:nvPr/>
+        </p:nvSpPr>
+        <p:spPr>
+          <a:xfrm>
+            <a:off x="1395872" y="1583393"/>
+            <a:ext cx="1252078" cy="335501"/>
+          </a:xfrm>
+          <a:prstGeom prst="rect">
+            <a:avLst/>
+          </a:prstGeom>
+          <a:noFill/>
+        </p:spPr>
+        <p:style>
+          <a:lnRef idx="2">
+            <a:schemeClr val="accent1">
+              <a:shade val="50000"/>
+            </a:schemeClr>
+          </a:lnRef>
+          <a:fillRef idx="1">
+            <a:schemeClr val="accent1"/>
+          </a:fillRef>
+          <a:effectRef idx="0">
+            <a:schemeClr val="accent1"/>
+          </a:effectRef>
+          <a:fontRef idx="minor">
+            <a:schemeClr val="lt1"/>
+          </a:fontRef>
+        </p:style>
+        <p:txBody>
+          <a:bodyPr rtlCol="0" anchor="ctr"/>
+          <a:lstStyle/>
+          <a:p>
+            <a:pPr algn="ctr"/>
+            <a:r>
+              <a:rPr lang="en-US" altLang="zh-CN" sz="1000" dirty="0" smtClean="0">
+                <a:solidFill>
+                  <a:schemeClr val="tx1"/>
+                </a:solidFill>
+              </a:rPr>
+              <a:t>**</a:t>
+            </a:r>
+            <a:r>
+              <a:rPr lang="en-US" altLang="zh-CN" sz="1000" dirty="0" err="1" smtClean="0">
+                <a:solidFill>
+                  <a:schemeClr val="tx1"/>
+                </a:solidFill>
+              </a:rPr>
+              <a:t>srv_conf</a:t>
+            </a:r>
+            <a:endParaRPr lang="zh-CN" altLang="en-US" sz="1000" dirty="0">
+              <a:solidFill>
+                <a:schemeClr val="tx1"/>
+              </a:solidFill>
+            </a:endParaRPr>
+          </a:p>
+        </p:txBody>
+      </p:sp>
+      <p:sp>
+        <p:nvSpPr>
+          <p:cNvPr id="8" name="矩形 7"/>
+          <p:cNvSpPr/>
+          <p:nvPr/>
+        </p:nvSpPr>
+        <p:spPr>
+          <a:xfrm>
+            <a:off x="1395872" y="1918894"/>
+            <a:ext cx="1252078" cy="335501"/>
+          </a:xfrm>
+          <a:prstGeom prst="rect">
+            <a:avLst/>
+          </a:prstGeom>
+          <a:noFill/>
+        </p:spPr>
+        <p:style>
+          <a:lnRef idx="2">
+            <a:schemeClr val="accent1">
+              <a:shade val="50000"/>
+            </a:schemeClr>
+          </a:lnRef>
+          <a:fillRef idx="1">
+            <a:schemeClr val="accent1"/>
+          </a:fillRef>
+          <a:effectRef idx="0">
+            <a:schemeClr val="accent1"/>
+          </a:effectRef>
+          <a:fontRef idx="minor">
+            <a:schemeClr val="lt1"/>
+          </a:fontRef>
+        </p:style>
+        <p:txBody>
+          <a:bodyPr rtlCol="0" anchor="ctr"/>
+          <a:lstStyle/>
+          <a:p>
+            <a:pPr algn="ctr"/>
+            <a:r>
+              <a:rPr lang="en-US" altLang="zh-CN" sz="1000" dirty="0" smtClean="0">
+                <a:solidFill>
+                  <a:schemeClr val="tx1"/>
+                </a:solidFill>
+              </a:rPr>
+              <a:t>**</a:t>
+            </a:r>
+            <a:r>
+              <a:rPr lang="en-US" altLang="zh-CN" sz="1000" dirty="0" err="1" smtClean="0">
+                <a:solidFill>
+                  <a:schemeClr val="tx1"/>
+                </a:solidFill>
+              </a:rPr>
+              <a:t>loc_conf</a:t>
+            </a:r>
+            <a:endParaRPr lang="zh-CN" altLang="en-US" sz="1000" dirty="0">
+              <a:solidFill>
+                <a:schemeClr val="tx1"/>
+              </a:solidFill>
+            </a:endParaRPr>
+          </a:p>
+        </p:txBody>
+      </p:sp>
+      <p:sp>
+        <p:nvSpPr>
+          <p:cNvPr id="9" name="矩形 8"/>
+          <p:cNvSpPr/>
+          <p:nvPr/>
+        </p:nvSpPr>
+        <p:spPr>
+          <a:xfrm>
+            <a:off x="3343819" y="1247891"/>
+            <a:ext cx="555081" cy="335501"/>
+          </a:xfrm>
+          <a:prstGeom prst="rect">
+            <a:avLst/>
+          </a:prstGeom>
+          <a:noFill/>
+        </p:spPr>
+        <p:style>
+          <a:lnRef idx="2">
+            <a:schemeClr val="accent1">
+              <a:shade val="50000"/>
+            </a:schemeClr>
+          </a:lnRef>
+          <a:fillRef idx="1">
+            <a:schemeClr val="accent1"/>
+          </a:fillRef>
+          <a:effectRef idx="0">
+            <a:schemeClr val="accent1"/>
+          </a:effectRef>
+          <a:fontRef idx="minor">
+            <a:schemeClr val="lt1"/>
+          </a:fontRef>
+        </p:style>
+        <p:txBody>
+          <a:bodyPr rtlCol="0" anchor="ctr"/>
+          <a:lstStyle/>
+          <a:p>
+            <a:pPr algn="ctr"/>
+            <a:r>
+              <a:rPr lang="en-US" altLang="zh-CN" sz="1000" dirty="0" smtClean="0">
+                <a:solidFill>
+                  <a:schemeClr val="tx1"/>
+                </a:solidFill>
+              </a:rPr>
+              <a:t>void </a:t>
+            </a:r>
+            <a:r>
+              <a:rPr lang="en-US" altLang="zh-CN" sz="1000" dirty="0" smtClean="0">
+                <a:solidFill>
+                  <a:schemeClr val="tx1"/>
+                </a:solidFill>
+              </a:rPr>
+              <a:t>*</a:t>
+            </a:r>
+            <a:endParaRPr lang="zh-CN" altLang="en-US" sz="1000" dirty="0">
+              <a:solidFill>
+                <a:schemeClr val="tx1"/>
+              </a:solidFill>
+            </a:endParaRPr>
+          </a:p>
+        </p:txBody>
+      </p:sp>
+      <p:sp>
+        <p:nvSpPr>
+          <p:cNvPr id="11" name="矩形 10"/>
+          <p:cNvSpPr/>
+          <p:nvPr/>
+        </p:nvSpPr>
+        <p:spPr>
+          <a:xfrm>
+            <a:off x="3898900" y="1247891"/>
+            <a:ext cx="555081" cy="335501"/>
+          </a:xfrm>
+          <a:prstGeom prst="rect">
+            <a:avLst/>
+          </a:prstGeom>
+          <a:noFill/>
+        </p:spPr>
+        <p:style>
+          <a:lnRef idx="2">
+            <a:schemeClr val="accent1">
+              <a:shade val="50000"/>
+            </a:schemeClr>
+          </a:lnRef>
+          <a:fillRef idx="1">
+            <a:schemeClr val="accent1"/>
+          </a:fillRef>
+          <a:effectRef idx="0">
+            <a:schemeClr val="accent1"/>
+          </a:effectRef>
+          <a:fontRef idx="minor">
+            <a:schemeClr val="lt1"/>
+          </a:fontRef>
+        </p:style>
+        <p:txBody>
+          <a:bodyPr rtlCol="0" anchor="ctr"/>
+          <a:lstStyle/>
+          <a:p>
+            <a:pPr algn="ctr"/>
+            <a:r>
+              <a:rPr lang="en-US" altLang="zh-CN" sz="1000" dirty="0" smtClean="0">
+                <a:solidFill>
+                  <a:schemeClr val="tx1"/>
+                </a:solidFill>
+              </a:rPr>
+              <a:t>void </a:t>
+            </a:r>
+            <a:r>
+              <a:rPr lang="en-US" altLang="zh-CN" sz="1000" dirty="0" smtClean="0">
+                <a:solidFill>
+                  <a:schemeClr val="tx1"/>
+                </a:solidFill>
+              </a:rPr>
+              <a:t>*</a:t>
+            </a:r>
+            <a:endParaRPr lang="zh-CN" altLang="en-US" sz="1000" dirty="0">
+              <a:solidFill>
+                <a:schemeClr val="tx1"/>
+              </a:solidFill>
+            </a:endParaRPr>
+          </a:p>
+        </p:txBody>
+      </p:sp>
+      <p:sp>
+        <p:nvSpPr>
+          <p:cNvPr id="12" name="矩形 11"/>
+          <p:cNvSpPr/>
+          <p:nvPr/>
+        </p:nvSpPr>
+        <p:spPr>
+          <a:xfrm>
+            <a:off x="4453981" y="1247891"/>
+            <a:ext cx="555081" cy="335501"/>
+          </a:xfrm>
+          <a:prstGeom prst="rect">
+            <a:avLst/>
+          </a:prstGeom>
+          <a:noFill/>
+        </p:spPr>
+        <p:style>
+          <a:lnRef idx="2">
+            <a:schemeClr val="accent1">
+              <a:shade val="50000"/>
+            </a:schemeClr>
+          </a:lnRef>
+          <a:fillRef idx="1">
+            <a:schemeClr val="accent1"/>
+          </a:fillRef>
+          <a:effectRef idx="0">
+            <a:schemeClr val="accent1"/>
+          </a:effectRef>
+          <a:fontRef idx="minor">
+            <a:schemeClr val="lt1"/>
+          </a:fontRef>
+        </p:style>
+        <p:txBody>
+          <a:bodyPr rtlCol="0" anchor="ctr"/>
+          <a:lstStyle/>
+          <a:p>
+            <a:pPr algn="ctr"/>
+            <a:r>
+              <a:rPr lang="en-US" altLang="zh-CN" sz="1000" dirty="0" smtClean="0">
+                <a:solidFill>
+                  <a:schemeClr val="tx1"/>
+                </a:solidFill>
+              </a:rPr>
+              <a:t>…</a:t>
+            </a:r>
+            <a:endParaRPr lang="zh-CN" altLang="en-US" sz="1000" dirty="0">
+              <a:solidFill>
+                <a:schemeClr val="tx1"/>
+              </a:solidFill>
+            </a:endParaRPr>
+          </a:p>
+        </p:txBody>
+      </p:sp>
+      <p:sp>
+        <p:nvSpPr>
+          <p:cNvPr id="13" name="矩形 12"/>
+          <p:cNvSpPr/>
+          <p:nvPr/>
+        </p:nvSpPr>
+        <p:spPr>
+          <a:xfrm>
+            <a:off x="5009062" y="1247891"/>
+            <a:ext cx="555081" cy="335501"/>
+          </a:xfrm>
+          <a:prstGeom prst="rect">
+            <a:avLst/>
+          </a:prstGeom>
+          <a:noFill/>
+        </p:spPr>
+        <p:style>
+          <a:lnRef idx="2">
+            <a:schemeClr val="accent1">
+              <a:shade val="50000"/>
+            </a:schemeClr>
+          </a:lnRef>
+          <a:fillRef idx="1">
+            <a:schemeClr val="accent1"/>
+          </a:fillRef>
+          <a:effectRef idx="0">
+            <a:schemeClr val="accent1"/>
+          </a:effectRef>
+          <a:fontRef idx="minor">
+            <a:schemeClr val="lt1"/>
+          </a:fontRef>
+        </p:style>
+        <p:txBody>
+          <a:bodyPr rtlCol="0" anchor="ctr"/>
+          <a:lstStyle/>
+          <a:p>
+            <a:pPr algn="ctr"/>
+            <a:r>
+              <a:rPr lang="en-US" altLang="zh-CN" sz="1000" dirty="0" smtClean="0">
+                <a:solidFill>
+                  <a:schemeClr val="tx1"/>
+                </a:solidFill>
+              </a:rPr>
+              <a:t>void *</a:t>
+            </a:r>
+            <a:endParaRPr lang="zh-CN" altLang="en-US" sz="1000" dirty="0">
+              <a:solidFill>
+                <a:schemeClr val="tx1"/>
+              </a:solidFill>
+            </a:endParaRPr>
+          </a:p>
+        </p:txBody>
+      </p:sp>
+      <p:cxnSp>
+        <p:nvCxnSpPr>
+          <p:cNvPr id="15" name="直接箭头连接符 14"/>
+          <p:cNvCxnSpPr>
+            <a:stCxn id="6" idx="3"/>
+            <a:endCxn id="9" idx="1"/>
+          </p:cNvCxnSpPr>
+          <p:nvPr/>
+        </p:nvCxnSpPr>
+        <p:spPr>
+          <a:xfrm flipV="1">
+            <a:off x="2647950" y="1415642"/>
+            <a:ext cx="695869" cy="1"/>
+          </a:xfrm>
+          <a:prstGeom prst="straightConnector1">
+            <a:avLst/>
+          </a:prstGeom>
+          <a:ln>
+            <a:tailEnd type="triangle"/>
+          </a:ln>
+        </p:spPr>
+        <p:style>
+          <a:lnRef idx="1">
+            <a:schemeClr val="accent1"/>
+          </a:lnRef>
+          <a:fillRef idx="0">
+            <a:schemeClr val="accent1"/>
+          </a:fillRef>
+          <a:effectRef idx="0">
+            <a:schemeClr val="accent1"/>
+          </a:effectRef>
+          <a:fontRef idx="minor">
+            <a:schemeClr val="tx1"/>
+          </a:fontRef>
+        </p:style>
+      </p:cxnSp>
+      <p:sp>
+        <p:nvSpPr>
+          <p:cNvPr id="16" name="文本框 15"/>
+          <p:cNvSpPr txBox="1"/>
+          <p:nvPr/>
+        </p:nvSpPr>
+        <p:spPr>
+          <a:xfrm>
+            <a:off x="3405278" y="963191"/>
+            <a:ext cx="1985872" cy="230832"/>
+          </a:xfrm>
+          <a:prstGeom prst="rect">
+            <a:avLst/>
+          </a:prstGeom>
+          <a:noFill/>
+        </p:spPr>
+        <p:txBody>
+          <a:bodyPr wrap="square" rtlCol="0">
+            <a:spAutoFit/>
+          </a:bodyPr>
+          <a:lstStyle/>
+          <a:p>
+            <a:r>
+              <a:rPr lang="en-US" altLang="zh-CN" sz="900" dirty="0" err="1" smtClean="0"/>
+              <a:t>ngx_http_max_module</a:t>
+            </a:r>
+            <a:r>
+              <a:rPr lang="zh-CN" altLang="en-US" sz="900" dirty="0" smtClean="0"/>
+              <a:t>个</a:t>
+            </a:r>
+            <a:r>
+              <a:rPr lang="en-US" altLang="zh-CN" sz="900" dirty="0" smtClean="0"/>
+              <a:t>void *</a:t>
+            </a:r>
+            <a:r>
+              <a:rPr lang="zh-CN" altLang="en-US" sz="900" dirty="0" smtClean="0"/>
+              <a:t>指针</a:t>
+            </a:r>
+            <a:endParaRPr lang="zh-CN" altLang="en-US" sz="900" dirty="0"/>
+          </a:p>
+        </p:txBody>
+      </p:sp>
+    </p:spTree>
+    <p:extLst>
+      <p:ext uri="{BB962C8B-B14F-4D97-AF65-F5344CB8AC3E}">
+        <p14:creationId xmlns:p14="http://schemas.microsoft.com/office/powerpoint/2010/main" val="3513096350"/>
       </p:ext>
     </p:extLst>
   </p:cSld>

--- a/学习笔记/ngx数据结构关系图.pptx
+++ b/学习笔记/ngx数据结构关系图.pptx
@@ -8511,586 +8511,3697 @@
           <a:chExt cx="0" cy="0"/>
         </a:xfrm>
       </p:grpSpPr>
-      <p:sp>
-        <p:nvSpPr>
-          <p:cNvPr id="4" name="文本框 3"/>
-          <p:cNvSpPr txBox="1"/>
+      <p:grpSp>
+        <p:nvGrpSpPr>
+          <p:cNvPr id="120" name="组合 119"/>
+          <p:cNvGrpSpPr/>
           <p:nvPr/>
-        </p:nvSpPr>
-        <p:spPr>
+        </p:nvGrpSpPr>
+        <p:grpSpPr>
           <a:xfrm>
             <a:off x="492086" y="201850"/>
-            <a:ext cx="1825601" cy="369332"/>
+            <a:ext cx="10244791" cy="7198272"/>
+            <a:chOff x="492086" y="201850"/>
+            <a:chExt cx="10244791" cy="7198272"/>
           </a:xfrm>
-          <a:prstGeom prst="rect">
-            <a:avLst/>
-          </a:prstGeom>
-          <a:noFill/>
-        </p:spPr>
-        <p:txBody>
-          <a:bodyPr wrap="square" rtlCol="0">
-            <a:spAutoFit/>
-          </a:bodyPr>
-          <a:lstStyle/>
-          <a:p>
-            <a:r>
-              <a:rPr lang="en-US" altLang="zh-CN" dirty="0" smtClean="0"/>
-              <a:t>http</a:t>
-            </a:r>
-            <a:r>
-              <a:rPr lang="zh-CN" altLang="en-US" dirty="0" smtClean="0"/>
-              <a:t>模块</a:t>
-            </a:r>
-            <a:r>
-              <a:rPr lang="zh-CN" altLang="en-US" dirty="0" smtClean="0"/>
-              <a:t>配置</a:t>
-            </a:r>
-            <a:endParaRPr lang="zh-CN" altLang="en-US" dirty="0"/>
-          </a:p>
-        </p:txBody>
-      </p:sp>
-      <p:sp>
-        <p:nvSpPr>
-          <p:cNvPr id="5" name="矩形 4"/>
-          <p:cNvSpPr/>
-          <p:nvPr/>
-        </p:nvSpPr>
-        <p:spPr>
-          <a:xfrm>
-            <a:off x="1395872" y="912391"/>
-            <a:ext cx="1252078" cy="335501"/>
-          </a:xfrm>
-          <a:prstGeom prst="rect">
-            <a:avLst/>
-          </a:prstGeom>
-          <a:noFill/>
-        </p:spPr>
-        <p:style>
-          <a:lnRef idx="2">
-            <a:schemeClr val="accent1">
-              <a:shade val="50000"/>
-            </a:schemeClr>
-          </a:lnRef>
-          <a:fillRef idx="1">
-            <a:schemeClr val="accent1"/>
-          </a:fillRef>
-          <a:effectRef idx="0">
-            <a:schemeClr val="accent1"/>
-          </a:effectRef>
-          <a:fontRef idx="minor">
-            <a:schemeClr val="lt1"/>
-          </a:fontRef>
-        </p:style>
-        <p:txBody>
-          <a:bodyPr rtlCol="0" anchor="ctr"/>
-          <a:lstStyle/>
-          <a:p>
-            <a:pPr algn="ctr"/>
-            <a:r>
-              <a:rPr lang="en-US" altLang="zh-CN" sz="1000" dirty="0" err="1" smtClean="0">
+        </p:grpSpPr>
+        <p:sp>
+          <p:nvSpPr>
+            <p:cNvPr id="4" name="文本框 3"/>
+            <p:cNvSpPr txBox="1"/>
+            <p:nvPr/>
+          </p:nvSpPr>
+          <p:spPr>
+            <a:xfrm>
+              <a:off x="492086" y="201850"/>
+              <a:ext cx="1825601" cy="369332"/>
+            </a:xfrm>
+            <a:prstGeom prst="rect">
+              <a:avLst/>
+            </a:prstGeom>
+            <a:noFill/>
+          </p:spPr>
+          <p:txBody>
+            <a:bodyPr wrap="square" rtlCol="0">
+              <a:spAutoFit/>
+            </a:bodyPr>
+            <a:lstStyle/>
+            <a:p>
+              <a:r>
+                <a:rPr lang="en-US" altLang="zh-CN" dirty="0" smtClean="0"/>
+                <a:t>http</a:t>
+              </a:r>
+              <a:r>
+                <a:rPr lang="zh-CN" altLang="en-US" dirty="0" smtClean="0"/>
+                <a:t>模块配置</a:t>
+              </a:r>
+              <a:endParaRPr lang="zh-CN" altLang="en-US" dirty="0"/>
+            </a:p>
+          </p:txBody>
+        </p:sp>
+        <p:sp>
+          <p:nvSpPr>
+            <p:cNvPr id="5" name="矩形 4"/>
+            <p:cNvSpPr/>
+            <p:nvPr/>
+          </p:nvSpPr>
+          <p:spPr>
+            <a:xfrm>
+              <a:off x="1395872" y="912391"/>
+              <a:ext cx="1252078" cy="335501"/>
+            </a:xfrm>
+            <a:prstGeom prst="rect">
+              <a:avLst/>
+            </a:prstGeom>
+            <a:noFill/>
+          </p:spPr>
+          <p:style>
+            <a:lnRef idx="2">
+              <a:schemeClr val="accent1">
+                <a:shade val="50000"/>
+              </a:schemeClr>
+            </a:lnRef>
+            <a:fillRef idx="1">
+              <a:schemeClr val="accent1"/>
+            </a:fillRef>
+            <a:effectRef idx="0">
+              <a:schemeClr val="accent1"/>
+            </a:effectRef>
+            <a:fontRef idx="minor">
+              <a:schemeClr val="lt1"/>
+            </a:fontRef>
+          </p:style>
+          <p:txBody>
+            <a:bodyPr rtlCol="0" anchor="ctr"/>
+            <a:lstStyle/>
+            <a:p>
+              <a:pPr algn="ctr"/>
+              <a:r>
+                <a:rPr lang="en-US" altLang="zh-CN" sz="1000" dirty="0" err="1" smtClean="0">
+                  <a:solidFill>
+                    <a:schemeClr val="tx1"/>
+                  </a:solidFill>
+                </a:rPr>
+                <a:t>ngx_http_conf_ctx_t</a:t>
+              </a:r>
+              <a:endParaRPr lang="zh-CN" altLang="en-US" sz="1000" dirty="0">
                 <a:solidFill>
                   <a:schemeClr val="tx1"/>
                 </a:solidFill>
-              </a:rPr>
-              <a:t>ngx_http_conf_ctx_t</a:t>
-            </a:r>
-            <a:endParaRPr lang="zh-CN" altLang="en-US" sz="1000" dirty="0">
-              <a:solidFill>
-                <a:schemeClr val="tx1"/>
-              </a:solidFill>
-            </a:endParaRPr>
-          </a:p>
-        </p:txBody>
-      </p:sp>
-      <p:sp>
-        <p:nvSpPr>
-          <p:cNvPr id="6" name="矩形 5"/>
-          <p:cNvSpPr/>
-          <p:nvPr/>
-        </p:nvSpPr>
-        <p:spPr>
-          <a:xfrm>
-            <a:off x="1395872" y="1247892"/>
-            <a:ext cx="1252078" cy="335501"/>
-          </a:xfrm>
-          <a:prstGeom prst="rect">
-            <a:avLst/>
-          </a:prstGeom>
-          <a:noFill/>
-        </p:spPr>
-        <p:style>
-          <a:lnRef idx="2">
-            <a:schemeClr val="accent1">
-              <a:shade val="50000"/>
-            </a:schemeClr>
-          </a:lnRef>
-          <a:fillRef idx="1">
-            <a:schemeClr val="accent1"/>
-          </a:fillRef>
-          <a:effectRef idx="0">
-            <a:schemeClr val="accent1"/>
-          </a:effectRef>
-          <a:fontRef idx="minor">
-            <a:schemeClr val="lt1"/>
-          </a:fontRef>
-        </p:style>
-        <p:txBody>
-          <a:bodyPr rtlCol="0" anchor="ctr"/>
-          <a:lstStyle/>
-          <a:p>
-            <a:pPr algn="ctr"/>
-            <a:r>
-              <a:rPr lang="en-US" altLang="zh-CN" sz="1000" dirty="0" smtClean="0">
+              </a:endParaRPr>
+            </a:p>
+          </p:txBody>
+        </p:sp>
+        <p:sp>
+          <p:nvSpPr>
+            <p:cNvPr id="6" name="矩形 5"/>
+            <p:cNvSpPr/>
+            <p:nvPr/>
+          </p:nvSpPr>
+          <p:spPr>
+            <a:xfrm>
+              <a:off x="1395872" y="1247892"/>
+              <a:ext cx="1252078" cy="335501"/>
+            </a:xfrm>
+            <a:prstGeom prst="rect">
+              <a:avLst/>
+            </a:prstGeom>
+            <a:noFill/>
+          </p:spPr>
+          <p:style>
+            <a:lnRef idx="2">
+              <a:schemeClr val="accent1">
+                <a:shade val="50000"/>
+              </a:schemeClr>
+            </a:lnRef>
+            <a:fillRef idx="1">
+              <a:schemeClr val="accent1"/>
+            </a:fillRef>
+            <a:effectRef idx="0">
+              <a:schemeClr val="accent1"/>
+            </a:effectRef>
+            <a:fontRef idx="minor">
+              <a:schemeClr val="lt1"/>
+            </a:fontRef>
+          </p:style>
+          <p:txBody>
+            <a:bodyPr rtlCol="0" anchor="ctr"/>
+            <a:lstStyle/>
+            <a:p>
+              <a:pPr algn="ctr"/>
+              <a:r>
+                <a:rPr lang="en-US" altLang="zh-CN" sz="1000" dirty="0" smtClean="0">
+                  <a:solidFill>
+                    <a:schemeClr val="tx1"/>
+                  </a:solidFill>
+                </a:rPr>
+                <a:t>**</a:t>
+              </a:r>
+              <a:r>
+                <a:rPr lang="en-US" altLang="zh-CN" sz="1000" dirty="0" err="1" smtClean="0">
+                  <a:solidFill>
+                    <a:schemeClr val="tx1"/>
+                  </a:solidFill>
+                </a:rPr>
+                <a:t>main_conf</a:t>
+              </a:r>
+              <a:endParaRPr lang="zh-CN" altLang="en-US" sz="1000" dirty="0">
                 <a:solidFill>
                   <a:schemeClr val="tx1"/>
                 </a:solidFill>
-              </a:rPr>
-              <a:t>**</a:t>
-            </a:r>
-            <a:r>
-              <a:rPr lang="en-US" altLang="zh-CN" sz="1000" dirty="0" err="1" smtClean="0">
+              </a:endParaRPr>
+            </a:p>
+          </p:txBody>
+        </p:sp>
+        <p:sp>
+          <p:nvSpPr>
+            <p:cNvPr id="7" name="矩形 6"/>
+            <p:cNvSpPr/>
+            <p:nvPr/>
+          </p:nvSpPr>
+          <p:spPr>
+            <a:xfrm>
+              <a:off x="1395872" y="1583393"/>
+              <a:ext cx="1252078" cy="335501"/>
+            </a:xfrm>
+            <a:prstGeom prst="rect">
+              <a:avLst/>
+            </a:prstGeom>
+            <a:noFill/>
+          </p:spPr>
+          <p:style>
+            <a:lnRef idx="2">
+              <a:schemeClr val="accent1">
+                <a:shade val="50000"/>
+              </a:schemeClr>
+            </a:lnRef>
+            <a:fillRef idx="1">
+              <a:schemeClr val="accent1"/>
+            </a:fillRef>
+            <a:effectRef idx="0">
+              <a:schemeClr val="accent1"/>
+            </a:effectRef>
+            <a:fontRef idx="minor">
+              <a:schemeClr val="lt1"/>
+            </a:fontRef>
+          </p:style>
+          <p:txBody>
+            <a:bodyPr rtlCol="0" anchor="ctr"/>
+            <a:lstStyle/>
+            <a:p>
+              <a:pPr algn="ctr"/>
+              <a:r>
+                <a:rPr lang="en-US" altLang="zh-CN" sz="1000" dirty="0" smtClean="0">
+                  <a:solidFill>
+                    <a:schemeClr val="tx1"/>
+                  </a:solidFill>
+                </a:rPr>
+                <a:t>**</a:t>
+              </a:r>
+              <a:r>
+                <a:rPr lang="en-US" altLang="zh-CN" sz="1000" dirty="0" err="1" smtClean="0">
+                  <a:solidFill>
+                    <a:schemeClr val="tx1"/>
+                  </a:solidFill>
+                </a:rPr>
+                <a:t>srv_conf</a:t>
+              </a:r>
+              <a:endParaRPr lang="zh-CN" altLang="en-US" sz="1000" dirty="0">
                 <a:solidFill>
                   <a:schemeClr val="tx1"/>
                 </a:solidFill>
-              </a:rPr>
-              <a:t>main_conf</a:t>
-            </a:r>
-            <a:endParaRPr lang="zh-CN" altLang="en-US" sz="1000" dirty="0">
-              <a:solidFill>
-                <a:schemeClr val="tx1"/>
-              </a:solidFill>
-            </a:endParaRPr>
-          </a:p>
-        </p:txBody>
-      </p:sp>
-      <p:sp>
-        <p:nvSpPr>
-          <p:cNvPr id="7" name="矩形 6"/>
-          <p:cNvSpPr/>
-          <p:nvPr/>
-        </p:nvSpPr>
-        <p:spPr>
-          <a:xfrm>
-            <a:off x="1395872" y="1583393"/>
-            <a:ext cx="1252078" cy="335501"/>
-          </a:xfrm>
-          <a:prstGeom prst="rect">
-            <a:avLst/>
-          </a:prstGeom>
-          <a:noFill/>
-        </p:spPr>
-        <p:style>
-          <a:lnRef idx="2">
-            <a:schemeClr val="accent1">
-              <a:shade val="50000"/>
-            </a:schemeClr>
-          </a:lnRef>
-          <a:fillRef idx="1">
-            <a:schemeClr val="accent1"/>
-          </a:fillRef>
-          <a:effectRef idx="0">
-            <a:schemeClr val="accent1"/>
-          </a:effectRef>
-          <a:fontRef idx="minor">
-            <a:schemeClr val="lt1"/>
-          </a:fontRef>
-        </p:style>
-        <p:txBody>
-          <a:bodyPr rtlCol="0" anchor="ctr"/>
-          <a:lstStyle/>
-          <a:p>
-            <a:pPr algn="ctr"/>
-            <a:r>
-              <a:rPr lang="en-US" altLang="zh-CN" sz="1000" dirty="0" smtClean="0">
+              </a:endParaRPr>
+            </a:p>
+          </p:txBody>
+        </p:sp>
+        <p:sp>
+          <p:nvSpPr>
+            <p:cNvPr id="8" name="矩形 7"/>
+            <p:cNvSpPr/>
+            <p:nvPr/>
+          </p:nvSpPr>
+          <p:spPr>
+            <a:xfrm>
+              <a:off x="1395872" y="1918894"/>
+              <a:ext cx="1252078" cy="335501"/>
+            </a:xfrm>
+            <a:prstGeom prst="rect">
+              <a:avLst/>
+            </a:prstGeom>
+            <a:noFill/>
+          </p:spPr>
+          <p:style>
+            <a:lnRef idx="2">
+              <a:schemeClr val="accent1">
+                <a:shade val="50000"/>
+              </a:schemeClr>
+            </a:lnRef>
+            <a:fillRef idx="1">
+              <a:schemeClr val="accent1"/>
+            </a:fillRef>
+            <a:effectRef idx="0">
+              <a:schemeClr val="accent1"/>
+            </a:effectRef>
+            <a:fontRef idx="minor">
+              <a:schemeClr val="lt1"/>
+            </a:fontRef>
+          </p:style>
+          <p:txBody>
+            <a:bodyPr rtlCol="0" anchor="ctr"/>
+            <a:lstStyle/>
+            <a:p>
+              <a:pPr algn="ctr"/>
+              <a:r>
+                <a:rPr lang="en-US" altLang="zh-CN" sz="1000" dirty="0" smtClean="0">
+                  <a:solidFill>
+                    <a:schemeClr val="tx1"/>
+                  </a:solidFill>
+                </a:rPr>
+                <a:t>**</a:t>
+              </a:r>
+              <a:r>
+                <a:rPr lang="en-US" altLang="zh-CN" sz="1000" dirty="0" err="1" smtClean="0">
+                  <a:solidFill>
+                    <a:schemeClr val="tx1"/>
+                  </a:solidFill>
+                </a:rPr>
+                <a:t>loc_conf</a:t>
+              </a:r>
+              <a:endParaRPr lang="zh-CN" altLang="en-US" sz="1000" dirty="0">
                 <a:solidFill>
                   <a:schemeClr val="tx1"/>
                 </a:solidFill>
-              </a:rPr>
-              <a:t>**</a:t>
-            </a:r>
-            <a:r>
-              <a:rPr lang="en-US" altLang="zh-CN" sz="1000" dirty="0" err="1" smtClean="0">
+              </a:endParaRPr>
+            </a:p>
+          </p:txBody>
+        </p:sp>
+        <p:sp>
+          <p:nvSpPr>
+            <p:cNvPr id="9" name="矩形 8"/>
+            <p:cNvSpPr/>
+            <p:nvPr/>
+          </p:nvSpPr>
+          <p:spPr>
+            <a:xfrm>
+              <a:off x="3343819" y="1247891"/>
+              <a:ext cx="555081" cy="335501"/>
+            </a:xfrm>
+            <a:prstGeom prst="rect">
+              <a:avLst/>
+            </a:prstGeom>
+            <a:noFill/>
+          </p:spPr>
+          <p:style>
+            <a:lnRef idx="2">
+              <a:schemeClr val="accent1">
+                <a:shade val="50000"/>
+              </a:schemeClr>
+            </a:lnRef>
+            <a:fillRef idx="1">
+              <a:schemeClr val="accent1"/>
+            </a:fillRef>
+            <a:effectRef idx="0">
+              <a:schemeClr val="accent1"/>
+            </a:effectRef>
+            <a:fontRef idx="minor">
+              <a:schemeClr val="lt1"/>
+            </a:fontRef>
+          </p:style>
+          <p:txBody>
+            <a:bodyPr rtlCol="0" anchor="ctr"/>
+            <a:lstStyle/>
+            <a:p>
+              <a:pPr algn="ctr"/>
+              <a:r>
+                <a:rPr lang="en-US" altLang="zh-CN" sz="1000" dirty="0" smtClean="0">
+                  <a:solidFill>
+                    <a:schemeClr val="tx1"/>
+                  </a:solidFill>
+                </a:rPr>
+                <a:t>void *</a:t>
+              </a:r>
+              <a:endParaRPr lang="zh-CN" altLang="en-US" sz="1000" dirty="0">
                 <a:solidFill>
                   <a:schemeClr val="tx1"/>
                 </a:solidFill>
-              </a:rPr>
-              <a:t>srv_conf</a:t>
-            </a:r>
-            <a:endParaRPr lang="zh-CN" altLang="en-US" sz="1000" dirty="0">
-              <a:solidFill>
-                <a:schemeClr val="tx1"/>
-              </a:solidFill>
-            </a:endParaRPr>
-          </a:p>
-        </p:txBody>
-      </p:sp>
-      <p:sp>
-        <p:nvSpPr>
-          <p:cNvPr id="8" name="矩形 7"/>
-          <p:cNvSpPr/>
-          <p:nvPr/>
-        </p:nvSpPr>
-        <p:spPr>
-          <a:xfrm>
-            <a:off x="1395872" y="1918894"/>
-            <a:ext cx="1252078" cy="335501"/>
-          </a:xfrm>
-          <a:prstGeom prst="rect">
-            <a:avLst/>
-          </a:prstGeom>
-          <a:noFill/>
-        </p:spPr>
-        <p:style>
-          <a:lnRef idx="2">
-            <a:schemeClr val="accent1">
-              <a:shade val="50000"/>
-            </a:schemeClr>
-          </a:lnRef>
-          <a:fillRef idx="1">
-            <a:schemeClr val="accent1"/>
-          </a:fillRef>
-          <a:effectRef idx="0">
-            <a:schemeClr val="accent1"/>
-          </a:effectRef>
-          <a:fontRef idx="minor">
-            <a:schemeClr val="lt1"/>
-          </a:fontRef>
-        </p:style>
-        <p:txBody>
-          <a:bodyPr rtlCol="0" anchor="ctr"/>
-          <a:lstStyle/>
-          <a:p>
-            <a:pPr algn="ctr"/>
-            <a:r>
-              <a:rPr lang="en-US" altLang="zh-CN" sz="1000" dirty="0" smtClean="0">
+              </a:endParaRPr>
+            </a:p>
+          </p:txBody>
+        </p:sp>
+        <p:sp>
+          <p:nvSpPr>
+            <p:cNvPr id="11" name="矩形 10"/>
+            <p:cNvSpPr/>
+            <p:nvPr/>
+          </p:nvSpPr>
+          <p:spPr>
+            <a:xfrm>
+              <a:off x="3898900" y="1247891"/>
+              <a:ext cx="555081" cy="335501"/>
+            </a:xfrm>
+            <a:prstGeom prst="rect">
+              <a:avLst/>
+            </a:prstGeom>
+            <a:noFill/>
+          </p:spPr>
+          <p:style>
+            <a:lnRef idx="2">
+              <a:schemeClr val="accent1">
+                <a:shade val="50000"/>
+              </a:schemeClr>
+            </a:lnRef>
+            <a:fillRef idx="1">
+              <a:schemeClr val="accent1"/>
+            </a:fillRef>
+            <a:effectRef idx="0">
+              <a:schemeClr val="accent1"/>
+            </a:effectRef>
+            <a:fontRef idx="minor">
+              <a:schemeClr val="lt1"/>
+            </a:fontRef>
+          </p:style>
+          <p:txBody>
+            <a:bodyPr rtlCol="0" anchor="ctr"/>
+            <a:lstStyle/>
+            <a:p>
+              <a:pPr algn="ctr"/>
+              <a:r>
+                <a:rPr lang="en-US" altLang="zh-CN" sz="1000" dirty="0" smtClean="0">
+                  <a:solidFill>
+                    <a:schemeClr val="tx1"/>
+                  </a:solidFill>
+                </a:rPr>
+                <a:t>void *</a:t>
+              </a:r>
+              <a:endParaRPr lang="zh-CN" altLang="en-US" sz="1000" dirty="0">
                 <a:solidFill>
                   <a:schemeClr val="tx1"/>
                 </a:solidFill>
-              </a:rPr>
-              <a:t>**</a:t>
-            </a:r>
-            <a:r>
-              <a:rPr lang="en-US" altLang="zh-CN" sz="1000" dirty="0" err="1" smtClean="0">
+              </a:endParaRPr>
+            </a:p>
+          </p:txBody>
+        </p:sp>
+        <p:sp>
+          <p:nvSpPr>
+            <p:cNvPr id="12" name="矩形 11"/>
+            <p:cNvSpPr/>
+            <p:nvPr/>
+          </p:nvSpPr>
+          <p:spPr>
+            <a:xfrm>
+              <a:off x="4453981" y="1247891"/>
+              <a:ext cx="555081" cy="335501"/>
+            </a:xfrm>
+            <a:prstGeom prst="rect">
+              <a:avLst/>
+            </a:prstGeom>
+            <a:noFill/>
+          </p:spPr>
+          <p:style>
+            <a:lnRef idx="2">
+              <a:schemeClr val="accent1">
+                <a:shade val="50000"/>
+              </a:schemeClr>
+            </a:lnRef>
+            <a:fillRef idx="1">
+              <a:schemeClr val="accent1"/>
+            </a:fillRef>
+            <a:effectRef idx="0">
+              <a:schemeClr val="accent1"/>
+            </a:effectRef>
+            <a:fontRef idx="minor">
+              <a:schemeClr val="lt1"/>
+            </a:fontRef>
+          </p:style>
+          <p:txBody>
+            <a:bodyPr rtlCol="0" anchor="ctr"/>
+            <a:lstStyle/>
+            <a:p>
+              <a:pPr algn="ctr"/>
+              <a:r>
+                <a:rPr lang="en-US" altLang="zh-CN" sz="1000" dirty="0" smtClean="0">
+                  <a:solidFill>
+                    <a:schemeClr val="tx1"/>
+                  </a:solidFill>
+                </a:rPr>
+                <a:t>…</a:t>
+              </a:r>
+              <a:endParaRPr lang="zh-CN" altLang="en-US" sz="1000" dirty="0">
                 <a:solidFill>
                   <a:schemeClr val="tx1"/>
                 </a:solidFill>
-              </a:rPr>
-              <a:t>loc_conf</a:t>
-            </a:r>
-            <a:endParaRPr lang="zh-CN" altLang="en-US" sz="1000" dirty="0">
-              <a:solidFill>
-                <a:schemeClr val="tx1"/>
-              </a:solidFill>
-            </a:endParaRPr>
-          </a:p>
-        </p:txBody>
-      </p:sp>
-      <p:sp>
-        <p:nvSpPr>
-          <p:cNvPr id="9" name="矩形 8"/>
-          <p:cNvSpPr/>
-          <p:nvPr/>
-        </p:nvSpPr>
-        <p:spPr>
-          <a:xfrm>
-            <a:off x="3343819" y="1247891"/>
-            <a:ext cx="555081" cy="335501"/>
-          </a:xfrm>
-          <a:prstGeom prst="rect">
-            <a:avLst/>
-          </a:prstGeom>
-          <a:noFill/>
-        </p:spPr>
-        <p:style>
-          <a:lnRef idx="2">
-            <a:schemeClr val="accent1">
-              <a:shade val="50000"/>
-            </a:schemeClr>
-          </a:lnRef>
-          <a:fillRef idx="1">
-            <a:schemeClr val="accent1"/>
-          </a:fillRef>
-          <a:effectRef idx="0">
-            <a:schemeClr val="accent1"/>
-          </a:effectRef>
-          <a:fontRef idx="minor">
-            <a:schemeClr val="lt1"/>
-          </a:fontRef>
-        </p:style>
-        <p:txBody>
-          <a:bodyPr rtlCol="0" anchor="ctr"/>
-          <a:lstStyle/>
-          <a:p>
-            <a:pPr algn="ctr"/>
-            <a:r>
-              <a:rPr lang="en-US" altLang="zh-CN" sz="1000" dirty="0" smtClean="0">
+              </a:endParaRPr>
+            </a:p>
+          </p:txBody>
+        </p:sp>
+        <p:sp>
+          <p:nvSpPr>
+            <p:cNvPr id="13" name="矩形 12"/>
+            <p:cNvSpPr/>
+            <p:nvPr/>
+          </p:nvSpPr>
+          <p:spPr>
+            <a:xfrm>
+              <a:off x="5009062" y="1247891"/>
+              <a:ext cx="555081" cy="335501"/>
+            </a:xfrm>
+            <a:prstGeom prst="rect">
+              <a:avLst/>
+            </a:prstGeom>
+            <a:noFill/>
+          </p:spPr>
+          <p:style>
+            <a:lnRef idx="2">
+              <a:schemeClr val="accent1">
+                <a:shade val="50000"/>
+              </a:schemeClr>
+            </a:lnRef>
+            <a:fillRef idx="1">
+              <a:schemeClr val="accent1"/>
+            </a:fillRef>
+            <a:effectRef idx="0">
+              <a:schemeClr val="accent1"/>
+            </a:effectRef>
+            <a:fontRef idx="minor">
+              <a:schemeClr val="lt1"/>
+            </a:fontRef>
+          </p:style>
+          <p:txBody>
+            <a:bodyPr rtlCol="0" anchor="ctr"/>
+            <a:lstStyle/>
+            <a:p>
+              <a:pPr algn="ctr"/>
+              <a:r>
+                <a:rPr lang="en-US" altLang="zh-CN" sz="1000" dirty="0" smtClean="0">
+                  <a:solidFill>
+                    <a:schemeClr val="tx1"/>
+                  </a:solidFill>
+                </a:rPr>
+                <a:t>void *</a:t>
+              </a:r>
+              <a:endParaRPr lang="zh-CN" altLang="en-US" sz="1000" dirty="0">
                 <a:solidFill>
                   <a:schemeClr val="tx1"/>
                 </a:solidFill>
-              </a:rPr>
-              <a:t>void </a:t>
-            </a:r>
-            <a:r>
-              <a:rPr lang="en-US" altLang="zh-CN" sz="1000" dirty="0" smtClean="0">
+              </a:endParaRPr>
+            </a:p>
+          </p:txBody>
+        </p:sp>
+        <p:cxnSp>
+          <p:nvCxnSpPr>
+            <p:cNvPr id="15" name="直接箭头连接符 14"/>
+            <p:cNvCxnSpPr>
+              <a:stCxn id="6" idx="3"/>
+              <a:endCxn id="9" idx="1"/>
+            </p:cNvCxnSpPr>
+            <p:nvPr/>
+          </p:nvCxnSpPr>
+          <p:spPr>
+            <a:xfrm flipV="1">
+              <a:off x="2647950" y="1415642"/>
+              <a:ext cx="695869" cy="1"/>
+            </a:xfrm>
+            <a:prstGeom prst="straightConnector1">
+              <a:avLst/>
+            </a:prstGeom>
+            <a:ln>
+              <a:tailEnd type="triangle"/>
+            </a:ln>
+          </p:spPr>
+          <p:style>
+            <a:lnRef idx="1">
+              <a:schemeClr val="accent1"/>
+            </a:lnRef>
+            <a:fillRef idx="0">
+              <a:schemeClr val="accent1"/>
+            </a:fillRef>
+            <a:effectRef idx="0">
+              <a:schemeClr val="accent1"/>
+            </a:effectRef>
+            <a:fontRef idx="minor">
+              <a:schemeClr val="tx1"/>
+            </a:fontRef>
+          </p:style>
+        </p:cxnSp>
+        <p:sp>
+          <p:nvSpPr>
+            <p:cNvPr id="16" name="文本框 15"/>
+            <p:cNvSpPr txBox="1"/>
+            <p:nvPr/>
+          </p:nvSpPr>
+          <p:spPr>
+            <a:xfrm>
+              <a:off x="3461045" y="964725"/>
+              <a:ext cx="1985872" cy="230832"/>
+            </a:xfrm>
+            <a:prstGeom prst="rect">
+              <a:avLst/>
+            </a:prstGeom>
+            <a:noFill/>
+          </p:spPr>
+          <p:txBody>
+            <a:bodyPr wrap="square" rtlCol="0">
+              <a:spAutoFit/>
+            </a:bodyPr>
+            <a:lstStyle/>
+            <a:p>
+              <a:r>
+                <a:rPr lang="en-US" altLang="zh-CN" sz="900" dirty="0" err="1" smtClean="0"/>
+                <a:t>ngx_http_max_module</a:t>
+              </a:r>
+              <a:r>
+                <a:rPr lang="zh-CN" altLang="en-US" sz="900" dirty="0" smtClean="0"/>
+                <a:t>个</a:t>
+              </a:r>
+              <a:r>
+                <a:rPr lang="en-US" altLang="zh-CN" sz="900" dirty="0" smtClean="0"/>
+                <a:t>void *</a:t>
+              </a:r>
+              <a:r>
+                <a:rPr lang="zh-CN" altLang="en-US" sz="900" dirty="0" smtClean="0"/>
+                <a:t>指针</a:t>
+              </a:r>
+              <a:endParaRPr lang="zh-CN" altLang="en-US" sz="900" dirty="0"/>
+            </a:p>
+          </p:txBody>
+        </p:sp>
+        <p:sp>
+          <p:nvSpPr>
+            <p:cNvPr id="14" name="文本框 13"/>
+            <p:cNvSpPr txBox="1"/>
+            <p:nvPr/>
+          </p:nvSpPr>
+          <p:spPr>
+            <a:xfrm>
+              <a:off x="1153072" y="623516"/>
+              <a:ext cx="1737678" cy="230832"/>
+            </a:xfrm>
+            <a:prstGeom prst="rect">
+              <a:avLst/>
+            </a:prstGeom>
+            <a:noFill/>
+          </p:spPr>
+          <p:txBody>
+            <a:bodyPr wrap="square" rtlCol="0">
+              <a:spAutoFit/>
+            </a:bodyPr>
+            <a:lstStyle/>
+            <a:p>
+              <a:r>
+                <a:rPr lang="zh-CN" altLang="en-US" sz="900" dirty="0" smtClean="0"/>
+                <a:t>在</a:t>
+              </a:r>
+              <a:r>
+                <a:rPr lang="en-US" altLang="zh-CN" sz="900" dirty="0" err="1" smtClean="0"/>
+                <a:t>ngx_http_block</a:t>
+              </a:r>
+              <a:r>
+                <a:rPr lang="zh-CN" altLang="en-US" sz="900" dirty="0" smtClean="0"/>
+                <a:t>中申请的结构</a:t>
+              </a:r>
+              <a:endParaRPr lang="zh-CN" altLang="en-US" sz="900" dirty="0"/>
+            </a:p>
+          </p:txBody>
+        </p:sp>
+        <p:sp>
+          <p:nvSpPr>
+            <p:cNvPr id="17" name="文本框 16"/>
+            <p:cNvSpPr txBox="1"/>
+            <p:nvPr/>
+          </p:nvSpPr>
+          <p:spPr>
+            <a:xfrm>
+              <a:off x="2745649" y="1861750"/>
+              <a:ext cx="1985872" cy="369332"/>
+            </a:xfrm>
+            <a:prstGeom prst="rect">
+              <a:avLst/>
+            </a:prstGeom>
+            <a:noFill/>
+          </p:spPr>
+          <p:txBody>
+            <a:bodyPr wrap="square" rtlCol="0">
+              <a:spAutoFit/>
+            </a:bodyPr>
+            <a:lstStyle/>
+            <a:p>
+              <a:r>
+                <a:rPr lang="en-US" altLang="zh-CN" sz="900" dirty="0" err="1" smtClean="0"/>
+                <a:t>srv_conf</a:t>
+              </a:r>
+              <a:r>
+                <a:rPr lang="zh-CN" altLang="en-US" sz="900" dirty="0" smtClean="0"/>
+                <a:t>和</a:t>
+              </a:r>
+              <a:r>
+                <a:rPr lang="en-US" altLang="zh-CN" sz="900" dirty="0" err="1" smtClean="0"/>
+                <a:t>loc_conf</a:t>
+              </a:r>
+              <a:r>
+                <a:rPr lang="zh-CN" altLang="en-US" sz="900" dirty="0" smtClean="0"/>
+                <a:t>指向的数据结构和</a:t>
+              </a:r>
+              <a:r>
+                <a:rPr lang="en-US" altLang="zh-CN" sz="900" dirty="0" err="1" smtClean="0"/>
+                <a:t>main_conf</a:t>
+              </a:r>
+              <a:r>
+                <a:rPr lang="zh-CN" altLang="en-US" sz="900" dirty="0" smtClean="0"/>
+                <a:t>相同</a:t>
+              </a:r>
+              <a:endParaRPr lang="zh-CN" altLang="en-US" sz="900" dirty="0"/>
+            </a:p>
+          </p:txBody>
+        </p:sp>
+        <p:sp>
+          <p:nvSpPr>
+            <p:cNvPr id="18" name="矩形 17"/>
+            <p:cNvSpPr/>
+            <p:nvPr/>
+          </p:nvSpPr>
+          <p:spPr>
+            <a:xfrm>
+              <a:off x="1395872" y="2878771"/>
+              <a:ext cx="1252078" cy="335501"/>
+            </a:xfrm>
+            <a:prstGeom prst="rect">
+              <a:avLst/>
+            </a:prstGeom>
+            <a:noFill/>
+          </p:spPr>
+          <p:style>
+            <a:lnRef idx="2">
+              <a:schemeClr val="accent1">
+                <a:shade val="50000"/>
+              </a:schemeClr>
+            </a:lnRef>
+            <a:fillRef idx="1">
+              <a:schemeClr val="accent1"/>
+            </a:fillRef>
+            <a:effectRef idx="0">
+              <a:schemeClr val="accent1"/>
+            </a:effectRef>
+            <a:fontRef idx="minor">
+              <a:schemeClr val="lt1"/>
+            </a:fontRef>
+          </p:style>
+          <p:txBody>
+            <a:bodyPr rtlCol="0" anchor="ctr"/>
+            <a:lstStyle/>
+            <a:p>
+              <a:pPr algn="ctr"/>
+              <a:r>
+                <a:rPr lang="en-US" altLang="zh-CN" sz="1000" dirty="0" err="1" smtClean="0">
+                  <a:solidFill>
+                    <a:schemeClr val="tx1"/>
+                  </a:solidFill>
+                </a:rPr>
+                <a:t>ngx_http_conf_ctx_t</a:t>
+              </a:r>
+              <a:endParaRPr lang="zh-CN" altLang="en-US" sz="1000" dirty="0">
                 <a:solidFill>
                   <a:schemeClr val="tx1"/>
                 </a:solidFill>
-              </a:rPr>
-              <a:t>*</a:t>
-            </a:r>
-            <a:endParaRPr lang="zh-CN" altLang="en-US" sz="1000" dirty="0">
-              <a:solidFill>
-                <a:schemeClr val="tx1"/>
-              </a:solidFill>
-            </a:endParaRPr>
-          </a:p>
-        </p:txBody>
-      </p:sp>
-      <p:sp>
-        <p:nvSpPr>
-          <p:cNvPr id="11" name="矩形 10"/>
-          <p:cNvSpPr/>
-          <p:nvPr/>
-        </p:nvSpPr>
-        <p:spPr>
-          <a:xfrm>
-            <a:off x="3898900" y="1247891"/>
-            <a:ext cx="555081" cy="335501"/>
-          </a:xfrm>
-          <a:prstGeom prst="rect">
-            <a:avLst/>
-          </a:prstGeom>
-          <a:noFill/>
-        </p:spPr>
-        <p:style>
-          <a:lnRef idx="2">
-            <a:schemeClr val="accent1">
-              <a:shade val="50000"/>
-            </a:schemeClr>
-          </a:lnRef>
-          <a:fillRef idx="1">
-            <a:schemeClr val="accent1"/>
-          </a:fillRef>
-          <a:effectRef idx="0">
-            <a:schemeClr val="accent1"/>
-          </a:effectRef>
-          <a:fontRef idx="minor">
-            <a:schemeClr val="lt1"/>
-          </a:fontRef>
-        </p:style>
-        <p:txBody>
-          <a:bodyPr rtlCol="0" anchor="ctr"/>
-          <a:lstStyle/>
-          <a:p>
-            <a:pPr algn="ctr"/>
-            <a:r>
-              <a:rPr lang="en-US" altLang="zh-CN" sz="1000" dirty="0" smtClean="0">
+              </a:endParaRPr>
+            </a:p>
+          </p:txBody>
+        </p:sp>
+        <p:sp>
+          <p:nvSpPr>
+            <p:cNvPr id="19" name="矩形 18"/>
+            <p:cNvSpPr/>
+            <p:nvPr/>
+          </p:nvSpPr>
+          <p:spPr>
+            <a:xfrm>
+              <a:off x="1395872" y="3214272"/>
+              <a:ext cx="1252078" cy="335501"/>
+            </a:xfrm>
+            <a:prstGeom prst="rect">
+              <a:avLst/>
+            </a:prstGeom>
+            <a:noFill/>
+          </p:spPr>
+          <p:style>
+            <a:lnRef idx="2">
+              <a:schemeClr val="accent1">
+                <a:shade val="50000"/>
+              </a:schemeClr>
+            </a:lnRef>
+            <a:fillRef idx="1">
+              <a:schemeClr val="accent1"/>
+            </a:fillRef>
+            <a:effectRef idx="0">
+              <a:schemeClr val="accent1"/>
+            </a:effectRef>
+            <a:fontRef idx="minor">
+              <a:schemeClr val="lt1"/>
+            </a:fontRef>
+          </p:style>
+          <p:txBody>
+            <a:bodyPr rtlCol="0" anchor="ctr"/>
+            <a:lstStyle/>
+            <a:p>
+              <a:pPr algn="ctr"/>
+              <a:r>
+                <a:rPr lang="en-US" altLang="zh-CN" sz="1000" dirty="0" smtClean="0">
+                  <a:solidFill>
+                    <a:schemeClr val="tx1"/>
+                  </a:solidFill>
+                </a:rPr>
+                <a:t>**</a:t>
+              </a:r>
+              <a:r>
+                <a:rPr lang="en-US" altLang="zh-CN" sz="1000" dirty="0" err="1" smtClean="0">
+                  <a:solidFill>
+                    <a:schemeClr val="tx1"/>
+                  </a:solidFill>
+                </a:rPr>
+                <a:t>main_conf</a:t>
+              </a:r>
+              <a:endParaRPr lang="zh-CN" altLang="en-US" sz="1000" dirty="0">
                 <a:solidFill>
                   <a:schemeClr val="tx1"/>
                 </a:solidFill>
-              </a:rPr>
-              <a:t>void </a:t>
-            </a:r>
-            <a:r>
-              <a:rPr lang="en-US" altLang="zh-CN" sz="1000" dirty="0" smtClean="0">
+              </a:endParaRPr>
+            </a:p>
+          </p:txBody>
+        </p:sp>
+        <p:sp>
+          <p:nvSpPr>
+            <p:cNvPr id="20" name="矩形 19"/>
+            <p:cNvSpPr/>
+            <p:nvPr/>
+          </p:nvSpPr>
+          <p:spPr>
+            <a:xfrm>
+              <a:off x="1395872" y="3549773"/>
+              <a:ext cx="1252078" cy="335501"/>
+            </a:xfrm>
+            <a:prstGeom prst="rect">
+              <a:avLst/>
+            </a:prstGeom>
+            <a:noFill/>
+          </p:spPr>
+          <p:style>
+            <a:lnRef idx="2">
+              <a:schemeClr val="accent1">
+                <a:shade val="50000"/>
+              </a:schemeClr>
+            </a:lnRef>
+            <a:fillRef idx="1">
+              <a:schemeClr val="accent1"/>
+            </a:fillRef>
+            <a:effectRef idx="0">
+              <a:schemeClr val="accent1"/>
+            </a:effectRef>
+            <a:fontRef idx="minor">
+              <a:schemeClr val="lt1"/>
+            </a:fontRef>
+          </p:style>
+          <p:txBody>
+            <a:bodyPr rtlCol="0" anchor="ctr"/>
+            <a:lstStyle/>
+            <a:p>
+              <a:pPr algn="ctr"/>
+              <a:r>
+                <a:rPr lang="en-US" altLang="zh-CN" sz="1000" dirty="0" smtClean="0">
+                  <a:solidFill>
+                    <a:schemeClr val="tx1"/>
+                  </a:solidFill>
+                </a:rPr>
+                <a:t>**</a:t>
+              </a:r>
+              <a:r>
+                <a:rPr lang="en-US" altLang="zh-CN" sz="1000" dirty="0" err="1" smtClean="0">
+                  <a:solidFill>
+                    <a:schemeClr val="tx1"/>
+                  </a:solidFill>
+                </a:rPr>
+                <a:t>srv_conf</a:t>
+              </a:r>
+              <a:endParaRPr lang="zh-CN" altLang="en-US" sz="1000" dirty="0">
                 <a:solidFill>
                   <a:schemeClr val="tx1"/>
                 </a:solidFill>
-              </a:rPr>
-              <a:t>*</a:t>
-            </a:r>
-            <a:endParaRPr lang="zh-CN" altLang="en-US" sz="1000" dirty="0">
-              <a:solidFill>
-                <a:schemeClr val="tx1"/>
-              </a:solidFill>
-            </a:endParaRPr>
-          </a:p>
-        </p:txBody>
-      </p:sp>
-      <p:sp>
-        <p:nvSpPr>
-          <p:cNvPr id="12" name="矩形 11"/>
-          <p:cNvSpPr/>
-          <p:nvPr/>
-        </p:nvSpPr>
-        <p:spPr>
-          <a:xfrm>
-            <a:off x="4453981" y="1247891"/>
-            <a:ext cx="555081" cy="335501"/>
-          </a:xfrm>
-          <a:prstGeom prst="rect">
-            <a:avLst/>
-          </a:prstGeom>
-          <a:noFill/>
-        </p:spPr>
-        <p:style>
-          <a:lnRef idx="2">
-            <a:schemeClr val="accent1">
-              <a:shade val="50000"/>
-            </a:schemeClr>
-          </a:lnRef>
-          <a:fillRef idx="1">
-            <a:schemeClr val="accent1"/>
-          </a:fillRef>
-          <a:effectRef idx="0">
-            <a:schemeClr val="accent1"/>
-          </a:effectRef>
-          <a:fontRef idx="minor">
-            <a:schemeClr val="lt1"/>
-          </a:fontRef>
-        </p:style>
-        <p:txBody>
-          <a:bodyPr rtlCol="0" anchor="ctr"/>
-          <a:lstStyle/>
-          <a:p>
-            <a:pPr algn="ctr"/>
-            <a:r>
-              <a:rPr lang="en-US" altLang="zh-CN" sz="1000" dirty="0" smtClean="0">
+              </a:endParaRPr>
+            </a:p>
+          </p:txBody>
+        </p:sp>
+        <p:sp>
+          <p:nvSpPr>
+            <p:cNvPr id="21" name="矩形 20"/>
+            <p:cNvSpPr/>
+            <p:nvPr/>
+          </p:nvSpPr>
+          <p:spPr>
+            <a:xfrm>
+              <a:off x="1395872" y="3885274"/>
+              <a:ext cx="1252078" cy="335501"/>
+            </a:xfrm>
+            <a:prstGeom prst="rect">
+              <a:avLst/>
+            </a:prstGeom>
+            <a:noFill/>
+          </p:spPr>
+          <p:style>
+            <a:lnRef idx="2">
+              <a:schemeClr val="accent1">
+                <a:shade val="50000"/>
+              </a:schemeClr>
+            </a:lnRef>
+            <a:fillRef idx="1">
+              <a:schemeClr val="accent1"/>
+            </a:fillRef>
+            <a:effectRef idx="0">
+              <a:schemeClr val="accent1"/>
+            </a:effectRef>
+            <a:fontRef idx="minor">
+              <a:schemeClr val="lt1"/>
+            </a:fontRef>
+          </p:style>
+          <p:txBody>
+            <a:bodyPr rtlCol="0" anchor="ctr"/>
+            <a:lstStyle/>
+            <a:p>
+              <a:pPr algn="ctr"/>
+              <a:r>
+                <a:rPr lang="en-US" altLang="zh-CN" sz="1000" dirty="0" smtClean="0">
+                  <a:solidFill>
+                    <a:schemeClr val="tx1"/>
+                  </a:solidFill>
+                </a:rPr>
+                <a:t>**</a:t>
+              </a:r>
+              <a:r>
+                <a:rPr lang="en-US" altLang="zh-CN" sz="1000" dirty="0" err="1" smtClean="0">
+                  <a:solidFill>
+                    <a:schemeClr val="tx1"/>
+                  </a:solidFill>
+                </a:rPr>
+                <a:t>loc_conf</a:t>
+              </a:r>
+              <a:endParaRPr lang="zh-CN" altLang="en-US" sz="1000" dirty="0">
                 <a:solidFill>
                   <a:schemeClr val="tx1"/>
                 </a:solidFill>
-              </a:rPr>
-              <a:t>…</a:t>
-            </a:r>
-            <a:endParaRPr lang="zh-CN" altLang="en-US" sz="1000" dirty="0">
-              <a:solidFill>
-                <a:schemeClr val="tx1"/>
-              </a:solidFill>
-            </a:endParaRPr>
-          </a:p>
-        </p:txBody>
-      </p:sp>
-      <p:sp>
-        <p:nvSpPr>
-          <p:cNvPr id="13" name="矩形 12"/>
-          <p:cNvSpPr/>
-          <p:nvPr/>
-        </p:nvSpPr>
-        <p:spPr>
-          <a:xfrm>
-            <a:off x="5009062" y="1247891"/>
-            <a:ext cx="555081" cy="335501"/>
-          </a:xfrm>
-          <a:prstGeom prst="rect">
-            <a:avLst/>
-          </a:prstGeom>
-          <a:noFill/>
-        </p:spPr>
-        <p:style>
-          <a:lnRef idx="2">
-            <a:schemeClr val="accent1">
-              <a:shade val="50000"/>
-            </a:schemeClr>
-          </a:lnRef>
-          <a:fillRef idx="1">
-            <a:schemeClr val="accent1"/>
-          </a:fillRef>
-          <a:effectRef idx="0">
-            <a:schemeClr val="accent1"/>
-          </a:effectRef>
-          <a:fontRef idx="minor">
-            <a:schemeClr val="lt1"/>
-          </a:fontRef>
-        </p:style>
-        <p:txBody>
-          <a:bodyPr rtlCol="0" anchor="ctr"/>
-          <a:lstStyle/>
-          <a:p>
-            <a:pPr algn="ctr"/>
-            <a:r>
-              <a:rPr lang="en-US" altLang="zh-CN" sz="1000" dirty="0" smtClean="0">
+              </a:endParaRPr>
+            </a:p>
+          </p:txBody>
+        </p:sp>
+        <p:sp>
+          <p:nvSpPr>
+            <p:cNvPr id="22" name="文本框 21"/>
+            <p:cNvSpPr txBox="1"/>
+            <p:nvPr/>
+          </p:nvSpPr>
+          <p:spPr>
+            <a:xfrm>
+              <a:off x="1153072" y="2509439"/>
+              <a:ext cx="1737678" cy="369332"/>
+            </a:xfrm>
+            <a:prstGeom prst="rect">
+              <a:avLst/>
+            </a:prstGeom>
+            <a:noFill/>
+          </p:spPr>
+          <p:txBody>
+            <a:bodyPr wrap="square" rtlCol="0">
+              <a:spAutoFit/>
+            </a:bodyPr>
+            <a:lstStyle/>
+            <a:p>
+              <a:r>
+                <a:rPr lang="zh-CN" altLang="en-US" sz="900" dirty="0" smtClean="0"/>
+                <a:t>在</a:t>
+              </a:r>
+              <a:r>
+                <a:rPr lang="en-US" altLang="zh-CN" sz="900" dirty="0" err="1" smtClean="0"/>
+                <a:t>ngx_http_core_server</a:t>
+              </a:r>
+              <a:r>
+                <a:rPr lang="zh-CN" altLang="en-US" sz="900" dirty="0" smtClean="0"/>
+                <a:t>中申请的结构</a:t>
+              </a:r>
+              <a:endParaRPr lang="zh-CN" altLang="en-US" sz="900" dirty="0"/>
+            </a:p>
+          </p:txBody>
+        </p:sp>
+        <p:sp>
+          <p:nvSpPr>
+            <p:cNvPr id="23" name="矩形 22"/>
+            <p:cNvSpPr/>
+            <p:nvPr/>
+          </p:nvSpPr>
+          <p:spPr>
+            <a:xfrm>
+              <a:off x="3343819" y="3549773"/>
+              <a:ext cx="555081" cy="335501"/>
+            </a:xfrm>
+            <a:prstGeom prst="rect">
+              <a:avLst/>
+            </a:prstGeom>
+            <a:noFill/>
+          </p:spPr>
+          <p:style>
+            <a:lnRef idx="2">
+              <a:schemeClr val="accent1">
+                <a:shade val="50000"/>
+              </a:schemeClr>
+            </a:lnRef>
+            <a:fillRef idx="1">
+              <a:schemeClr val="accent1"/>
+            </a:fillRef>
+            <a:effectRef idx="0">
+              <a:schemeClr val="accent1"/>
+            </a:effectRef>
+            <a:fontRef idx="minor">
+              <a:schemeClr val="lt1"/>
+            </a:fontRef>
+          </p:style>
+          <p:txBody>
+            <a:bodyPr rtlCol="0" anchor="ctr"/>
+            <a:lstStyle/>
+            <a:p>
+              <a:pPr algn="ctr"/>
+              <a:r>
+                <a:rPr lang="en-US" altLang="zh-CN" sz="1000" dirty="0" smtClean="0">
+                  <a:solidFill>
+                    <a:schemeClr val="tx1"/>
+                  </a:solidFill>
+                </a:rPr>
+                <a:t>void *</a:t>
+              </a:r>
+              <a:endParaRPr lang="zh-CN" altLang="en-US" sz="1000" dirty="0">
                 <a:solidFill>
                   <a:schemeClr val="tx1"/>
                 </a:solidFill>
-              </a:rPr>
-              <a:t>void *</a:t>
-            </a:r>
-            <a:endParaRPr lang="zh-CN" altLang="en-US" sz="1000" dirty="0">
-              <a:solidFill>
-                <a:schemeClr val="tx1"/>
-              </a:solidFill>
-            </a:endParaRPr>
-          </a:p>
-        </p:txBody>
-      </p:sp>
-      <p:cxnSp>
-        <p:nvCxnSpPr>
-          <p:cNvPr id="15" name="直接箭头连接符 14"/>
-          <p:cNvCxnSpPr>
-            <a:stCxn id="6" idx="3"/>
-            <a:endCxn id="9" idx="1"/>
-          </p:cNvCxnSpPr>
-          <p:nvPr/>
-        </p:nvCxnSpPr>
-        <p:spPr>
-          <a:xfrm flipV="1">
-            <a:off x="2647950" y="1415642"/>
-            <a:ext cx="695869" cy="1"/>
-          </a:xfrm>
-          <a:prstGeom prst="straightConnector1">
-            <a:avLst/>
-          </a:prstGeom>
-          <a:ln>
-            <a:tailEnd type="triangle"/>
-          </a:ln>
-        </p:spPr>
-        <p:style>
-          <a:lnRef idx="1">
-            <a:schemeClr val="accent1"/>
-          </a:lnRef>
-          <a:fillRef idx="0">
-            <a:schemeClr val="accent1"/>
-          </a:fillRef>
-          <a:effectRef idx="0">
-            <a:schemeClr val="accent1"/>
-          </a:effectRef>
-          <a:fontRef idx="minor">
-            <a:schemeClr val="tx1"/>
-          </a:fontRef>
-        </p:style>
-      </p:cxnSp>
-      <p:sp>
-        <p:nvSpPr>
-          <p:cNvPr id="16" name="文本框 15"/>
-          <p:cNvSpPr txBox="1"/>
-          <p:nvPr/>
-        </p:nvSpPr>
-        <p:spPr>
-          <a:xfrm>
-            <a:off x="3405278" y="963191"/>
-            <a:ext cx="1985872" cy="230832"/>
-          </a:xfrm>
-          <a:prstGeom prst="rect">
-            <a:avLst/>
-          </a:prstGeom>
-          <a:noFill/>
-        </p:spPr>
-        <p:txBody>
-          <a:bodyPr wrap="square" rtlCol="0">
-            <a:spAutoFit/>
-          </a:bodyPr>
-          <a:lstStyle/>
-          <a:p>
-            <a:r>
-              <a:rPr lang="en-US" altLang="zh-CN" sz="900" dirty="0" err="1" smtClean="0"/>
-              <a:t>ngx_http_max_module</a:t>
-            </a:r>
-            <a:r>
-              <a:rPr lang="zh-CN" altLang="en-US" sz="900" dirty="0" smtClean="0"/>
-              <a:t>个</a:t>
-            </a:r>
-            <a:r>
-              <a:rPr lang="en-US" altLang="zh-CN" sz="900" dirty="0" smtClean="0"/>
-              <a:t>void *</a:t>
-            </a:r>
-            <a:r>
-              <a:rPr lang="zh-CN" altLang="en-US" sz="900" dirty="0" smtClean="0"/>
-              <a:t>指针</a:t>
-            </a:r>
-            <a:endParaRPr lang="zh-CN" altLang="en-US" sz="900" dirty="0"/>
-          </a:p>
-        </p:txBody>
-      </p:sp>
+              </a:endParaRPr>
+            </a:p>
+          </p:txBody>
+        </p:sp>
+        <p:sp>
+          <p:nvSpPr>
+            <p:cNvPr id="24" name="矩形 23"/>
+            <p:cNvSpPr/>
+            <p:nvPr/>
+          </p:nvSpPr>
+          <p:spPr>
+            <a:xfrm>
+              <a:off x="3898900" y="3549773"/>
+              <a:ext cx="555081" cy="335501"/>
+            </a:xfrm>
+            <a:prstGeom prst="rect">
+              <a:avLst/>
+            </a:prstGeom>
+            <a:noFill/>
+          </p:spPr>
+          <p:style>
+            <a:lnRef idx="2">
+              <a:schemeClr val="accent1">
+                <a:shade val="50000"/>
+              </a:schemeClr>
+            </a:lnRef>
+            <a:fillRef idx="1">
+              <a:schemeClr val="accent1"/>
+            </a:fillRef>
+            <a:effectRef idx="0">
+              <a:schemeClr val="accent1"/>
+            </a:effectRef>
+            <a:fontRef idx="minor">
+              <a:schemeClr val="lt1"/>
+            </a:fontRef>
+          </p:style>
+          <p:txBody>
+            <a:bodyPr rtlCol="0" anchor="ctr"/>
+            <a:lstStyle/>
+            <a:p>
+              <a:pPr algn="ctr"/>
+              <a:r>
+                <a:rPr lang="en-US" altLang="zh-CN" sz="1000" dirty="0" smtClean="0">
+                  <a:solidFill>
+                    <a:schemeClr val="tx1"/>
+                  </a:solidFill>
+                </a:rPr>
+                <a:t>void *</a:t>
+              </a:r>
+              <a:endParaRPr lang="zh-CN" altLang="en-US" sz="1000" dirty="0">
+                <a:solidFill>
+                  <a:schemeClr val="tx1"/>
+                </a:solidFill>
+              </a:endParaRPr>
+            </a:p>
+          </p:txBody>
+        </p:sp>
+        <p:sp>
+          <p:nvSpPr>
+            <p:cNvPr id="25" name="矩形 24"/>
+            <p:cNvSpPr/>
+            <p:nvPr/>
+          </p:nvSpPr>
+          <p:spPr>
+            <a:xfrm>
+              <a:off x="4453981" y="3549773"/>
+              <a:ext cx="555081" cy="335501"/>
+            </a:xfrm>
+            <a:prstGeom prst="rect">
+              <a:avLst/>
+            </a:prstGeom>
+            <a:noFill/>
+          </p:spPr>
+          <p:style>
+            <a:lnRef idx="2">
+              <a:schemeClr val="accent1">
+                <a:shade val="50000"/>
+              </a:schemeClr>
+            </a:lnRef>
+            <a:fillRef idx="1">
+              <a:schemeClr val="accent1"/>
+            </a:fillRef>
+            <a:effectRef idx="0">
+              <a:schemeClr val="accent1"/>
+            </a:effectRef>
+            <a:fontRef idx="minor">
+              <a:schemeClr val="lt1"/>
+            </a:fontRef>
+          </p:style>
+          <p:txBody>
+            <a:bodyPr rtlCol="0" anchor="ctr"/>
+            <a:lstStyle/>
+            <a:p>
+              <a:pPr algn="ctr"/>
+              <a:r>
+                <a:rPr lang="en-US" altLang="zh-CN" sz="1000" dirty="0" smtClean="0">
+                  <a:solidFill>
+                    <a:schemeClr val="tx1"/>
+                  </a:solidFill>
+                </a:rPr>
+                <a:t>…</a:t>
+              </a:r>
+              <a:endParaRPr lang="zh-CN" altLang="en-US" sz="1000" dirty="0">
+                <a:solidFill>
+                  <a:schemeClr val="tx1"/>
+                </a:solidFill>
+              </a:endParaRPr>
+            </a:p>
+          </p:txBody>
+        </p:sp>
+        <p:sp>
+          <p:nvSpPr>
+            <p:cNvPr id="26" name="矩形 25"/>
+            <p:cNvSpPr/>
+            <p:nvPr/>
+          </p:nvSpPr>
+          <p:spPr>
+            <a:xfrm>
+              <a:off x="5009062" y="3549773"/>
+              <a:ext cx="555081" cy="335501"/>
+            </a:xfrm>
+            <a:prstGeom prst="rect">
+              <a:avLst/>
+            </a:prstGeom>
+            <a:noFill/>
+          </p:spPr>
+          <p:style>
+            <a:lnRef idx="2">
+              <a:schemeClr val="accent1">
+                <a:shade val="50000"/>
+              </a:schemeClr>
+            </a:lnRef>
+            <a:fillRef idx="1">
+              <a:schemeClr val="accent1"/>
+            </a:fillRef>
+            <a:effectRef idx="0">
+              <a:schemeClr val="accent1"/>
+            </a:effectRef>
+            <a:fontRef idx="minor">
+              <a:schemeClr val="lt1"/>
+            </a:fontRef>
+          </p:style>
+          <p:txBody>
+            <a:bodyPr rtlCol="0" anchor="ctr"/>
+            <a:lstStyle/>
+            <a:p>
+              <a:pPr algn="ctr"/>
+              <a:r>
+                <a:rPr lang="en-US" altLang="zh-CN" sz="1000" dirty="0" smtClean="0">
+                  <a:solidFill>
+                    <a:schemeClr val="tx1"/>
+                  </a:solidFill>
+                </a:rPr>
+                <a:t>void *</a:t>
+              </a:r>
+              <a:endParaRPr lang="zh-CN" altLang="en-US" sz="1000" dirty="0">
+                <a:solidFill>
+                  <a:schemeClr val="tx1"/>
+                </a:solidFill>
+              </a:endParaRPr>
+            </a:p>
+          </p:txBody>
+        </p:sp>
+        <p:sp>
+          <p:nvSpPr>
+            <p:cNvPr id="27" name="文本框 26"/>
+            <p:cNvSpPr txBox="1"/>
+            <p:nvPr/>
+          </p:nvSpPr>
+          <p:spPr>
+            <a:xfrm>
+              <a:off x="3461045" y="3266607"/>
+              <a:ext cx="1985872" cy="230832"/>
+            </a:xfrm>
+            <a:prstGeom prst="rect">
+              <a:avLst/>
+            </a:prstGeom>
+            <a:noFill/>
+          </p:spPr>
+          <p:txBody>
+            <a:bodyPr wrap="square" rtlCol="0">
+              <a:spAutoFit/>
+            </a:bodyPr>
+            <a:lstStyle/>
+            <a:p>
+              <a:r>
+                <a:rPr lang="en-US" altLang="zh-CN" sz="900" dirty="0" err="1" smtClean="0"/>
+                <a:t>ngx_http_max_module</a:t>
+              </a:r>
+              <a:r>
+                <a:rPr lang="zh-CN" altLang="en-US" sz="900" dirty="0" smtClean="0"/>
+                <a:t>个</a:t>
+              </a:r>
+              <a:r>
+                <a:rPr lang="en-US" altLang="zh-CN" sz="900" dirty="0" smtClean="0"/>
+                <a:t>void *</a:t>
+              </a:r>
+              <a:r>
+                <a:rPr lang="zh-CN" altLang="en-US" sz="900" dirty="0" smtClean="0"/>
+                <a:t>指针</a:t>
+              </a:r>
+              <a:endParaRPr lang="zh-CN" altLang="en-US" sz="900" dirty="0"/>
+            </a:p>
+          </p:txBody>
+        </p:sp>
+        <p:cxnSp>
+          <p:nvCxnSpPr>
+            <p:cNvPr id="29" name="直接箭头连接符 28"/>
+            <p:cNvCxnSpPr>
+              <a:stCxn id="20" idx="3"/>
+              <a:endCxn id="23" idx="1"/>
+            </p:cNvCxnSpPr>
+            <p:nvPr/>
+          </p:nvCxnSpPr>
+          <p:spPr>
+            <a:xfrm>
+              <a:off x="2647950" y="3717524"/>
+              <a:ext cx="695869" cy="0"/>
+            </a:xfrm>
+            <a:prstGeom prst="straightConnector1">
+              <a:avLst/>
+            </a:prstGeom>
+            <a:ln>
+              <a:tailEnd type="triangle"/>
+            </a:ln>
+          </p:spPr>
+          <p:style>
+            <a:lnRef idx="1">
+              <a:schemeClr val="accent1"/>
+            </a:lnRef>
+            <a:fillRef idx="0">
+              <a:schemeClr val="accent1"/>
+            </a:fillRef>
+            <a:effectRef idx="0">
+              <a:schemeClr val="accent1"/>
+            </a:effectRef>
+            <a:fontRef idx="minor">
+              <a:schemeClr val="tx1"/>
+            </a:fontRef>
+          </p:style>
+        </p:cxnSp>
+        <p:sp>
+          <p:nvSpPr>
+            <p:cNvPr id="30" name="矩形 29"/>
+            <p:cNvSpPr/>
+            <p:nvPr/>
+          </p:nvSpPr>
+          <p:spPr>
+            <a:xfrm>
+              <a:off x="6386972" y="1583393"/>
+              <a:ext cx="1290178" cy="335501"/>
+            </a:xfrm>
+            <a:prstGeom prst="rect">
+              <a:avLst/>
+            </a:prstGeom>
+            <a:noFill/>
+          </p:spPr>
+          <p:style>
+            <a:lnRef idx="2">
+              <a:schemeClr val="accent1">
+                <a:shade val="50000"/>
+              </a:schemeClr>
+            </a:lnRef>
+            <a:fillRef idx="1">
+              <a:schemeClr val="accent1"/>
+            </a:fillRef>
+            <a:effectRef idx="0">
+              <a:schemeClr val="accent1"/>
+            </a:effectRef>
+            <a:fontRef idx="minor">
+              <a:schemeClr val="lt1"/>
+            </a:fontRef>
+          </p:style>
+          <p:txBody>
+            <a:bodyPr rtlCol="0" anchor="ctr"/>
+            <a:lstStyle/>
+            <a:p>
+              <a:pPr algn="ctr"/>
+              <a:r>
+                <a:rPr lang="en-US" altLang="zh-CN" sz="1000" dirty="0" err="1" smtClean="0">
+                  <a:solidFill>
+                    <a:schemeClr val="tx1"/>
+                  </a:solidFill>
+                </a:rPr>
+                <a:t>ngx_http_core_main_conf_t</a:t>
+              </a:r>
+              <a:endParaRPr lang="zh-CN" altLang="en-US" sz="1000" dirty="0">
+                <a:solidFill>
+                  <a:schemeClr val="tx1"/>
+                </a:solidFill>
+              </a:endParaRPr>
+            </a:p>
+          </p:txBody>
+        </p:sp>
+        <p:cxnSp>
+          <p:nvCxnSpPr>
+            <p:cNvPr id="32" name="肘形连接符 31"/>
+            <p:cNvCxnSpPr>
+              <a:stCxn id="11" idx="2"/>
+              <a:endCxn id="30" idx="1"/>
+            </p:cNvCxnSpPr>
+            <p:nvPr/>
+          </p:nvCxnSpPr>
+          <p:spPr>
+            <a:xfrm rot="16200000" flipH="1">
+              <a:off x="5197830" y="562002"/>
+              <a:ext cx="167752" cy="2210531"/>
+            </a:xfrm>
+            <a:prstGeom prst="bentConnector2">
+              <a:avLst/>
+            </a:prstGeom>
+            <a:ln>
+              <a:tailEnd type="triangle"/>
+            </a:ln>
+          </p:spPr>
+          <p:style>
+            <a:lnRef idx="1">
+              <a:schemeClr val="accent1"/>
+            </a:lnRef>
+            <a:fillRef idx="0">
+              <a:schemeClr val="accent1"/>
+            </a:fillRef>
+            <a:effectRef idx="0">
+              <a:schemeClr val="accent1"/>
+            </a:effectRef>
+            <a:fontRef idx="minor">
+              <a:schemeClr val="tx1"/>
+            </a:fontRef>
+          </p:style>
+        </p:cxnSp>
+        <p:sp>
+          <p:nvSpPr>
+            <p:cNvPr id="33" name="文本框 32"/>
+            <p:cNvSpPr txBox="1"/>
+            <p:nvPr/>
+          </p:nvSpPr>
+          <p:spPr>
+            <a:xfrm>
+              <a:off x="6001998" y="1195557"/>
+              <a:ext cx="1985872" cy="369332"/>
+            </a:xfrm>
+            <a:prstGeom prst="rect">
+              <a:avLst/>
+            </a:prstGeom>
+            <a:noFill/>
+          </p:spPr>
+          <p:txBody>
+            <a:bodyPr wrap="square" rtlCol="0">
+              <a:spAutoFit/>
+            </a:bodyPr>
+            <a:lstStyle/>
+            <a:p>
+              <a:r>
+                <a:rPr lang="en-US" altLang="zh-CN" sz="900" dirty="0" err="1" smtClean="0"/>
+                <a:t>ngx_http_core_module</a:t>
+              </a:r>
+              <a:r>
+                <a:rPr lang="zh-CN" altLang="en-US" sz="900" dirty="0" smtClean="0"/>
+                <a:t>在</a:t>
+              </a:r>
+              <a:r>
+                <a:rPr lang="en-US" altLang="zh-CN" sz="900" dirty="0" err="1" smtClean="0"/>
+                <a:t>main_conf</a:t>
+              </a:r>
+              <a:r>
+                <a:rPr lang="zh-CN" altLang="en-US" sz="900" dirty="0" smtClean="0"/>
+                <a:t>中对应的指针</a:t>
+              </a:r>
+              <a:endParaRPr lang="zh-CN" altLang="en-US" sz="900" dirty="0"/>
+            </a:p>
+          </p:txBody>
+        </p:sp>
+        <p:sp>
+          <p:nvSpPr>
+            <p:cNvPr id="34" name="矩形 33"/>
+            <p:cNvSpPr/>
+            <p:nvPr/>
+          </p:nvSpPr>
+          <p:spPr>
+            <a:xfrm>
+              <a:off x="6386972" y="1917443"/>
+              <a:ext cx="1290178" cy="335501"/>
+            </a:xfrm>
+            <a:prstGeom prst="rect">
+              <a:avLst/>
+            </a:prstGeom>
+            <a:noFill/>
+          </p:spPr>
+          <p:style>
+            <a:lnRef idx="2">
+              <a:schemeClr val="accent1">
+                <a:shade val="50000"/>
+              </a:schemeClr>
+            </a:lnRef>
+            <a:fillRef idx="1">
+              <a:schemeClr val="accent1"/>
+            </a:fillRef>
+            <a:effectRef idx="0">
+              <a:schemeClr val="accent1"/>
+            </a:effectRef>
+            <a:fontRef idx="minor">
+              <a:schemeClr val="lt1"/>
+            </a:fontRef>
+          </p:style>
+          <p:txBody>
+            <a:bodyPr rtlCol="0" anchor="ctr"/>
+            <a:lstStyle/>
+            <a:p>
+              <a:pPr algn="ctr"/>
+              <a:r>
+                <a:rPr lang="en-US" altLang="zh-CN" sz="1000" dirty="0" err="1" smtClean="0">
+                  <a:solidFill>
+                    <a:schemeClr val="tx1"/>
+                  </a:solidFill>
+                </a:rPr>
+                <a:t>ngx_array_t</a:t>
+              </a:r>
+              <a:r>
+                <a:rPr lang="en-US" altLang="zh-CN" sz="1000" dirty="0" smtClean="0">
+                  <a:solidFill>
+                    <a:schemeClr val="tx1"/>
+                  </a:solidFill>
+                </a:rPr>
+                <a:t> </a:t>
+              </a:r>
+              <a:r>
+                <a:rPr lang="en-US" altLang="zh-CN" sz="1000" dirty="0" err="1" smtClean="0">
+                  <a:solidFill>
+                    <a:schemeClr val="tx1"/>
+                  </a:solidFill>
+                </a:rPr>
+                <a:t>server_names</a:t>
+              </a:r>
+              <a:endParaRPr lang="zh-CN" altLang="en-US" sz="1000" dirty="0">
+                <a:solidFill>
+                  <a:schemeClr val="tx1"/>
+                </a:solidFill>
+              </a:endParaRPr>
+            </a:p>
+          </p:txBody>
+        </p:sp>
+        <p:sp>
+          <p:nvSpPr>
+            <p:cNvPr id="35" name="矩形 34"/>
+            <p:cNvSpPr/>
+            <p:nvPr/>
+          </p:nvSpPr>
+          <p:spPr>
+            <a:xfrm>
+              <a:off x="8360070" y="1915081"/>
+              <a:ext cx="1250071" cy="335501"/>
+            </a:xfrm>
+            <a:prstGeom prst="rect">
+              <a:avLst/>
+            </a:prstGeom>
+            <a:noFill/>
+          </p:spPr>
+          <p:style>
+            <a:lnRef idx="2">
+              <a:schemeClr val="accent1">
+                <a:shade val="50000"/>
+              </a:schemeClr>
+            </a:lnRef>
+            <a:fillRef idx="1">
+              <a:schemeClr val="accent1"/>
+            </a:fillRef>
+            <a:effectRef idx="0">
+              <a:schemeClr val="accent1"/>
+            </a:effectRef>
+            <a:fontRef idx="minor">
+              <a:schemeClr val="lt1"/>
+            </a:fontRef>
+          </p:style>
+          <p:txBody>
+            <a:bodyPr rtlCol="0" anchor="ctr"/>
+            <a:lstStyle/>
+            <a:p>
+              <a:pPr algn="ctr"/>
+              <a:r>
+                <a:rPr lang="en-US" altLang="zh-CN" sz="1000" dirty="0" err="1" smtClean="0">
+                  <a:solidFill>
+                    <a:schemeClr val="tx1"/>
+                  </a:solidFill>
+                </a:rPr>
+                <a:t>ngx_http_core_srv_conf_t</a:t>
+              </a:r>
+              <a:r>
+                <a:rPr lang="en-US" altLang="zh-CN" sz="1000" dirty="0" smtClean="0">
+                  <a:solidFill>
+                    <a:schemeClr val="tx1"/>
+                  </a:solidFill>
+                </a:rPr>
+                <a:t> </a:t>
+              </a:r>
+              <a:r>
+                <a:rPr lang="zh-CN" altLang="en-US" sz="1000" dirty="0" smtClean="0">
+                  <a:solidFill>
+                    <a:schemeClr val="tx1"/>
+                  </a:solidFill>
+                </a:rPr>
+                <a:t>*</a:t>
+              </a:r>
+              <a:endParaRPr lang="zh-CN" altLang="en-US" sz="1000" dirty="0">
+                <a:solidFill>
+                  <a:schemeClr val="tx1"/>
+                </a:solidFill>
+              </a:endParaRPr>
+            </a:p>
+          </p:txBody>
+        </p:sp>
+        <p:sp>
+          <p:nvSpPr>
+            <p:cNvPr id="36" name="矩形 35"/>
+            <p:cNvSpPr/>
+            <p:nvPr/>
+          </p:nvSpPr>
+          <p:spPr>
+            <a:xfrm>
+              <a:off x="9610142" y="1915081"/>
+              <a:ext cx="591134" cy="335501"/>
+            </a:xfrm>
+            <a:prstGeom prst="rect">
+              <a:avLst/>
+            </a:prstGeom>
+            <a:noFill/>
+          </p:spPr>
+          <p:style>
+            <a:lnRef idx="2">
+              <a:schemeClr val="accent1">
+                <a:shade val="50000"/>
+              </a:schemeClr>
+            </a:lnRef>
+            <a:fillRef idx="1">
+              <a:schemeClr val="accent1"/>
+            </a:fillRef>
+            <a:effectRef idx="0">
+              <a:schemeClr val="accent1"/>
+            </a:effectRef>
+            <a:fontRef idx="minor">
+              <a:schemeClr val="lt1"/>
+            </a:fontRef>
+          </p:style>
+          <p:txBody>
+            <a:bodyPr rtlCol="0" anchor="ctr"/>
+            <a:lstStyle/>
+            <a:p>
+              <a:pPr algn="ctr"/>
+              <a:r>
+                <a:rPr lang="en-US" altLang="zh-CN" sz="1000" dirty="0" smtClean="0">
+                  <a:solidFill>
+                    <a:schemeClr val="tx1"/>
+                  </a:solidFill>
+                </a:rPr>
+                <a:t>…</a:t>
+              </a:r>
+              <a:endParaRPr lang="zh-CN" altLang="en-US" sz="1000" dirty="0">
+                <a:solidFill>
+                  <a:schemeClr val="tx1"/>
+                </a:solidFill>
+              </a:endParaRPr>
+            </a:p>
+          </p:txBody>
+        </p:sp>
+        <p:cxnSp>
+          <p:nvCxnSpPr>
+            <p:cNvPr id="39" name="直接箭头连接符 38"/>
+            <p:cNvCxnSpPr>
+              <a:stCxn id="34" idx="3"/>
+              <a:endCxn id="35" idx="1"/>
+            </p:cNvCxnSpPr>
+            <p:nvPr/>
+          </p:nvCxnSpPr>
+          <p:spPr>
+            <a:xfrm flipV="1">
+              <a:off x="7677150" y="2082832"/>
+              <a:ext cx="682920" cy="2362"/>
+            </a:xfrm>
+            <a:prstGeom prst="straightConnector1">
+              <a:avLst/>
+            </a:prstGeom>
+            <a:ln>
+              <a:tailEnd type="triangle"/>
+            </a:ln>
+          </p:spPr>
+          <p:style>
+            <a:lnRef idx="1">
+              <a:schemeClr val="accent1"/>
+            </a:lnRef>
+            <a:fillRef idx="0">
+              <a:schemeClr val="accent1"/>
+            </a:fillRef>
+            <a:effectRef idx="0">
+              <a:schemeClr val="accent1"/>
+            </a:effectRef>
+            <a:fontRef idx="minor">
+              <a:schemeClr val="tx1"/>
+            </a:fontRef>
+          </p:style>
+        </p:cxnSp>
+        <p:sp>
+          <p:nvSpPr>
+            <p:cNvPr id="41" name="矩形 40"/>
+            <p:cNvSpPr/>
+            <p:nvPr/>
+          </p:nvSpPr>
+          <p:spPr>
+            <a:xfrm>
+              <a:off x="6386972" y="3885274"/>
+              <a:ext cx="1240351" cy="335501"/>
+            </a:xfrm>
+            <a:prstGeom prst="rect">
+              <a:avLst/>
+            </a:prstGeom>
+            <a:noFill/>
+          </p:spPr>
+          <p:style>
+            <a:lnRef idx="2">
+              <a:schemeClr val="accent1">
+                <a:shade val="50000"/>
+              </a:schemeClr>
+            </a:lnRef>
+            <a:fillRef idx="1">
+              <a:schemeClr val="accent1"/>
+            </a:fillRef>
+            <a:effectRef idx="0">
+              <a:schemeClr val="accent1"/>
+            </a:effectRef>
+            <a:fontRef idx="minor">
+              <a:schemeClr val="lt1"/>
+            </a:fontRef>
+          </p:style>
+          <p:txBody>
+            <a:bodyPr rtlCol="0" anchor="ctr"/>
+            <a:lstStyle/>
+            <a:p>
+              <a:pPr algn="ctr"/>
+              <a:r>
+                <a:rPr lang="en-US" altLang="zh-CN" sz="1000" dirty="0" err="1" smtClean="0">
+                  <a:solidFill>
+                    <a:schemeClr val="tx1"/>
+                  </a:solidFill>
+                </a:rPr>
+                <a:t>ngx_http_core_srv_conf_t</a:t>
+              </a:r>
+              <a:endParaRPr lang="zh-CN" altLang="en-US" sz="1000" dirty="0">
+                <a:solidFill>
+                  <a:schemeClr val="tx1"/>
+                </a:solidFill>
+              </a:endParaRPr>
+            </a:p>
+          </p:txBody>
+        </p:sp>
+        <p:cxnSp>
+          <p:nvCxnSpPr>
+            <p:cNvPr id="44" name="肘形连接符 43"/>
+            <p:cNvCxnSpPr>
+              <a:stCxn id="24" idx="2"/>
+              <a:endCxn id="41" idx="1"/>
+            </p:cNvCxnSpPr>
+            <p:nvPr/>
+          </p:nvCxnSpPr>
+          <p:spPr>
+            <a:xfrm rot="16200000" flipH="1">
+              <a:off x="5197831" y="2863883"/>
+              <a:ext cx="167751" cy="2210531"/>
+            </a:xfrm>
+            <a:prstGeom prst="bentConnector2">
+              <a:avLst/>
+            </a:prstGeom>
+            <a:ln>
+              <a:tailEnd type="triangle"/>
+            </a:ln>
+          </p:spPr>
+          <p:style>
+            <a:lnRef idx="1">
+              <a:schemeClr val="accent1"/>
+            </a:lnRef>
+            <a:fillRef idx="0">
+              <a:schemeClr val="accent1"/>
+            </a:fillRef>
+            <a:effectRef idx="0">
+              <a:schemeClr val="accent1"/>
+            </a:effectRef>
+            <a:fontRef idx="minor">
+              <a:schemeClr val="tx1"/>
+            </a:fontRef>
+          </p:style>
+        </p:cxnSp>
+        <p:sp>
+          <p:nvSpPr>
+            <p:cNvPr id="45" name="文本框 44"/>
+            <p:cNvSpPr txBox="1"/>
+            <p:nvPr/>
+          </p:nvSpPr>
+          <p:spPr>
+            <a:xfrm>
+              <a:off x="6001998" y="3498301"/>
+              <a:ext cx="1985872" cy="369332"/>
+            </a:xfrm>
+            <a:prstGeom prst="rect">
+              <a:avLst/>
+            </a:prstGeom>
+            <a:noFill/>
+          </p:spPr>
+          <p:txBody>
+            <a:bodyPr wrap="square" rtlCol="0">
+              <a:spAutoFit/>
+            </a:bodyPr>
+            <a:lstStyle/>
+            <a:p>
+              <a:r>
+                <a:rPr lang="en-US" altLang="zh-CN" sz="900" dirty="0" err="1" smtClean="0"/>
+                <a:t>ngx_http_core_module</a:t>
+              </a:r>
+              <a:r>
+                <a:rPr lang="zh-CN" altLang="en-US" sz="900" dirty="0" smtClean="0"/>
+                <a:t>在</a:t>
+              </a:r>
+              <a:r>
+                <a:rPr lang="en-US" altLang="zh-CN" sz="900" dirty="0" err="1"/>
+                <a:t>srv</a:t>
+              </a:r>
+              <a:r>
+                <a:rPr lang="en-US" altLang="zh-CN" sz="900" dirty="0" err="1" smtClean="0"/>
+                <a:t>_conf</a:t>
+              </a:r>
+              <a:r>
+                <a:rPr lang="zh-CN" altLang="en-US" sz="900" dirty="0" smtClean="0"/>
+                <a:t>中对应的指针</a:t>
+              </a:r>
+              <a:endParaRPr lang="zh-CN" altLang="en-US" sz="900" dirty="0"/>
+            </a:p>
+          </p:txBody>
+        </p:sp>
+        <p:cxnSp>
+          <p:nvCxnSpPr>
+            <p:cNvPr id="47" name="肘形连接符 46"/>
+            <p:cNvCxnSpPr>
+              <a:stCxn id="35" idx="2"/>
+              <a:endCxn id="41" idx="3"/>
+            </p:cNvCxnSpPr>
+            <p:nvPr/>
+          </p:nvCxnSpPr>
+          <p:spPr>
+            <a:xfrm rot="5400000">
+              <a:off x="7404994" y="2472912"/>
+              <a:ext cx="1802443" cy="1357783"/>
+            </a:xfrm>
+            <a:prstGeom prst="bentConnector2">
+              <a:avLst/>
+            </a:prstGeom>
+            <a:ln>
+              <a:tailEnd type="triangle"/>
+            </a:ln>
+          </p:spPr>
+          <p:style>
+            <a:lnRef idx="1">
+              <a:schemeClr val="accent1"/>
+            </a:lnRef>
+            <a:fillRef idx="0">
+              <a:schemeClr val="accent1"/>
+            </a:fillRef>
+            <a:effectRef idx="0">
+              <a:schemeClr val="accent1"/>
+            </a:effectRef>
+            <a:fontRef idx="minor">
+              <a:schemeClr val="tx1"/>
+            </a:fontRef>
+          </p:style>
+        </p:cxnSp>
+        <p:sp>
+          <p:nvSpPr>
+            <p:cNvPr id="48" name="矩形 47"/>
+            <p:cNvSpPr/>
+            <p:nvPr/>
+          </p:nvSpPr>
+          <p:spPr>
+            <a:xfrm>
+              <a:off x="6387945" y="4218967"/>
+              <a:ext cx="1239378" cy="335501"/>
+            </a:xfrm>
+            <a:prstGeom prst="rect">
+              <a:avLst/>
+            </a:prstGeom>
+            <a:noFill/>
+          </p:spPr>
+          <p:style>
+            <a:lnRef idx="2">
+              <a:schemeClr val="accent1">
+                <a:shade val="50000"/>
+              </a:schemeClr>
+            </a:lnRef>
+            <a:fillRef idx="1">
+              <a:schemeClr val="accent1"/>
+            </a:fillRef>
+            <a:effectRef idx="0">
+              <a:schemeClr val="accent1"/>
+            </a:effectRef>
+            <a:fontRef idx="minor">
+              <a:schemeClr val="lt1"/>
+            </a:fontRef>
+          </p:style>
+          <p:txBody>
+            <a:bodyPr rtlCol="0" anchor="ctr"/>
+            <a:lstStyle/>
+            <a:p>
+              <a:pPr algn="ctr"/>
+              <a:r>
+                <a:rPr lang="en-US" altLang="zh-CN" sz="1000" dirty="0" err="1" smtClean="0">
+                  <a:solidFill>
+                    <a:schemeClr val="tx1"/>
+                  </a:solidFill>
+                </a:rPr>
+                <a:t>ngx_http_conf_ctx_t</a:t>
+              </a:r>
+              <a:r>
+                <a:rPr lang="en-US" altLang="zh-CN" sz="1000" dirty="0" smtClean="0">
+                  <a:solidFill>
+                    <a:schemeClr val="tx1"/>
+                  </a:solidFill>
+                </a:rPr>
+                <a:t> </a:t>
+              </a:r>
+              <a:r>
+                <a:rPr lang="zh-CN" altLang="en-US" sz="1000" dirty="0" smtClean="0">
+                  <a:solidFill>
+                    <a:schemeClr val="tx1"/>
+                  </a:solidFill>
+                </a:rPr>
+                <a:t>*</a:t>
+              </a:r>
+              <a:r>
+                <a:rPr lang="en-US" altLang="zh-CN" sz="1000" dirty="0" err="1" smtClean="0">
+                  <a:solidFill>
+                    <a:schemeClr val="tx1"/>
+                  </a:solidFill>
+                </a:rPr>
+                <a:t>ctx</a:t>
+              </a:r>
+              <a:endParaRPr lang="zh-CN" altLang="en-US" sz="1000" dirty="0">
+                <a:solidFill>
+                  <a:schemeClr val="tx1"/>
+                </a:solidFill>
+              </a:endParaRPr>
+            </a:p>
+          </p:txBody>
+        </p:sp>
+        <p:cxnSp>
+          <p:nvCxnSpPr>
+            <p:cNvPr id="50" name="肘形连接符 49"/>
+            <p:cNvCxnSpPr>
+              <a:stCxn id="48" idx="1"/>
+              <a:endCxn id="20" idx="1"/>
+            </p:cNvCxnSpPr>
+            <p:nvPr/>
+          </p:nvCxnSpPr>
+          <p:spPr>
+            <a:xfrm rot="10800000">
+              <a:off x="1395873" y="3717524"/>
+              <a:ext cx="4992073" cy="669194"/>
+            </a:xfrm>
+            <a:prstGeom prst="bentConnector3">
+              <a:avLst>
+                <a:gd name="adj1" fmla="val 104579"/>
+              </a:avLst>
+            </a:prstGeom>
+            <a:ln>
+              <a:tailEnd type="triangle"/>
+            </a:ln>
+          </p:spPr>
+          <p:style>
+            <a:lnRef idx="1">
+              <a:schemeClr val="accent1"/>
+            </a:lnRef>
+            <a:fillRef idx="0">
+              <a:schemeClr val="accent1"/>
+            </a:fillRef>
+            <a:effectRef idx="0">
+              <a:schemeClr val="accent1"/>
+            </a:effectRef>
+            <a:fontRef idx="minor">
+              <a:schemeClr val="tx1"/>
+            </a:fontRef>
+          </p:style>
+        </p:cxnSp>
+        <p:sp>
+          <p:nvSpPr>
+            <p:cNvPr id="51" name="矩形 50"/>
+            <p:cNvSpPr/>
+            <p:nvPr/>
+          </p:nvSpPr>
+          <p:spPr>
+            <a:xfrm>
+              <a:off x="1395872" y="5180652"/>
+              <a:ext cx="1252078" cy="335501"/>
+            </a:xfrm>
+            <a:prstGeom prst="rect">
+              <a:avLst/>
+            </a:prstGeom>
+            <a:noFill/>
+          </p:spPr>
+          <p:style>
+            <a:lnRef idx="2">
+              <a:schemeClr val="accent1">
+                <a:shade val="50000"/>
+              </a:schemeClr>
+            </a:lnRef>
+            <a:fillRef idx="1">
+              <a:schemeClr val="accent1"/>
+            </a:fillRef>
+            <a:effectRef idx="0">
+              <a:schemeClr val="accent1"/>
+            </a:effectRef>
+            <a:fontRef idx="minor">
+              <a:schemeClr val="lt1"/>
+            </a:fontRef>
+          </p:style>
+          <p:txBody>
+            <a:bodyPr rtlCol="0" anchor="ctr"/>
+            <a:lstStyle/>
+            <a:p>
+              <a:pPr algn="ctr"/>
+              <a:r>
+                <a:rPr lang="en-US" altLang="zh-CN" sz="1000" dirty="0" err="1" smtClean="0">
+                  <a:solidFill>
+                    <a:schemeClr val="tx1"/>
+                  </a:solidFill>
+                </a:rPr>
+                <a:t>ngx_http_conf_ctx_t</a:t>
+              </a:r>
+              <a:endParaRPr lang="zh-CN" altLang="en-US" sz="1000" dirty="0">
+                <a:solidFill>
+                  <a:schemeClr val="tx1"/>
+                </a:solidFill>
+              </a:endParaRPr>
+            </a:p>
+          </p:txBody>
+        </p:sp>
+        <p:sp>
+          <p:nvSpPr>
+            <p:cNvPr id="52" name="矩形 51"/>
+            <p:cNvSpPr/>
+            <p:nvPr/>
+          </p:nvSpPr>
+          <p:spPr>
+            <a:xfrm>
+              <a:off x="1395872" y="5516153"/>
+              <a:ext cx="1252078" cy="335501"/>
+            </a:xfrm>
+            <a:prstGeom prst="rect">
+              <a:avLst/>
+            </a:prstGeom>
+            <a:noFill/>
+          </p:spPr>
+          <p:style>
+            <a:lnRef idx="2">
+              <a:schemeClr val="accent1">
+                <a:shade val="50000"/>
+              </a:schemeClr>
+            </a:lnRef>
+            <a:fillRef idx="1">
+              <a:schemeClr val="accent1"/>
+            </a:fillRef>
+            <a:effectRef idx="0">
+              <a:schemeClr val="accent1"/>
+            </a:effectRef>
+            <a:fontRef idx="minor">
+              <a:schemeClr val="lt1"/>
+            </a:fontRef>
+          </p:style>
+          <p:txBody>
+            <a:bodyPr rtlCol="0" anchor="ctr"/>
+            <a:lstStyle/>
+            <a:p>
+              <a:pPr algn="ctr"/>
+              <a:r>
+                <a:rPr lang="en-US" altLang="zh-CN" sz="1000" dirty="0" smtClean="0">
+                  <a:solidFill>
+                    <a:schemeClr val="tx1"/>
+                  </a:solidFill>
+                </a:rPr>
+                <a:t>**</a:t>
+              </a:r>
+              <a:r>
+                <a:rPr lang="en-US" altLang="zh-CN" sz="1000" dirty="0" err="1" smtClean="0">
+                  <a:solidFill>
+                    <a:schemeClr val="tx1"/>
+                  </a:solidFill>
+                </a:rPr>
+                <a:t>main_conf</a:t>
+              </a:r>
+              <a:endParaRPr lang="zh-CN" altLang="en-US" sz="1000" dirty="0">
+                <a:solidFill>
+                  <a:schemeClr val="tx1"/>
+                </a:solidFill>
+              </a:endParaRPr>
+            </a:p>
+          </p:txBody>
+        </p:sp>
+        <p:sp>
+          <p:nvSpPr>
+            <p:cNvPr id="53" name="矩形 52"/>
+            <p:cNvSpPr/>
+            <p:nvPr/>
+          </p:nvSpPr>
+          <p:spPr>
+            <a:xfrm>
+              <a:off x="1395872" y="5851654"/>
+              <a:ext cx="1252078" cy="335501"/>
+            </a:xfrm>
+            <a:prstGeom prst="rect">
+              <a:avLst/>
+            </a:prstGeom>
+            <a:noFill/>
+          </p:spPr>
+          <p:style>
+            <a:lnRef idx="2">
+              <a:schemeClr val="accent1">
+                <a:shade val="50000"/>
+              </a:schemeClr>
+            </a:lnRef>
+            <a:fillRef idx="1">
+              <a:schemeClr val="accent1"/>
+            </a:fillRef>
+            <a:effectRef idx="0">
+              <a:schemeClr val="accent1"/>
+            </a:effectRef>
+            <a:fontRef idx="minor">
+              <a:schemeClr val="lt1"/>
+            </a:fontRef>
+          </p:style>
+          <p:txBody>
+            <a:bodyPr rtlCol="0" anchor="ctr"/>
+            <a:lstStyle/>
+            <a:p>
+              <a:pPr algn="ctr"/>
+              <a:r>
+                <a:rPr lang="en-US" altLang="zh-CN" sz="1000" dirty="0" smtClean="0">
+                  <a:solidFill>
+                    <a:schemeClr val="tx1"/>
+                  </a:solidFill>
+                </a:rPr>
+                <a:t>**</a:t>
+              </a:r>
+              <a:r>
+                <a:rPr lang="en-US" altLang="zh-CN" sz="1000" dirty="0" err="1" smtClean="0">
+                  <a:solidFill>
+                    <a:schemeClr val="tx1"/>
+                  </a:solidFill>
+                </a:rPr>
+                <a:t>srv_conf</a:t>
+              </a:r>
+              <a:endParaRPr lang="zh-CN" altLang="en-US" sz="1000" dirty="0">
+                <a:solidFill>
+                  <a:schemeClr val="tx1"/>
+                </a:solidFill>
+              </a:endParaRPr>
+            </a:p>
+          </p:txBody>
+        </p:sp>
+        <p:sp>
+          <p:nvSpPr>
+            <p:cNvPr id="54" name="矩形 53"/>
+            <p:cNvSpPr/>
+            <p:nvPr/>
+          </p:nvSpPr>
+          <p:spPr>
+            <a:xfrm>
+              <a:off x="1395872" y="6187155"/>
+              <a:ext cx="1252078" cy="335501"/>
+            </a:xfrm>
+            <a:prstGeom prst="rect">
+              <a:avLst/>
+            </a:prstGeom>
+            <a:noFill/>
+          </p:spPr>
+          <p:style>
+            <a:lnRef idx="2">
+              <a:schemeClr val="accent1">
+                <a:shade val="50000"/>
+              </a:schemeClr>
+            </a:lnRef>
+            <a:fillRef idx="1">
+              <a:schemeClr val="accent1"/>
+            </a:fillRef>
+            <a:effectRef idx="0">
+              <a:schemeClr val="accent1"/>
+            </a:effectRef>
+            <a:fontRef idx="minor">
+              <a:schemeClr val="lt1"/>
+            </a:fontRef>
+          </p:style>
+          <p:txBody>
+            <a:bodyPr rtlCol="0" anchor="ctr"/>
+            <a:lstStyle/>
+            <a:p>
+              <a:pPr algn="ctr"/>
+              <a:r>
+                <a:rPr lang="en-US" altLang="zh-CN" sz="1000" dirty="0" smtClean="0">
+                  <a:solidFill>
+                    <a:schemeClr val="tx1"/>
+                  </a:solidFill>
+                </a:rPr>
+                <a:t>**</a:t>
+              </a:r>
+              <a:r>
+                <a:rPr lang="en-US" altLang="zh-CN" sz="1000" dirty="0" err="1" smtClean="0">
+                  <a:solidFill>
+                    <a:schemeClr val="tx1"/>
+                  </a:solidFill>
+                </a:rPr>
+                <a:t>loc_conf</a:t>
+              </a:r>
+              <a:endParaRPr lang="zh-CN" altLang="en-US" sz="1000" dirty="0">
+                <a:solidFill>
+                  <a:schemeClr val="tx1"/>
+                </a:solidFill>
+              </a:endParaRPr>
+            </a:p>
+          </p:txBody>
+        </p:sp>
+        <p:sp>
+          <p:nvSpPr>
+            <p:cNvPr id="55" name="文本框 54"/>
+            <p:cNvSpPr txBox="1"/>
+            <p:nvPr/>
+          </p:nvSpPr>
+          <p:spPr>
+            <a:xfrm>
+              <a:off x="1153072" y="4811320"/>
+              <a:ext cx="1737678" cy="369332"/>
+            </a:xfrm>
+            <a:prstGeom prst="rect">
+              <a:avLst/>
+            </a:prstGeom>
+            <a:noFill/>
+          </p:spPr>
+          <p:txBody>
+            <a:bodyPr wrap="square" rtlCol="0">
+              <a:spAutoFit/>
+            </a:bodyPr>
+            <a:lstStyle/>
+            <a:p>
+              <a:r>
+                <a:rPr lang="zh-CN" altLang="en-US" sz="900" dirty="0" smtClean="0"/>
+                <a:t>在</a:t>
+              </a:r>
+              <a:r>
+                <a:rPr lang="en-US" altLang="zh-CN" sz="900" dirty="0" err="1" smtClean="0"/>
+                <a:t>ngx_http_core_location</a:t>
+              </a:r>
+              <a:r>
+                <a:rPr lang="zh-CN" altLang="en-US" sz="900" dirty="0" smtClean="0"/>
+                <a:t>中申请的结构</a:t>
+              </a:r>
+              <a:endParaRPr lang="zh-CN" altLang="en-US" sz="900" dirty="0"/>
+            </a:p>
+          </p:txBody>
+        </p:sp>
+        <p:cxnSp>
+          <p:nvCxnSpPr>
+            <p:cNvPr id="64" name="肘形连接符 63"/>
+            <p:cNvCxnSpPr>
+              <a:stCxn id="19" idx="1"/>
+              <a:endCxn id="5" idx="1"/>
+            </p:cNvCxnSpPr>
+            <p:nvPr/>
+          </p:nvCxnSpPr>
+          <p:spPr>
+            <a:xfrm rot="10800000">
+              <a:off x="1395872" y="1080143"/>
+              <a:ext cx="12700" cy="2301881"/>
+            </a:xfrm>
+            <a:prstGeom prst="bentConnector3">
+              <a:avLst>
+                <a:gd name="adj1" fmla="val 1800000"/>
+              </a:avLst>
+            </a:prstGeom>
+            <a:ln>
+              <a:tailEnd type="triangle"/>
+            </a:ln>
+          </p:spPr>
+          <p:style>
+            <a:lnRef idx="1">
+              <a:schemeClr val="accent1"/>
+            </a:lnRef>
+            <a:fillRef idx="0">
+              <a:schemeClr val="accent1"/>
+            </a:fillRef>
+            <a:effectRef idx="0">
+              <a:schemeClr val="accent1"/>
+            </a:effectRef>
+            <a:fontRef idx="minor">
+              <a:schemeClr val="tx1"/>
+            </a:fontRef>
+          </p:style>
+        </p:cxnSp>
+        <p:cxnSp>
+          <p:nvCxnSpPr>
+            <p:cNvPr id="68" name="肘形连接符 67"/>
+            <p:cNvCxnSpPr>
+              <a:stCxn id="52" idx="1"/>
+              <a:endCxn id="19" idx="1"/>
+            </p:cNvCxnSpPr>
+            <p:nvPr/>
+          </p:nvCxnSpPr>
+          <p:spPr>
+            <a:xfrm rot="10800000">
+              <a:off x="1395872" y="3382024"/>
+              <a:ext cx="12700" cy="2301881"/>
+            </a:xfrm>
+            <a:prstGeom prst="bentConnector3">
+              <a:avLst>
+                <a:gd name="adj1" fmla="val 3975000"/>
+              </a:avLst>
+            </a:prstGeom>
+            <a:ln>
+              <a:tailEnd type="triangle"/>
+            </a:ln>
+          </p:spPr>
+          <p:style>
+            <a:lnRef idx="1">
+              <a:schemeClr val="accent1"/>
+            </a:lnRef>
+            <a:fillRef idx="0">
+              <a:schemeClr val="accent1"/>
+            </a:fillRef>
+            <a:effectRef idx="0">
+              <a:schemeClr val="accent1"/>
+            </a:effectRef>
+            <a:fontRef idx="minor">
+              <a:schemeClr val="tx1"/>
+            </a:fontRef>
+          </p:style>
+        </p:cxnSp>
+        <p:cxnSp>
+          <p:nvCxnSpPr>
+            <p:cNvPr id="71" name="肘形连接符 70"/>
+            <p:cNvCxnSpPr>
+              <a:stCxn id="53" idx="1"/>
+              <a:endCxn id="20" idx="1"/>
+            </p:cNvCxnSpPr>
+            <p:nvPr/>
+          </p:nvCxnSpPr>
+          <p:spPr>
+            <a:xfrm rot="10800000">
+              <a:off x="1395872" y="3717525"/>
+              <a:ext cx="12700" cy="2301881"/>
+            </a:xfrm>
+            <a:prstGeom prst="bentConnector3">
+              <a:avLst>
+                <a:gd name="adj1" fmla="val 6975000"/>
+              </a:avLst>
+            </a:prstGeom>
+            <a:ln>
+              <a:tailEnd type="triangle"/>
+            </a:ln>
+          </p:spPr>
+          <p:style>
+            <a:lnRef idx="1">
+              <a:schemeClr val="accent1"/>
+            </a:lnRef>
+            <a:fillRef idx="0">
+              <a:schemeClr val="accent1"/>
+            </a:fillRef>
+            <a:effectRef idx="0">
+              <a:schemeClr val="accent1"/>
+            </a:effectRef>
+            <a:fontRef idx="minor">
+              <a:schemeClr val="tx1"/>
+            </a:fontRef>
+          </p:style>
+        </p:cxnSp>
+        <p:sp>
+          <p:nvSpPr>
+            <p:cNvPr id="73" name="矩形 72"/>
+            <p:cNvSpPr/>
+            <p:nvPr/>
+          </p:nvSpPr>
+          <p:spPr>
+            <a:xfrm>
+              <a:off x="3343819" y="6187156"/>
+              <a:ext cx="555081" cy="335501"/>
+            </a:xfrm>
+            <a:prstGeom prst="rect">
+              <a:avLst/>
+            </a:prstGeom>
+            <a:noFill/>
+          </p:spPr>
+          <p:style>
+            <a:lnRef idx="2">
+              <a:schemeClr val="accent1">
+                <a:shade val="50000"/>
+              </a:schemeClr>
+            </a:lnRef>
+            <a:fillRef idx="1">
+              <a:schemeClr val="accent1"/>
+            </a:fillRef>
+            <a:effectRef idx="0">
+              <a:schemeClr val="accent1"/>
+            </a:effectRef>
+            <a:fontRef idx="minor">
+              <a:schemeClr val="lt1"/>
+            </a:fontRef>
+          </p:style>
+          <p:txBody>
+            <a:bodyPr rtlCol="0" anchor="ctr"/>
+            <a:lstStyle/>
+            <a:p>
+              <a:pPr algn="ctr"/>
+              <a:r>
+                <a:rPr lang="en-US" altLang="zh-CN" sz="1000" dirty="0" smtClean="0">
+                  <a:solidFill>
+                    <a:schemeClr val="tx1"/>
+                  </a:solidFill>
+                </a:rPr>
+                <a:t>void *</a:t>
+              </a:r>
+              <a:endParaRPr lang="zh-CN" altLang="en-US" sz="1000" dirty="0">
+                <a:solidFill>
+                  <a:schemeClr val="tx1"/>
+                </a:solidFill>
+              </a:endParaRPr>
+            </a:p>
+          </p:txBody>
+        </p:sp>
+        <p:sp>
+          <p:nvSpPr>
+            <p:cNvPr id="74" name="矩形 73"/>
+            <p:cNvSpPr/>
+            <p:nvPr/>
+          </p:nvSpPr>
+          <p:spPr>
+            <a:xfrm>
+              <a:off x="3898900" y="6187156"/>
+              <a:ext cx="555081" cy="335501"/>
+            </a:xfrm>
+            <a:prstGeom prst="rect">
+              <a:avLst/>
+            </a:prstGeom>
+            <a:noFill/>
+          </p:spPr>
+          <p:style>
+            <a:lnRef idx="2">
+              <a:schemeClr val="accent1">
+                <a:shade val="50000"/>
+              </a:schemeClr>
+            </a:lnRef>
+            <a:fillRef idx="1">
+              <a:schemeClr val="accent1"/>
+            </a:fillRef>
+            <a:effectRef idx="0">
+              <a:schemeClr val="accent1"/>
+            </a:effectRef>
+            <a:fontRef idx="minor">
+              <a:schemeClr val="lt1"/>
+            </a:fontRef>
+          </p:style>
+          <p:txBody>
+            <a:bodyPr rtlCol="0" anchor="ctr"/>
+            <a:lstStyle/>
+            <a:p>
+              <a:pPr algn="ctr"/>
+              <a:r>
+                <a:rPr lang="en-US" altLang="zh-CN" sz="1000" dirty="0" smtClean="0">
+                  <a:solidFill>
+                    <a:schemeClr val="tx1"/>
+                  </a:solidFill>
+                </a:rPr>
+                <a:t>void *</a:t>
+              </a:r>
+              <a:endParaRPr lang="zh-CN" altLang="en-US" sz="1000" dirty="0">
+                <a:solidFill>
+                  <a:schemeClr val="tx1"/>
+                </a:solidFill>
+              </a:endParaRPr>
+            </a:p>
+          </p:txBody>
+        </p:sp>
+        <p:sp>
+          <p:nvSpPr>
+            <p:cNvPr id="75" name="矩形 74"/>
+            <p:cNvSpPr/>
+            <p:nvPr/>
+          </p:nvSpPr>
+          <p:spPr>
+            <a:xfrm>
+              <a:off x="4453981" y="6187156"/>
+              <a:ext cx="555081" cy="335501"/>
+            </a:xfrm>
+            <a:prstGeom prst="rect">
+              <a:avLst/>
+            </a:prstGeom>
+            <a:noFill/>
+          </p:spPr>
+          <p:style>
+            <a:lnRef idx="2">
+              <a:schemeClr val="accent1">
+                <a:shade val="50000"/>
+              </a:schemeClr>
+            </a:lnRef>
+            <a:fillRef idx="1">
+              <a:schemeClr val="accent1"/>
+            </a:fillRef>
+            <a:effectRef idx="0">
+              <a:schemeClr val="accent1"/>
+            </a:effectRef>
+            <a:fontRef idx="minor">
+              <a:schemeClr val="lt1"/>
+            </a:fontRef>
+          </p:style>
+          <p:txBody>
+            <a:bodyPr rtlCol="0" anchor="ctr"/>
+            <a:lstStyle/>
+            <a:p>
+              <a:pPr algn="ctr"/>
+              <a:r>
+                <a:rPr lang="en-US" altLang="zh-CN" sz="1000" dirty="0" smtClean="0">
+                  <a:solidFill>
+                    <a:schemeClr val="tx1"/>
+                  </a:solidFill>
+                </a:rPr>
+                <a:t>…</a:t>
+              </a:r>
+              <a:endParaRPr lang="zh-CN" altLang="en-US" sz="1000" dirty="0">
+                <a:solidFill>
+                  <a:schemeClr val="tx1"/>
+                </a:solidFill>
+              </a:endParaRPr>
+            </a:p>
+          </p:txBody>
+        </p:sp>
+        <p:sp>
+          <p:nvSpPr>
+            <p:cNvPr id="76" name="矩形 75"/>
+            <p:cNvSpPr/>
+            <p:nvPr/>
+          </p:nvSpPr>
+          <p:spPr>
+            <a:xfrm>
+              <a:off x="5009062" y="6187156"/>
+              <a:ext cx="555081" cy="335501"/>
+            </a:xfrm>
+            <a:prstGeom prst="rect">
+              <a:avLst/>
+            </a:prstGeom>
+            <a:noFill/>
+          </p:spPr>
+          <p:style>
+            <a:lnRef idx="2">
+              <a:schemeClr val="accent1">
+                <a:shade val="50000"/>
+              </a:schemeClr>
+            </a:lnRef>
+            <a:fillRef idx="1">
+              <a:schemeClr val="accent1"/>
+            </a:fillRef>
+            <a:effectRef idx="0">
+              <a:schemeClr val="accent1"/>
+            </a:effectRef>
+            <a:fontRef idx="minor">
+              <a:schemeClr val="lt1"/>
+            </a:fontRef>
+          </p:style>
+          <p:txBody>
+            <a:bodyPr rtlCol="0" anchor="ctr"/>
+            <a:lstStyle/>
+            <a:p>
+              <a:pPr algn="ctr"/>
+              <a:r>
+                <a:rPr lang="en-US" altLang="zh-CN" sz="1000" dirty="0" smtClean="0">
+                  <a:solidFill>
+                    <a:schemeClr val="tx1"/>
+                  </a:solidFill>
+                </a:rPr>
+                <a:t>void *</a:t>
+              </a:r>
+              <a:endParaRPr lang="zh-CN" altLang="en-US" sz="1000" dirty="0">
+                <a:solidFill>
+                  <a:schemeClr val="tx1"/>
+                </a:solidFill>
+              </a:endParaRPr>
+            </a:p>
+          </p:txBody>
+        </p:sp>
+        <p:sp>
+          <p:nvSpPr>
+            <p:cNvPr id="77" name="文本框 76"/>
+            <p:cNvSpPr txBox="1"/>
+            <p:nvPr/>
+          </p:nvSpPr>
+          <p:spPr>
+            <a:xfrm>
+              <a:off x="3461045" y="5903990"/>
+              <a:ext cx="1985872" cy="230832"/>
+            </a:xfrm>
+            <a:prstGeom prst="rect">
+              <a:avLst/>
+            </a:prstGeom>
+            <a:noFill/>
+          </p:spPr>
+          <p:txBody>
+            <a:bodyPr wrap="square" rtlCol="0">
+              <a:spAutoFit/>
+            </a:bodyPr>
+            <a:lstStyle/>
+            <a:p>
+              <a:r>
+                <a:rPr lang="en-US" altLang="zh-CN" sz="900" dirty="0" err="1" smtClean="0"/>
+                <a:t>ngx_http_max_module</a:t>
+              </a:r>
+              <a:r>
+                <a:rPr lang="zh-CN" altLang="en-US" sz="900" dirty="0" smtClean="0"/>
+                <a:t>个</a:t>
+              </a:r>
+              <a:r>
+                <a:rPr lang="en-US" altLang="zh-CN" sz="900" dirty="0" smtClean="0"/>
+                <a:t>void *</a:t>
+              </a:r>
+              <a:r>
+                <a:rPr lang="zh-CN" altLang="en-US" sz="900" dirty="0" smtClean="0"/>
+                <a:t>指针</a:t>
+              </a:r>
+              <a:endParaRPr lang="zh-CN" altLang="en-US" sz="900" dirty="0"/>
+            </a:p>
+          </p:txBody>
+        </p:sp>
+        <p:cxnSp>
+          <p:nvCxnSpPr>
+            <p:cNvPr id="79" name="直接箭头连接符 78"/>
+            <p:cNvCxnSpPr>
+              <a:stCxn id="54" idx="3"/>
+              <a:endCxn id="73" idx="1"/>
+            </p:cNvCxnSpPr>
+            <p:nvPr/>
+          </p:nvCxnSpPr>
+          <p:spPr>
+            <a:xfrm>
+              <a:off x="2647950" y="6354906"/>
+              <a:ext cx="695869" cy="1"/>
+            </a:xfrm>
+            <a:prstGeom prst="straightConnector1">
+              <a:avLst/>
+            </a:prstGeom>
+            <a:ln>
+              <a:tailEnd type="triangle"/>
+            </a:ln>
+          </p:spPr>
+          <p:style>
+            <a:lnRef idx="1">
+              <a:schemeClr val="accent1"/>
+            </a:lnRef>
+            <a:fillRef idx="0">
+              <a:schemeClr val="accent1"/>
+            </a:fillRef>
+            <a:effectRef idx="0">
+              <a:schemeClr val="accent1"/>
+            </a:effectRef>
+            <a:fontRef idx="minor">
+              <a:schemeClr val="tx1"/>
+            </a:fontRef>
+          </p:style>
+        </p:cxnSp>
+        <p:sp>
+          <p:nvSpPr>
+            <p:cNvPr id="81" name="矩形 80"/>
+            <p:cNvSpPr/>
+            <p:nvPr/>
+          </p:nvSpPr>
+          <p:spPr>
+            <a:xfrm>
+              <a:off x="6386972" y="6574128"/>
+              <a:ext cx="1240351" cy="335501"/>
+            </a:xfrm>
+            <a:prstGeom prst="rect">
+              <a:avLst/>
+            </a:prstGeom>
+            <a:noFill/>
+          </p:spPr>
+          <p:style>
+            <a:lnRef idx="2">
+              <a:schemeClr val="accent1">
+                <a:shade val="50000"/>
+              </a:schemeClr>
+            </a:lnRef>
+            <a:fillRef idx="1">
+              <a:schemeClr val="accent1"/>
+            </a:fillRef>
+            <a:effectRef idx="0">
+              <a:schemeClr val="accent1"/>
+            </a:effectRef>
+            <a:fontRef idx="minor">
+              <a:schemeClr val="lt1"/>
+            </a:fontRef>
+          </p:style>
+          <p:txBody>
+            <a:bodyPr rtlCol="0" anchor="ctr"/>
+            <a:lstStyle/>
+            <a:p>
+              <a:pPr algn="ctr"/>
+              <a:r>
+                <a:rPr lang="en-US" altLang="zh-CN" sz="1000" dirty="0" err="1" smtClean="0">
+                  <a:solidFill>
+                    <a:schemeClr val="tx1"/>
+                  </a:solidFill>
+                </a:rPr>
+                <a:t>ngx_http_core_loc_conf_t</a:t>
+              </a:r>
+              <a:endParaRPr lang="zh-CN" altLang="en-US" sz="1000" dirty="0">
+                <a:solidFill>
+                  <a:schemeClr val="tx1"/>
+                </a:solidFill>
+              </a:endParaRPr>
+            </a:p>
+          </p:txBody>
+        </p:sp>
+        <p:sp>
+          <p:nvSpPr>
+            <p:cNvPr id="82" name="文本框 81"/>
+            <p:cNvSpPr txBox="1"/>
+            <p:nvPr/>
+          </p:nvSpPr>
+          <p:spPr>
+            <a:xfrm>
+              <a:off x="6001998" y="6187155"/>
+              <a:ext cx="1985872" cy="369332"/>
+            </a:xfrm>
+            <a:prstGeom prst="rect">
+              <a:avLst/>
+            </a:prstGeom>
+            <a:noFill/>
+          </p:spPr>
+          <p:txBody>
+            <a:bodyPr wrap="square" rtlCol="0">
+              <a:spAutoFit/>
+            </a:bodyPr>
+            <a:lstStyle/>
+            <a:p>
+              <a:r>
+                <a:rPr lang="en-US" altLang="zh-CN" sz="900" dirty="0" err="1" smtClean="0"/>
+                <a:t>ngx_http_core_module</a:t>
+              </a:r>
+              <a:r>
+                <a:rPr lang="zh-CN" altLang="en-US" sz="900" dirty="0" smtClean="0"/>
+                <a:t>在</a:t>
+              </a:r>
+              <a:r>
+                <a:rPr lang="en-US" altLang="zh-CN" sz="900" dirty="0" err="1" smtClean="0"/>
+                <a:t>loc_conf</a:t>
+              </a:r>
+              <a:r>
+                <a:rPr lang="zh-CN" altLang="en-US" sz="900" dirty="0" smtClean="0"/>
+                <a:t>中对应的指针</a:t>
+              </a:r>
+              <a:endParaRPr lang="zh-CN" altLang="en-US" sz="900" dirty="0"/>
+            </a:p>
+          </p:txBody>
+        </p:sp>
+        <p:sp>
+          <p:nvSpPr>
+            <p:cNvPr id="83" name="矩形 82"/>
+            <p:cNvSpPr/>
+            <p:nvPr/>
+          </p:nvSpPr>
+          <p:spPr>
+            <a:xfrm>
+              <a:off x="6387945" y="6907821"/>
+              <a:ext cx="1239378" cy="335501"/>
+            </a:xfrm>
+            <a:prstGeom prst="rect">
+              <a:avLst/>
+            </a:prstGeom>
+            <a:noFill/>
+          </p:spPr>
+          <p:style>
+            <a:lnRef idx="2">
+              <a:schemeClr val="accent1">
+                <a:shade val="50000"/>
+              </a:schemeClr>
+            </a:lnRef>
+            <a:fillRef idx="1">
+              <a:schemeClr val="accent1"/>
+            </a:fillRef>
+            <a:effectRef idx="0">
+              <a:schemeClr val="accent1"/>
+            </a:effectRef>
+            <a:fontRef idx="minor">
+              <a:schemeClr val="lt1"/>
+            </a:fontRef>
+          </p:style>
+          <p:txBody>
+            <a:bodyPr rtlCol="0" anchor="ctr"/>
+            <a:lstStyle/>
+            <a:p>
+              <a:pPr algn="ctr"/>
+              <a:r>
+                <a:rPr lang="en-US" altLang="zh-CN" sz="1000" dirty="0" smtClean="0">
+                  <a:solidFill>
+                    <a:schemeClr val="tx1"/>
+                  </a:solidFill>
+                </a:rPr>
+                <a:t>void **</a:t>
+              </a:r>
+              <a:r>
+                <a:rPr lang="en-US" altLang="zh-CN" sz="1000" dirty="0" err="1" smtClean="0">
+                  <a:solidFill>
+                    <a:schemeClr val="tx1"/>
+                  </a:solidFill>
+                </a:rPr>
+                <a:t>loc_conf</a:t>
+              </a:r>
+              <a:endParaRPr lang="zh-CN" altLang="en-US" sz="1000" dirty="0">
+                <a:solidFill>
+                  <a:schemeClr val="tx1"/>
+                </a:solidFill>
+              </a:endParaRPr>
+            </a:p>
+          </p:txBody>
+        </p:sp>
+        <p:cxnSp>
+          <p:nvCxnSpPr>
+            <p:cNvPr id="85" name="肘形连接符 84"/>
+            <p:cNvCxnSpPr>
+              <a:stCxn id="83" idx="1"/>
+              <a:endCxn id="54" idx="1"/>
+            </p:cNvCxnSpPr>
+            <p:nvPr/>
+          </p:nvCxnSpPr>
+          <p:spPr>
+            <a:xfrm rot="10800000">
+              <a:off x="1395873" y="6354906"/>
+              <a:ext cx="4992073" cy="720666"/>
+            </a:xfrm>
+            <a:prstGeom prst="bentConnector3">
+              <a:avLst>
+                <a:gd name="adj1" fmla="val 104579"/>
+              </a:avLst>
+            </a:prstGeom>
+            <a:ln>
+              <a:tailEnd type="triangle"/>
+            </a:ln>
+          </p:spPr>
+          <p:style>
+            <a:lnRef idx="1">
+              <a:schemeClr val="accent1"/>
+            </a:lnRef>
+            <a:fillRef idx="0">
+              <a:schemeClr val="accent1"/>
+            </a:fillRef>
+            <a:effectRef idx="0">
+              <a:schemeClr val="accent1"/>
+            </a:effectRef>
+            <a:fontRef idx="minor">
+              <a:schemeClr val="tx1"/>
+            </a:fontRef>
+          </p:style>
+        </p:cxnSp>
+        <p:cxnSp>
+          <p:nvCxnSpPr>
+            <p:cNvPr id="87" name="肘形连接符 86"/>
+            <p:cNvCxnSpPr>
+              <a:stCxn id="74" idx="2"/>
+              <a:endCxn id="81" idx="1"/>
+            </p:cNvCxnSpPr>
+            <p:nvPr/>
+          </p:nvCxnSpPr>
+          <p:spPr>
+            <a:xfrm rot="16200000" flipH="1">
+              <a:off x="5172095" y="5527002"/>
+              <a:ext cx="219222" cy="2210531"/>
+            </a:xfrm>
+            <a:prstGeom prst="bentConnector2">
+              <a:avLst/>
+            </a:prstGeom>
+            <a:ln>
+              <a:tailEnd type="triangle"/>
+            </a:ln>
+          </p:spPr>
+          <p:style>
+            <a:lnRef idx="1">
+              <a:schemeClr val="accent1"/>
+            </a:lnRef>
+            <a:fillRef idx="0">
+              <a:schemeClr val="accent1"/>
+            </a:fillRef>
+            <a:effectRef idx="0">
+              <a:schemeClr val="accent1"/>
+            </a:effectRef>
+            <a:fontRef idx="minor">
+              <a:schemeClr val="tx1"/>
+            </a:fontRef>
+          </p:style>
+        </p:cxnSp>
+        <p:sp>
+          <p:nvSpPr>
+            <p:cNvPr id="88" name="矩形 87"/>
+            <p:cNvSpPr/>
+            <p:nvPr/>
+          </p:nvSpPr>
+          <p:spPr>
+            <a:xfrm>
+              <a:off x="3343819" y="4668270"/>
+              <a:ext cx="555081" cy="335501"/>
+            </a:xfrm>
+            <a:prstGeom prst="rect">
+              <a:avLst/>
+            </a:prstGeom>
+            <a:noFill/>
+          </p:spPr>
+          <p:style>
+            <a:lnRef idx="2">
+              <a:schemeClr val="accent1">
+                <a:shade val="50000"/>
+              </a:schemeClr>
+            </a:lnRef>
+            <a:fillRef idx="1">
+              <a:schemeClr val="accent1"/>
+            </a:fillRef>
+            <a:effectRef idx="0">
+              <a:schemeClr val="accent1"/>
+            </a:effectRef>
+            <a:fontRef idx="minor">
+              <a:schemeClr val="lt1"/>
+            </a:fontRef>
+          </p:style>
+          <p:txBody>
+            <a:bodyPr rtlCol="0" anchor="ctr"/>
+            <a:lstStyle/>
+            <a:p>
+              <a:pPr algn="ctr"/>
+              <a:r>
+                <a:rPr lang="en-US" altLang="zh-CN" sz="1000" dirty="0" smtClean="0">
+                  <a:solidFill>
+                    <a:schemeClr val="tx1"/>
+                  </a:solidFill>
+                </a:rPr>
+                <a:t>void *</a:t>
+              </a:r>
+              <a:endParaRPr lang="zh-CN" altLang="en-US" sz="1000" dirty="0">
+                <a:solidFill>
+                  <a:schemeClr val="tx1"/>
+                </a:solidFill>
+              </a:endParaRPr>
+            </a:p>
+          </p:txBody>
+        </p:sp>
+        <p:sp>
+          <p:nvSpPr>
+            <p:cNvPr id="89" name="矩形 88"/>
+            <p:cNvSpPr/>
+            <p:nvPr/>
+          </p:nvSpPr>
+          <p:spPr>
+            <a:xfrm>
+              <a:off x="3898900" y="4668270"/>
+              <a:ext cx="555081" cy="335501"/>
+            </a:xfrm>
+            <a:prstGeom prst="rect">
+              <a:avLst/>
+            </a:prstGeom>
+            <a:noFill/>
+          </p:spPr>
+          <p:style>
+            <a:lnRef idx="2">
+              <a:schemeClr val="accent1">
+                <a:shade val="50000"/>
+              </a:schemeClr>
+            </a:lnRef>
+            <a:fillRef idx="1">
+              <a:schemeClr val="accent1"/>
+            </a:fillRef>
+            <a:effectRef idx="0">
+              <a:schemeClr val="accent1"/>
+            </a:effectRef>
+            <a:fontRef idx="minor">
+              <a:schemeClr val="lt1"/>
+            </a:fontRef>
+          </p:style>
+          <p:txBody>
+            <a:bodyPr rtlCol="0" anchor="ctr"/>
+            <a:lstStyle/>
+            <a:p>
+              <a:pPr algn="ctr"/>
+              <a:r>
+                <a:rPr lang="en-US" altLang="zh-CN" sz="1000" dirty="0" smtClean="0">
+                  <a:solidFill>
+                    <a:schemeClr val="tx1"/>
+                  </a:solidFill>
+                </a:rPr>
+                <a:t>void *</a:t>
+              </a:r>
+              <a:endParaRPr lang="zh-CN" altLang="en-US" sz="1000" dirty="0">
+                <a:solidFill>
+                  <a:schemeClr val="tx1"/>
+                </a:solidFill>
+              </a:endParaRPr>
+            </a:p>
+          </p:txBody>
+        </p:sp>
+        <p:sp>
+          <p:nvSpPr>
+            <p:cNvPr id="90" name="矩形 89"/>
+            <p:cNvSpPr/>
+            <p:nvPr/>
+          </p:nvSpPr>
+          <p:spPr>
+            <a:xfrm>
+              <a:off x="4453981" y="4668270"/>
+              <a:ext cx="555081" cy="335501"/>
+            </a:xfrm>
+            <a:prstGeom prst="rect">
+              <a:avLst/>
+            </a:prstGeom>
+            <a:noFill/>
+          </p:spPr>
+          <p:style>
+            <a:lnRef idx="2">
+              <a:schemeClr val="accent1">
+                <a:shade val="50000"/>
+              </a:schemeClr>
+            </a:lnRef>
+            <a:fillRef idx="1">
+              <a:schemeClr val="accent1"/>
+            </a:fillRef>
+            <a:effectRef idx="0">
+              <a:schemeClr val="accent1"/>
+            </a:effectRef>
+            <a:fontRef idx="minor">
+              <a:schemeClr val="lt1"/>
+            </a:fontRef>
+          </p:style>
+          <p:txBody>
+            <a:bodyPr rtlCol="0" anchor="ctr"/>
+            <a:lstStyle/>
+            <a:p>
+              <a:pPr algn="ctr"/>
+              <a:r>
+                <a:rPr lang="en-US" altLang="zh-CN" sz="1000" dirty="0" smtClean="0">
+                  <a:solidFill>
+                    <a:schemeClr val="tx1"/>
+                  </a:solidFill>
+                </a:rPr>
+                <a:t>…</a:t>
+              </a:r>
+              <a:endParaRPr lang="zh-CN" altLang="en-US" sz="1000" dirty="0">
+                <a:solidFill>
+                  <a:schemeClr val="tx1"/>
+                </a:solidFill>
+              </a:endParaRPr>
+            </a:p>
+          </p:txBody>
+        </p:sp>
+        <p:sp>
+          <p:nvSpPr>
+            <p:cNvPr id="91" name="矩形 90"/>
+            <p:cNvSpPr/>
+            <p:nvPr/>
+          </p:nvSpPr>
+          <p:spPr>
+            <a:xfrm>
+              <a:off x="5009062" y="4668270"/>
+              <a:ext cx="555081" cy="335501"/>
+            </a:xfrm>
+            <a:prstGeom prst="rect">
+              <a:avLst/>
+            </a:prstGeom>
+            <a:noFill/>
+          </p:spPr>
+          <p:style>
+            <a:lnRef idx="2">
+              <a:schemeClr val="accent1">
+                <a:shade val="50000"/>
+              </a:schemeClr>
+            </a:lnRef>
+            <a:fillRef idx="1">
+              <a:schemeClr val="accent1"/>
+            </a:fillRef>
+            <a:effectRef idx="0">
+              <a:schemeClr val="accent1"/>
+            </a:effectRef>
+            <a:fontRef idx="minor">
+              <a:schemeClr val="lt1"/>
+            </a:fontRef>
+          </p:style>
+          <p:txBody>
+            <a:bodyPr rtlCol="0" anchor="ctr"/>
+            <a:lstStyle/>
+            <a:p>
+              <a:pPr algn="ctr"/>
+              <a:r>
+                <a:rPr lang="en-US" altLang="zh-CN" sz="1000" dirty="0" smtClean="0">
+                  <a:solidFill>
+                    <a:schemeClr val="tx1"/>
+                  </a:solidFill>
+                </a:rPr>
+                <a:t>void *</a:t>
+              </a:r>
+              <a:endParaRPr lang="zh-CN" altLang="en-US" sz="1000" dirty="0">
+                <a:solidFill>
+                  <a:schemeClr val="tx1"/>
+                </a:solidFill>
+              </a:endParaRPr>
+            </a:p>
+          </p:txBody>
+        </p:sp>
+        <p:sp>
+          <p:nvSpPr>
+            <p:cNvPr id="92" name="文本框 91"/>
+            <p:cNvSpPr txBox="1"/>
+            <p:nvPr/>
+          </p:nvSpPr>
+          <p:spPr>
+            <a:xfrm>
+              <a:off x="3461045" y="4385104"/>
+              <a:ext cx="1985872" cy="230832"/>
+            </a:xfrm>
+            <a:prstGeom prst="rect">
+              <a:avLst/>
+            </a:prstGeom>
+            <a:noFill/>
+          </p:spPr>
+          <p:txBody>
+            <a:bodyPr wrap="square" rtlCol="0">
+              <a:spAutoFit/>
+            </a:bodyPr>
+            <a:lstStyle/>
+            <a:p>
+              <a:r>
+                <a:rPr lang="en-US" altLang="zh-CN" sz="900" dirty="0" err="1" smtClean="0"/>
+                <a:t>ngx_http_max_module</a:t>
+              </a:r>
+              <a:r>
+                <a:rPr lang="zh-CN" altLang="en-US" sz="900" dirty="0" smtClean="0"/>
+                <a:t>个</a:t>
+              </a:r>
+              <a:r>
+                <a:rPr lang="en-US" altLang="zh-CN" sz="900" dirty="0" smtClean="0"/>
+                <a:t>void *</a:t>
+              </a:r>
+              <a:r>
+                <a:rPr lang="zh-CN" altLang="en-US" sz="900" dirty="0" smtClean="0"/>
+                <a:t>指针</a:t>
+              </a:r>
+              <a:endParaRPr lang="zh-CN" altLang="en-US" sz="900" dirty="0"/>
+            </a:p>
+          </p:txBody>
+        </p:sp>
+        <p:cxnSp>
+          <p:nvCxnSpPr>
+            <p:cNvPr id="94" name="肘形连接符 93"/>
+            <p:cNvCxnSpPr>
+              <a:stCxn id="21" idx="3"/>
+              <a:endCxn id="88" idx="1"/>
+            </p:cNvCxnSpPr>
+            <p:nvPr/>
+          </p:nvCxnSpPr>
+          <p:spPr>
+            <a:xfrm>
+              <a:off x="2647950" y="4053025"/>
+              <a:ext cx="695869" cy="782996"/>
+            </a:xfrm>
+            <a:prstGeom prst="bentConnector3">
+              <a:avLst/>
+            </a:prstGeom>
+            <a:ln>
+              <a:tailEnd type="triangle"/>
+            </a:ln>
+          </p:spPr>
+          <p:style>
+            <a:lnRef idx="1">
+              <a:schemeClr val="accent1"/>
+            </a:lnRef>
+            <a:fillRef idx="0">
+              <a:schemeClr val="accent1"/>
+            </a:fillRef>
+            <a:effectRef idx="0">
+              <a:schemeClr val="accent1"/>
+            </a:effectRef>
+            <a:fontRef idx="minor">
+              <a:schemeClr val="tx1"/>
+            </a:fontRef>
+          </p:style>
+        </p:cxnSp>
+        <p:sp>
+          <p:nvSpPr>
+            <p:cNvPr id="95" name="矩形 94"/>
+            <p:cNvSpPr/>
+            <p:nvPr/>
+          </p:nvSpPr>
+          <p:spPr>
+            <a:xfrm>
+              <a:off x="6386972" y="5145407"/>
+              <a:ext cx="1240351" cy="335501"/>
+            </a:xfrm>
+            <a:prstGeom prst="rect">
+              <a:avLst/>
+            </a:prstGeom>
+            <a:noFill/>
+          </p:spPr>
+          <p:style>
+            <a:lnRef idx="2">
+              <a:schemeClr val="accent1">
+                <a:shade val="50000"/>
+              </a:schemeClr>
+            </a:lnRef>
+            <a:fillRef idx="1">
+              <a:schemeClr val="accent1"/>
+            </a:fillRef>
+            <a:effectRef idx="0">
+              <a:schemeClr val="accent1"/>
+            </a:effectRef>
+            <a:fontRef idx="minor">
+              <a:schemeClr val="lt1"/>
+            </a:fontRef>
+          </p:style>
+          <p:txBody>
+            <a:bodyPr rtlCol="0" anchor="ctr"/>
+            <a:lstStyle/>
+            <a:p>
+              <a:pPr algn="ctr"/>
+              <a:r>
+                <a:rPr lang="en-US" altLang="zh-CN" sz="1000" dirty="0" err="1" smtClean="0">
+                  <a:solidFill>
+                    <a:schemeClr val="tx1"/>
+                  </a:solidFill>
+                </a:rPr>
+                <a:t>ngx_http_core_loc_conf_t</a:t>
+              </a:r>
+              <a:endParaRPr lang="zh-CN" altLang="en-US" sz="1000" dirty="0">
+                <a:solidFill>
+                  <a:schemeClr val="tx1"/>
+                </a:solidFill>
+              </a:endParaRPr>
+            </a:p>
+          </p:txBody>
+        </p:sp>
+        <p:sp>
+          <p:nvSpPr>
+            <p:cNvPr id="96" name="文本框 95"/>
+            <p:cNvSpPr txBox="1"/>
+            <p:nvPr/>
+          </p:nvSpPr>
+          <p:spPr>
+            <a:xfrm>
+              <a:off x="6001998" y="4758434"/>
+              <a:ext cx="1985872" cy="369332"/>
+            </a:xfrm>
+            <a:prstGeom prst="rect">
+              <a:avLst/>
+            </a:prstGeom>
+            <a:noFill/>
+          </p:spPr>
+          <p:txBody>
+            <a:bodyPr wrap="square" rtlCol="0">
+              <a:spAutoFit/>
+            </a:bodyPr>
+            <a:lstStyle/>
+            <a:p>
+              <a:r>
+                <a:rPr lang="en-US" altLang="zh-CN" sz="900" dirty="0" err="1" smtClean="0"/>
+                <a:t>ngx_http_core_module</a:t>
+              </a:r>
+              <a:r>
+                <a:rPr lang="zh-CN" altLang="en-US" sz="900" dirty="0" smtClean="0"/>
+                <a:t>在</a:t>
+              </a:r>
+              <a:r>
+                <a:rPr lang="en-US" altLang="zh-CN" sz="900" dirty="0" err="1" smtClean="0"/>
+                <a:t>loc_conf</a:t>
+              </a:r>
+              <a:r>
+                <a:rPr lang="zh-CN" altLang="en-US" sz="900" dirty="0" smtClean="0"/>
+                <a:t>中对应的指针</a:t>
+              </a:r>
+              <a:endParaRPr lang="zh-CN" altLang="en-US" sz="900" dirty="0"/>
+            </a:p>
+          </p:txBody>
+        </p:sp>
+        <p:sp>
+          <p:nvSpPr>
+            <p:cNvPr id="97" name="矩形 96"/>
+            <p:cNvSpPr/>
+            <p:nvPr/>
+          </p:nvSpPr>
+          <p:spPr>
+            <a:xfrm>
+              <a:off x="6387945" y="5479100"/>
+              <a:ext cx="1239378" cy="335501"/>
+            </a:xfrm>
+            <a:prstGeom prst="rect">
+              <a:avLst/>
+            </a:prstGeom>
+            <a:noFill/>
+          </p:spPr>
+          <p:style>
+            <a:lnRef idx="2">
+              <a:schemeClr val="accent1">
+                <a:shade val="50000"/>
+              </a:schemeClr>
+            </a:lnRef>
+            <a:fillRef idx="1">
+              <a:schemeClr val="accent1"/>
+            </a:fillRef>
+            <a:effectRef idx="0">
+              <a:schemeClr val="accent1"/>
+            </a:effectRef>
+            <a:fontRef idx="minor">
+              <a:schemeClr val="lt1"/>
+            </a:fontRef>
+          </p:style>
+          <p:txBody>
+            <a:bodyPr rtlCol="0" anchor="ctr"/>
+            <a:lstStyle/>
+            <a:p>
+              <a:pPr algn="ctr"/>
+              <a:r>
+                <a:rPr lang="en-US" altLang="zh-CN" sz="1000" dirty="0" err="1" smtClean="0">
+                  <a:solidFill>
+                    <a:schemeClr val="tx1"/>
+                  </a:solidFill>
+                </a:rPr>
+                <a:t>ngx_queue_t</a:t>
+              </a:r>
+              <a:r>
+                <a:rPr lang="en-US" altLang="zh-CN" sz="1000" dirty="0" smtClean="0">
+                  <a:solidFill>
+                    <a:schemeClr val="tx1"/>
+                  </a:solidFill>
+                </a:rPr>
+                <a:t> *locations</a:t>
+              </a:r>
+              <a:endParaRPr lang="zh-CN" altLang="en-US" sz="1000" dirty="0">
+                <a:solidFill>
+                  <a:schemeClr val="tx1"/>
+                </a:solidFill>
+              </a:endParaRPr>
+            </a:p>
+          </p:txBody>
+        </p:sp>
+        <p:cxnSp>
+          <p:nvCxnSpPr>
+            <p:cNvPr id="99" name="肘形连接符 98"/>
+            <p:cNvCxnSpPr>
+              <a:stCxn id="89" idx="2"/>
+              <a:endCxn id="95" idx="1"/>
+            </p:cNvCxnSpPr>
+            <p:nvPr/>
+          </p:nvCxnSpPr>
+          <p:spPr>
+            <a:xfrm rot="16200000" flipH="1">
+              <a:off x="5127013" y="4053198"/>
+              <a:ext cx="309387" cy="2210531"/>
+            </a:xfrm>
+            <a:prstGeom prst="bentConnector2">
+              <a:avLst/>
+            </a:prstGeom>
+            <a:ln>
+              <a:tailEnd type="triangle"/>
+            </a:ln>
+          </p:spPr>
+          <p:style>
+            <a:lnRef idx="1">
+              <a:schemeClr val="accent1"/>
+            </a:lnRef>
+            <a:fillRef idx="0">
+              <a:schemeClr val="accent1"/>
+            </a:fillRef>
+            <a:effectRef idx="0">
+              <a:schemeClr val="accent1"/>
+            </a:effectRef>
+            <a:fontRef idx="minor">
+              <a:schemeClr val="tx1"/>
+            </a:fontRef>
+          </p:style>
+        </p:cxnSp>
+        <p:sp>
+          <p:nvSpPr>
+            <p:cNvPr id="107" name="矩形 106"/>
+            <p:cNvSpPr/>
+            <p:nvPr/>
+          </p:nvSpPr>
+          <p:spPr>
+            <a:xfrm>
+              <a:off x="8018610" y="5479100"/>
+              <a:ext cx="1163490" cy="335501"/>
+            </a:xfrm>
+            <a:prstGeom prst="rect">
+              <a:avLst/>
+            </a:prstGeom>
+            <a:noFill/>
+          </p:spPr>
+          <p:style>
+            <a:lnRef idx="2">
+              <a:schemeClr val="accent1">
+                <a:shade val="50000"/>
+              </a:schemeClr>
+            </a:lnRef>
+            <a:fillRef idx="1">
+              <a:schemeClr val="accent1"/>
+            </a:fillRef>
+            <a:effectRef idx="0">
+              <a:schemeClr val="accent1"/>
+            </a:effectRef>
+            <a:fontRef idx="minor">
+              <a:schemeClr val="lt1"/>
+            </a:fontRef>
+          </p:style>
+          <p:txBody>
+            <a:bodyPr rtlCol="0" anchor="ctr"/>
+            <a:lstStyle/>
+            <a:p>
+              <a:pPr algn="ctr"/>
+              <a:r>
+                <a:rPr lang="en-US" altLang="zh-CN" sz="1000" dirty="0" err="1" smtClean="0">
+                  <a:solidFill>
+                    <a:schemeClr val="tx1"/>
+                  </a:solidFill>
+                </a:rPr>
+                <a:t>ngx_http_location_queue_t</a:t>
+              </a:r>
+              <a:endParaRPr lang="zh-CN" altLang="en-US" sz="1000" dirty="0">
+                <a:solidFill>
+                  <a:schemeClr val="tx1"/>
+                </a:solidFill>
+              </a:endParaRPr>
+            </a:p>
+          </p:txBody>
+        </p:sp>
+        <p:cxnSp>
+          <p:nvCxnSpPr>
+            <p:cNvPr id="109" name="直接箭头连接符 108"/>
+            <p:cNvCxnSpPr>
+              <a:stCxn id="97" idx="3"/>
+              <a:endCxn id="107" idx="1"/>
+            </p:cNvCxnSpPr>
+            <p:nvPr/>
+          </p:nvCxnSpPr>
+          <p:spPr>
+            <a:xfrm>
+              <a:off x="7627323" y="5646851"/>
+              <a:ext cx="391287" cy="0"/>
+            </a:xfrm>
+            <a:prstGeom prst="straightConnector1">
+              <a:avLst/>
+            </a:prstGeom>
+            <a:ln>
+              <a:tailEnd type="triangle"/>
+            </a:ln>
+          </p:spPr>
+          <p:style>
+            <a:lnRef idx="1">
+              <a:schemeClr val="accent1"/>
+            </a:lnRef>
+            <a:fillRef idx="0">
+              <a:schemeClr val="accent1"/>
+            </a:fillRef>
+            <a:effectRef idx="0">
+              <a:schemeClr val="accent1"/>
+            </a:effectRef>
+            <a:fontRef idx="minor">
+              <a:schemeClr val="tx1"/>
+            </a:fontRef>
+          </p:style>
+        </p:cxnSp>
+        <p:sp>
+          <p:nvSpPr>
+            <p:cNvPr id="110" name="矩形 109"/>
+            <p:cNvSpPr/>
+            <p:nvPr/>
+          </p:nvSpPr>
+          <p:spPr>
+            <a:xfrm>
+              <a:off x="9573387" y="5479099"/>
+              <a:ext cx="1163490" cy="335501"/>
+            </a:xfrm>
+            <a:prstGeom prst="rect">
+              <a:avLst/>
+            </a:prstGeom>
+            <a:noFill/>
+          </p:spPr>
+          <p:style>
+            <a:lnRef idx="2">
+              <a:schemeClr val="accent1">
+                <a:shade val="50000"/>
+              </a:schemeClr>
+            </a:lnRef>
+            <a:fillRef idx="1">
+              <a:schemeClr val="accent1"/>
+            </a:fillRef>
+            <a:effectRef idx="0">
+              <a:schemeClr val="accent1"/>
+            </a:effectRef>
+            <a:fontRef idx="minor">
+              <a:schemeClr val="lt1"/>
+            </a:fontRef>
+          </p:style>
+          <p:txBody>
+            <a:bodyPr rtlCol="0" anchor="ctr"/>
+            <a:lstStyle/>
+            <a:p>
+              <a:pPr algn="ctr"/>
+              <a:r>
+                <a:rPr lang="en-US" altLang="zh-CN" sz="1000" dirty="0" err="1" smtClean="0">
+                  <a:solidFill>
+                    <a:schemeClr val="tx1"/>
+                  </a:solidFill>
+                </a:rPr>
+                <a:t>ngx_http_location_queue_t</a:t>
+              </a:r>
+              <a:endParaRPr lang="zh-CN" altLang="en-US" sz="1000" dirty="0">
+                <a:solidFill>
+                  <a:schemeClr val="tx1"/>
+                </a:solidFill>
+              </a:endParaRPr>
+            </a:p>
+          </p:txBody>
+        </p:sp>
+        <p:cxnSp>
+          <p:nvCxnSpPr>
+            <p:cNvPr id="112" name="直接箭头连接符 111"/>
+            <p:cNvCxnSpPr>
+              <a:stCxn id="107" idx="3"/>
+              <a:endCxn id="110" idx="1"/>
+            </p:cNvCxnSpPr>
+            <p:nvPr/>
+          </p:nvCxnSpPr>
+          <p:spPr>
+            <a:xfrm flipV="1">
+              <a:off x="9182100" y="5646850"/>
+              <a:ext cx="391287" cy="1"/>
+            </a:xfrm>
+            <a:prstGeom prst="straightConnector1">
+              <a:avLst/>
+            </a:prstGeom>
+            <a:ln>
+              <a:tailEnd type="triangle"/>
+            </a:ln>
+          </p:spPr>
+          <p:style>
+            <a:lnRef idx="1">
+              <a:schemeClr val="accent1"/>
+            </a:lnRef>
+            <a:fillRef idx="0">
+              <a:schemeClr val="accent1"/>
+            </a:fillRef>
+            <a:effectRef idx="0">
+              <a:schemeClr val="accent1"/>
+            </a:effectRef>
+            <a:fontRef idx="minor">
+              <a:schemeClr val="tx1"/>
+            </a:fontRef>
+          </p:style>
+        </p:cxnSp>
+        <p:sp>
+          <p:nvSpPr>
+            <p:cNvPr id="113" name="矩形 112"/>
+            <p:cNvSpPr/>
+            <p:nvPr/>
+          </p:nvSpPr>
+          <p:spPr>
+            <a:xfrm>
+              <a:off x="8018610" y="5812078"/>
+              <a:ext cx="1163490" cy="335501"/>
+            </a:xfrm>
+            <a:prstGeom prst="rect">
+              <a:avLst/>
+            </a:prstGeom>
+            <a:noFill/>
+          </p:spPr>
+          <p:style>
+            <a:lnRef idx="2">
+              <a:schemeClr val="accent1">
+                <a:shade val="50000"/>
+              </a:schemeClr>
+            </a:lnRef>
+            <a:fillRef idx="1">
+              <a:schemeClr val="accent1"/>
+            </a:fillRef>
+            <a:effectRef idx="0">
+              <a:schemeClr val="accent1"/>
+            </a:effectRef>
+            <a:fontRef idx="minor">
+              <a:schemeClr val="lt1"/>
+            </a:fontRef>
+          </p:style>
+          <p:txBody>
+            <a:bodyPr rtlCol="0" anchor="ctr"/>
+            <a:lstStyle/>
+            <a:p>
+              <a:pPr algn="ctr"/>
+              <a:r>
+                <a:rPr lang="en-US" altLang="zh-CN" sz="1000" dirty="0" err="1" smtClean="0">
+                  <a:solidFill>
+                    <a:schemeClr val="tx1"/>
+                  </a:solidFill>
+                </a:rPr>
+                <a:t>ngx_http_core_loc_conf_t</a:t>
+              </a:r>
+              <a:r>
+                <a:rPr lang="en-US" altLang="zh-CN" sz="1000" dirty="0" smtClean="0">
+                  <a:solidFill>
+                    <a:schemeClr val="tx1"/>
+                  </a:solidFill>
+                </a:rPr>
+                <a:t> *exact</a:t>
+              </a:r>
+              <a:endParaRPr lang="zh-CN" altLang="en-US" sz="1000" dirty="0">
+                <a:solidFill>
+                  <a:schemeClr val="tx1"/>
+                </a:solidFill>
+              </a:endParaRPr>
+            </a:p>
+          </p:txBody>
+        </p:sp>
+        <p:sp>
+          <p:nvSpPr>
+            <p:cNvPr id="114" name="矩形 113"/>
+            <p:cNvSpPr/>
+            <p:nvPr/>
+          </p:nvSpPr>
+          <p:spPr>
+            <a:xfrm>
+              <a:off x="8018610" y="6139529"/>
+              <a:ext cx="1163490" cy="335501"/>
+            </a:xfrm>
+            <a:prstGeom prst="rect">
+              <a:avLst/>
+            </a:prstGeom>
+            <a:noFill/>
+          </p:spPr>
+          <p:style>
+            <a:lnRef idx="2">
+              <a:schemeClr val="accent1">
+                <a:shade val="50000"/>
+              </a:schemeClr>
+            </a:lnRef>
+            <a:fillRef idx="1">
+              <a:schemeClr val="accent1"/>
+            </a:fillRef>
+            <a:effectRef idx="0">
+              <a:schemeClr val="accent1"/>
+            </a:effectRef>
+            <a:fontRef idx="minor">
+              <a:schemeClr val="lt1"/>
+            </a:fontRef>
+          </p:style>
+          <p:txBody>
+            <a:bodyPr rtlCol="0" anchor="ctr"/>
+            <a:lstStyle/>
+            <a:p>
+              <a:pPr algn="ctr"/>
+              <a:r>
+                <a:rPr lang="en-US" altLang="zh-CN" sz="1000" dirty="0" err="1" smtClean="0">
+                  <a:solidFill>
+                    <a:schemeClr val="tx1"/>
+                  </a:solidFill>
+                </a:rPr>
+                <a:t>ngx_http_core_loc_conf_t</a:t>
+              </a:r>
+              <a:r>
+                <a:rPr lang="en-US" altLang="zh-CN" sz="1000" dirty="0" smtClean="0">
+                  <a:solidFill>
+                    <a:schemeClr val="tx1"/>
+                  </a:solidFill>
+                </a:rPr>
+                <a:t> *inclusive</a:t>
+              </a:r>
+              <a:endParaRPr lang="zh-CN" altLang="en-US" sz="1000" dirty="0">
+                <a:solidFill>
+                  <a:schemeClr val="tx1"/>
+                </a:solidFill>
+              </a:endParaRPr>
+            </a:p>
+          </p:txBody>
+        </p:sp>
+        <p:cxnSp>
+          <p:nvCxnSpPr>
+            <p:cNvPr id="116" name="肘形连接符 115"/>
+            <p:cNvCxnSpPr>
+              <a:stCxn id="113" idx="1"/>
+              <a:endCxn id="81" idx="3"/>
+            </p:cNvCxnSpPr>
+            <p:nvPr/>
+          </p:nvCxnSpPr>
+          <p:spPr>
+            <a:xfrm rot="10800000" flipV="1">
+              <a:off x="7627324" y="5979829"/>
+              <a:ext cx="391287" cy="762050"/>
+            </a:xfrm>
+            <a:prstGeom prst="bentConnector3">
+              <a:avLst/>
+            </a:prstGeom>
+            <a:ln>
+              <a:tailEnd type="triangle"/>
+            </a:ln>
+          </p:spPr>
+          <p:style>
+            <a:lnRef idx="1">
+              <a:schemeClr val="accent1"/>
+            </a:lnRef>
+            <a:fillRef idx="0">
+              <a:schemeClr val="accent1"/>
+            </a:fillRef>
+            <a:effectRef idx="0">
+              <a:schemeClr val="accent1"/>
+            </a:effectRef>
+            <a:fontRef idx="minor">
+              <a:schemeClr val="tx1"/>
+            </a:fontRef>
+          </p:style>
+        </p:cxnSp>
+        <p:cxnSp>
+          <p:nvCxnSpPr>
+            <p:cNvPr id="118" name="肘形连接符 117"/>
+            <p:cNvCxnSpPr>
+              <a:stCxn id="114" idx="1"/>
+              <a:endCxn id="81" idx="3"/>
+            </p:cNvCxnSpPr>
+            <p:nvPr/>
+          </p:nvCxnSpPr>
+          <p:spPr>
+            <a:xfrm rot="10800000" flipV="1">
+              <a:off x="7627324" y="6307279"/>
+              <a:ext cx="391287" cy="434599"/>
+            </a:xfrm>
+            <a:prstGeom prst="bentConnector3">
+              <a:avLst/>
+            </a:prstGeom>
+            <a:ln>
+              <a:tailEnd type="triangle"/>
+            </a:ln>
+          </p:spPr>
+          <p:style>
+            <a:lnRef idx="1">
+              <a:schemeClr val="accent1"/>
+            </a:lnRef>
+            <a:fillRef idx="0">
+              <a:schemeClr val="accent1"/>
+            </a:fillRef>
+            <a:effectRef idx="0">
+              <a:schemeClr val="accent1"/>
+            </a:effectRef>
+            <a:fontRef idx="minor">
+              <a:schemeClr val="tx1"/>
+            </a:fontRef>
+          </p:style>
+        </p:cxnSp>
+        <p:sp>
+          <p:nvSpPr>
+            <p:cNvPr id="119" name="文本框 118"/>
+            <p:cNvSpPr txBox="1"/>
+            <p:nvPr/>
+          </p:nvSpPr>
+          <p:spPr>
+            <a:xfrm>
+              <a:off x="7873764" y="6615292"/>
+              <a:ext cx="1565511" cy="784830"/>
+            </a:xfrm>
+            <a:prstGeom prst="rect">
+              <a:avLst/>
+            </a:prstGeom>
+            <a:noFill/>
+          </p:spPr>
+          <p:txBody>
+            <a:bodyPr wrap="square" rtlCol="0">
+              <a:spAutoFit/>
+            </a:bodyPr>
+            <a:lstStyle/>
+            <a:p>
+              <a:r>
+                <a:rPr lang="en-US" altLang="zh-CN" sz="900" dirty="0" smtClean="0"/>
+                <a:t>exact</a:t>
+              </a:r>
+              <a:r>
+                <a:rPr lang="zh-CN" altLang="en-US" sz="900" dirty="0" smtClean="0"/>
+                <a:t>和</a:t>
+              </a:r>
+              <a:r>
+                <a:rPr lang="en-US" altLang="zh-CN" sz="900" dirty="0" smtClean="0"/>
+                <a:t>inclusive</a:t>
+              </a:r>
+              <a:r>
+                <a:rPr lang="zh-CN" altLang="en-US" sz="900" dirty="0" smtClean="0"/>
+                <a:t>都指向</a:t>
+              </a:r>
+              <a:r>
+                <a:rPr lang="en-US" altLang="zh-CN" sz="900" dirty="0" err="1" smtClean="0"/>
+                <a:t>ngx_http_core_loc_conf_t</a:t>
+              </a:r>
+              <a:r>
+                <a:rPr lang="zh-CN" altLang="en-US" sz="900" dirty="0" smtClean="0"/>
+                <a:t>，但具体用哪个指针，取决于</a:t>
+              </a:r>
+              <a:r>
+                <a:rPr lang="en-US" altLang="zh-CN" sz="900" dirty="0" smtClean="0"/>
+                <a:t>location</a:t>
+              </a:r>
+              <a:r>
+                <a:rPr lang="zh-CN" altLang="en-US" sz="900" dirty="0" smtClean="0"/>
+                <a:t>是精确匹配还是模糊匹配</a:t>
+              </a:r>
+              <a:endParaRPr lang="zh-CN" altLang="en-US" sz="900" dirty="0"/>
+            </a:p>
+          </p:txBody>
+        </p:sp>
+      </p:grpSp>
     </p:spTree>
     <p:extLst>
       <p:ext uri="{BB962C8B-B14F-4D97-AF65-F5344CB8AC3E}">
@@ -9101,6 +12212,13 @@
   <p:clrMapOvr>
     <a:masterClrMapping/>
   </p:clrMapOvr>
+  <p:timing>
+    <p:tnLst>
+      <p:par>
+        <p:cTn id="1" dur="indefinite" restart="never" nodeType="tmRoot"/>
+      </p:par>
+    </p:tnLst>
+  </p:timing>
 </p:sld>
 </file>
 

--- a/学习笔记/ngx数据结构关系图.pptx
+++ b/学习笔记/ngx数据结构关系图.pptx
@@ -246,7 +246,7 @@
           <a:p>
             <a:fld id="{8812C557-E94C-4C6F-A3B3-D1AB649871E9}" type="datetimeFigureOut">
               <a:rPr lang="zh-CN" altLang="en-US" smtClean="0"/>
-              <a:t>2019/11/5</a:t>
+              <a:t>2019/11/14</a:t>
             </a:fld>
             <a:endParaRPr lang="zh-CN" altLang="en-US"/>
           </a:p>
@@ -416,7 +416,7 @@
           <a:p>
             <a:fld id="{8812C557-E94C-4C6F-A3B3-D1AB649871E9}" type="datetimeFigureOut">
               <a:rPr lang="zh-CN" altLang="en-US" smtClean="0"/>
-              <a:t>2019/11/5</a:t>
+              <a:t>2019/11/14</a:t>
             </a:fld>
             <a:endParaRPr lang="zh-CN" altLang="en-US"/>
           </a:p>
@@ -596,7 +596,7 @@
           <a:p>
             <a:fld id="{8812C557-E94C-4C6F-A3B3-D1AB649871E9}" type="datetimeFigureOut">
               <a:rPr lang="zh-CN" altLang="en-US" smtClean="0"/>
-              <a:t>2019/11/5</a:t>
+              <a:t>2019/11/14</a:t>
             </a:fld>
             <a:endParaRPr lang="zh-CN" altLang="en-US"/>
           </a:p>
@@ -766,7 +766,7 @@
           <a:p>
             <a:fld id="{8812C557-E94C-4C6F-A3B3-D1AB649871E9}" type="datetimeFigureOut">
               <a:rPr lang="zh-CN" altLang="en-US" smtClean="0"/>
-              <a:t>2019/11/5</a:t>
+              <a:t>2019/11/14</a:t>
             </a:fld>
             <a:endParaRPr lang="zh-CN" altLang="en-US"/>
           </a:p>
@@ -1012,7 +1012,7 @@
           <a:p>
             <a:fld id="{8812C557-E94C-4C6F-A3B3-D1AB649871E9}" type="datetimeFigureOut">
               <a:rPr lang="zh-CN" altLang="en-US" smtClean="0"/>
-              <a:t>2019/11/5</a:t>
+              <a:t>2019/11/14</a:t>
             </a:fld>
             <a:endParaRPr lang="zh-CN" altLang="en-US"/>
           </a:p>
@@ -1244,7 +1244,7 @@
           <a:p>
             <a:fld id="{8812C557-E94C-4C6F-A3B3-D1AB649871E9}" type="datetimeFigureOut">
               <a:rPr lang="zh-CN" altLang="en-US" smtClean="0"/>
-              <a:t>2019/11/5</a:t>
+              <a:t>2019/11/14</a:t>
             </a:fld>
             <a:endParaRPr lang="zh-CN" altLang="en-US"/>
           </a:p>
@@ -1611,7 +1611,7 @@
           <a:p>
             <a:fld id="{8812C557-E94C-4C6F-A3B3-D1AB649871E9}" type="datetimeFigureOut">
               <a:rPr lang="zh-CN" altLang="en-US" smtClean="0"/>
-              <a:t>2019/11/5</a:t>
+              <a:t>2019/11/14</a:t>
             </a:fld>
             <a:endParaRPr lang="zh-CN" altLang="en-US"/>
           </a:p>
@@ -1729,7 +1729,7 @@
           <a:p>
             <a:fld id="{8812C557-E94C-4C6F-A3B3-D1AB649871E9}" type="datetimeFigureOut">
               <a:rPr lang="zh-CN" altLang="en-US" smtClean="0"/>
-              <a:t>2019/11/5</a:t>
+              <a:t>2019/11/14</a:t>
             </a:fld>
             <a:endParaRPr lang="zh-CN" altLang="en-US"/>
           </a:p>
@@ -1824,7 +1824,7 @@
           <a:p>
             <a:fld id="{8812C557-E94C-4C6F-A3B3-D1AB649871E9}" type="datetimeFigureOut">
               <a:rPr lang="zh-CN" altLang="en-US" smtClean="0"/>
-              <a:t>2019/11/5</a:t>
+              <a:t>2019/11/14</a:t>
             </a:fld>
             <a:endParaRPr lang="zh-CN" altLang="en-US"/>
           </a:p>
@@ -2101,7 +2101,7 @@
           <a:p>
             <a:fld id="{8812C557-E94C-4C6F-A3B3-D1AB649871E9}" type="datetimeFigureOut">
               <a:rPr lang="zh-CN" altLang="en-US" smtClean="0"/>
-              <a:t>2019/11/5</a:t>
+              <a:t>2019/11/14</a:t>
             </a:fld>
             <a:endParaRPr lang="zh-CN" altLang="en-US"/>
           </a:p>
@@ -2354,7 +2354,7 @@
           <a:p>
             <a:fld id="{8812C557-E94C-4C6F-A3B3-D1AB649871E9}" type="datetimeFigureOut">
               <a:rPr lang="zh-CN" altLang="en-US" smtClean="0"/>
-              <a:t>2019/11/5</a:t>
+              <a:t>2019/11/14</a:t>
             </a:fld>
             <a:endParaRPr lang="zh-CN" altLang="en-US"/>
           </a:p>
@@ -2567,7 +2567,7 @@
           <a:p>
             <a:fld id="{8812C557-E94C-4C6F-A3B3-D1AB649871E9}" type="datetimeFigureOut">
               <a:rPr lang="zh-CN" altLang="en-US" smtClean="0"/>
-              <a:t>2019/11/5</a:t>
+              <a:t>2019/11/14</a:t>
             </a:fld>
             <a:endParaRPr lang="zh-CN" altLang="en-US"/>
           </a:p>
@@ -8513,7 +8513,7 @@
       </p:grpSpPr>
       <p:grpSp>
         <p:nvGrpSpPr>
-          <p:cNvPr id="120" name="组合 119"/>
+          <p:cNvPr id="28" name="组合 27"/>
           <p:cNvGrpSpPr/>
           <p:nvPr/>
         </p:nvGrpSpPr>
@@ -9922,12 +9922,12 @@
                 <a:t> </a:t>
               </a:r>
               <a:r>
-                <a:rPr lang="en-US" altLang="zh-CN" sz="1000" dirty="0" err="1" smtClean="0">
+                <a:rPr lang="en-US" altLang="zh-CN" sz="1000" dirty="0" smtClean="0">
                   <a:solidFill>
                     <a:schemeClr val="tx1"/>
                   </a:solidFill>
                 </a:rPr>
-                <a:t>server_names</a:t>
+                <a:t>servers</a:t>
               </a:r>
               <a:endParaRPr lang="zh-CN" altLang="en-US" sz="1000" dirty="0">
                 <a:solidFill>
@@ -10348,18 +10348,18 @@
             <p:cNvPr id="50" name="肘形连接符 49"/>
             <p:cNvCxnSpPr>
               <a:stCxn id="48" idx="1"/>
-              <a:endCxn id="20" idx="1"/>
+              <a:endCxn id="18" idx="1"/>
             </p:cNvCxnSpPr>
             <p:nvPr/>
           </p:nvCxnSpPr>
           <p:spPr>
             <a:xfrm rot="10800000">
-              <a:off x="1395873" y="3717524"/>
-              <a:ext cx="4992073" cy="669194"/>
+              <a:off x="1395873" y="3046522"/>
+              <a:ext cx="4992073" cy="1340196"/>
             </a:xfrm>
             <a:prstGeom prst="bentConnector3">
               <a:avLst>
-                <a:gd name="adj1" fmla="val 104579"/>
+                <a:gd name="adj1" fmla="val 106713"/>
               </a:avLst>
             </a:prstGeom>
             <a:ln>
@@ -10660,14 +10660,14 @@
             <p:cNvPr id="64" name="肘形连接符 63"/>
             <p:cNvCxnSpPr>
               <a:stCxn id="19" idx="1"/>
-              <a:endCxn id="5" idx="1"/>
+              <a:endCxn id="6" idx="1"/>
             </p:cNvCxnSpPr>
             <p:nvPr/>
           </p:nvCxnSpPr>
           <p:spPr>
             <a:xfrm rot="10800000">
-              <a:off x="1395872" y="1080143"/>
-              <a:ext cx="12700" cy="2301881"/>
+              <a:off x="1395872" y="1415643"/>
+              <a:ext cx="12700" cy="1966380"/>
             </a:xfrm>
             <a:prstGeom prst="bentConnector3">
               <a:avLst>
